--- a/24-streams/lec.pptx
+++ b/24-streams/lec.pptx
@@ -5,7 +5,7 @@
     <p:sldMasterId id="2147483648" r:id="rId1"/>
   </p:sldMasterIdLst>
   <p:notesMasterIdLst>
-    <p:notesMasterId r:id="rId26"/>
+    <p:notesMasterId r:id="rId24"/>
   </p:notesMasterIdLst>
   <p:sldIdLst>
     <p:sldId id="441" r:id="rId2"/>
@@ -24,14 +24,12 @@
     <p:sldId id="467" r:id="rId15"/>
     <p:sldId id="471" r:id="rId16"/>
     <p:sldId id="491" r:id="rId17"/>
-    <p:sldId id="470" r:id="rId18"/>
-    <p:sldId id="480" r:id="rId19"/>
-    <p:sldId id="479" r:id="rId20"/>
-    <p:sldId id="475" r:id="rId21"/>
-    <p:sldId id="477" r:id="rId22"/>
-    <p:sldId id="478" r:id="rId23"/>
-    <p:sldId id="474" r:id="rId24"/>
-    <p:sldId id="336" r:id="rId25"/>
+    <p:sldId id="494" r:id="rId18"/>
+    <p:sldId id="481" r:id="rId19"/>
+    <p:sldId id="473" r:id="rId20"/>
+    <p:sldId id="495" r:id="rId21"/>
+    <p:sldId id="483" r:id="rId22"/>
+    <p:sldId id="336" r:id="rId23"/>
   </p:sldIdLst>
   <p:sldSz cx="9144000" cy="6858000" type="screen4x3"/>
   <p:notesSz cx="6858000" cy="9144000"/>
@@ -231,7 +229,7 @@
           <a:p>
             <a:fld id="{5367F125-181F-9A48-A24E-AAD89CB055B5}" type="datetimeFigureOut">
               <a:rPr lang="en-US" smtClean="0"/>
-              <a:t>11/24/19</a:t>
+              <a:t>11/25/19</a:t>
             </a:fld>
             <a:endParaRPr lang="en-US"/>
           </a:p>
@@ -2021,1243 +2019,1653 @@
           <a:bodyPr/>
           <a:lstStyle/>
           <a:p>
-            <a:pPr marL="0" indent="0">
-              <a:buNone/>
-            </a:pPr>
-            <a:r>
-              <a:rPr lang="mr-IN" dirty="0">
-                <a:solidFill>
-                  <a:srgbClr val="565656"/>
-                </a:solidFill>
-                <a:latin typeface="Courier" charset="0"/>
-                <a:ea typeface="Courier" charset="0"/>
-                <a:cs typeface="Courier" charset="0"/>
-              </a:rPr>
-              <a:t>(* [</a:t>
-            </a:r>
-            <a:r>
-              <a:rPr lang="mr-IN" dirty="0" err="1">
-                <a:solidFill>
-                  <a:srgbClr val="565656"/>
-                </a:solidFill>
-                <a:latin typeface="Courier" charset="0"/>
-                <a:ea typeface="Courier" charset="0"/>
-                <a:cs typeface="Courier" charset="0"/>
-              </a:rPr>
-              <a:t>map</a:t>
-            </a:r>
-            <a:r>
-              <a:rPr lang="mr-IN" dirty="0">
-                <a:solidFill>
-                  <a:srgbClr val="565656"/>
-                </a:solidFill>
-                <a:latin typeface="Courier" charset="0"/>
-                <a:ea typeface="Courier" charset="0"/>
-                <a:cs typeface="Courier" charset="0"/>
+            <a:r>
+              <a:rPr lang="en-US" dirty="0"/>
+              <a:t>This idea of delaying computations is useful enough that </a:t>
+            </a:r>
+            <a:r>
+              <a:rPr lang="en-US" dirty="0" err="1"/>
+              <a:t>OCaml</a:t>
+            </a:r>
+            <a:r>
+              <a:rPr lang="en-US" dirty="0"/>
+              <a:t> implements some special support for it in the language and standard library.</a:t>
+            </a:r>
+          </a:p>
+          <a:p>
+            <a:endParaRPr lang="en-US" dirty="0"/>
+          </a:p>
+          <a:p>
+            <a:r>
+              <a:rPr lang="en-US" sz="1200" b="0" kern="1200" dirty="0">
+                <a:solidFill>
+                  <a:schemeClr val="tx1"/>
+                </a:solidFill>
+                <a:effectLst/>
+                <a:latin typeface="+mn-lt"/>
+                <a:ea typeface="+mn-ea"/>
+                <a:cs typeface="+mn-cs"/>
+              </a:rPr>
+              <a:t>(*</a:t>
+            </a:r>
+            <a:r>
+              <a:rPr lang="en-US" sz="1200" b="0" i="1" kern="1200" dirty="0">
+                <a:solidFill>
+                  <a:schemeClr val="tx1"/>
+                </a:solidFill>
+                <a:effectLst/>
+                <a:latin typeface="+mn-lt"/>
+                <a:ea typeface="+mn-ea"/>
+                <a:cs typeface="+mn-cs"/>
+              </a:rPr>
+              <a:t> laziness.  code for primes is below and not important to go over in lecture; just copy and paste it into </a:t>
+            </a:r>
+            <a:r>
+              <a:rPr lang="en-US" sz="1200" b="0" i="1" kern="1200" dirty="0" err="1">
+                <a:solidFill>
+                  <a:schemeClr val="tx1"/>
+                </a:solidFill>
+                <a:effectLst/>
+                <a:latin typeface="+mn-lt"/>
+                <a:ea typeface="+mn-ea"/>
+                <a:cs typeface="+mn-cs"/>
+              </a:rPr>
+              <a:t>utop</a:t>
+            </a:r>
+            <a:r>
+              <a:rPr lang="en-US" sz="1200" b="0" i="1" kern="1200" dirty="0">
+                <a:solidFill>
+                  <a:schemeClr val="tx1"/>
+                </a:solidFill>
+                <a:effectLst/>
+                <a:latin typeface="+mn-lt"/>
+                <a:ea typeface="+mn-ea"/>
+                <a:cs typeface="+mn-cs"/>
+              </a:rPr>
+              <a:t> from [</a:t>
+            </a:r>
+            <a:r>
+              <a:rPr lang="en-US" sz="1200" b="0" i="1" kern="1200" dirty="0" err="1">
+                <a:solidFill>
+                  <a:schemeClr val="tx1"/>
+                </a:solidFill>
+                <a:effectLst/>
+                <a:latin typeface="+mn-lt"/>
+                <a:ea typeface="+mn-ea"/>
+                <a:cs typeface="+mn-cs"/>
+              </a:rPr>
+              <a:t>demo.ml</a:t>
+            </a:r>
+            <a:r>
+              <a:rPr lang="en-US" sz="1200" b="0" i="1" kern="1200" dirty="0">
+                <a:solidFill>
+                  <a:schemeClr val="tx1"/>
+                </a:solidFill>
+                <a:effectLst/>
+                <a:latin typeface="+mn-lt"/>
+                <a:ea typeface="+mn-ea"/>
+                <a:cs typeface="+mn-cs"/>
+              </a:rPr>
+              <a:t>] </a:t>
+            </a:r>
+            <a:r>
+              <a:rPr lang="en-US" sz="1200" b="0" kern="1200" dirty="0">
+                <a:solidFill>
+                  <a:schemeClr val="tx1"/>
+                </a:solidFill>
+                <a:effectLst/>
+                <a:latin typeface="+mn-lt"/>
+                <a:ea typeface="+mn-ea"/>
+                <a:cs typeface="+mn-cs"/>
+              </a:rPr>
+              <a:t>*)</a:t>
+            </a:r>
+          </a:p>
+          <a:p>
+            <a:br>
+              <a:rPr lang="en-US" sz="1200" b="0" kern="1200" dirty="0">
+                <a:solidFill>
+                  <a:schemeClr val="tx1"/>
+                </a:solidFill>
+                <a:effectLst/>
+                <a:latin typeface="+mn-lt"/>
+                <a:ea typeface="+mn-ea"/>
+                <a:cs typeface="+mn-cs"/>
+              </a:rPr>
+            </a:br>
+            <a:r>
+              <a:rPr lang="en-US" sz="1200" b="0" u="sng" kern="1200" dirty="0">
+                <a:solidFill>
+                  <a:schemeClr val="tx1"/>
+                </a:solidFill>
+                <a:effectLst/>
+                <a:latin typeface="+mn-lt"/>
+                <a:ea typeface="+mn-ea"/>
+                <a:cs typeface="+mn-cs"/>
+              </a:rPr>
+              <a:t>let</a:t>
+            </a:r>
+            <a:r>
+              <a:rPr lang="en-US" sz="1200" b="0" kern="1200" dirty="0">
+                <a:solidFill>
+                  <a:schemeClr val="tx1"/>
+                </a:solidFill>
+                <a:effectLst/>
+                <a:latin typeface="+mn-lt"/>
+                <a:ea typeface="+mn-ea"/>
+                <a:cs typeface="+mn-cs"/>
+              </a:rPr>
+              <a:t> _ </a:t>
+            </a:r>
+            <a:r>
+              <a:rPr lang="en-US" sz="1200" b="1" kern="1200" dirty="0">
+                <a:solidFill>
+                  <a:schemeClr val="tx1"/>
+                </a:solidFill>
+                <a:effectLst/>
+                <a:latin typeface="+mn-lt"/>
+                <a:ea typeface="+mn-ea"/>
+                <a:cs typeface="+mn-cs"/>
+              </a:rPr>
+              <a:t>=</a:t>
+            </a:r>
+            <a:r>
+              <a:rPr lang="en-US" sz="1200" b="0" kern="1200" dirty="0">
+                <a:solidFill>
+                  <a:schemeClr val="tx1"/>
+                </a:solidFill>
+                <a:effectLst/>
+                <a:latin typeface="+mn-lt"/>
+                <a:ea typeface="+mn-ea"/>
+                <a:cs typeface="+mn-cs"/>
+              </a:rPr>
+              <a:t> take 10_000 primes (*</a:t>
+            </a:r>
+            <a:r>
+              <a:rPr lang="en-US" sz="1200" b="0" i="1" kern="1200" dirty="0">
+                <a:solidFill>
+                  <a:schemeClr val="tx1"/>
+                </a:solidFill>
+                <a:effectLst/>
+                <a:latin typeface="+mn-lt"/>
+                <a:ea typeface="+mn-ea"/>
+                <a:cs typeface="+mn-cs"/>
+              </a:rPr>
+              <a:t> slow </a:t>
+            </a:r>
+            <a:r>
+              <a:rPr lang="en-US" sz="1200" b="0" kern="1200" dirty="0">
+                <a:solidFill>
+                  <a:schemeClr val="tx1"/>
+                </a:solidFill>
+                <a:effectLst/>
+                <a:latin typeface="+mn-lt"/>
+                <a:ea typeface="+mn-ea"/>
+                <a:cs typeface="+mn-cs"/>
+              </a:rPr>
+              <a:t>*)</a:t>
+            </a:r>
+          </a:p>
+          <a:p>
+            <a:r>
+              <a:rPr lang="en-US" sz="1200" b="0" u="sng" kern="1200" dirty="0">
+                <a:solidFill>
+                  <a:schemeClr val="tx1"/>
+                </a:solidFill>
+                <a:effectLst/>
+                <a:latin typeface="+mn-lt"/>
+                <a:ea typeface="+mn-ea"/>
+                <a:cs typeface="+mn-cs"/>
+              </a:rPr>
+              <a:t>let</a:t>
+            </a:r>
+            <a:r>
+              <a:rPr lang="en-US" sz="1200" b="0" kern="1200" dirty="0">
+                <a:solidFill>
+                  <a:schemeClr val="tx1"/>
+                </a:solidFill>
+                <a:effectLst/>
+                <a:latin typeface="+mn-lt"/>
+                <a:ea typeface="+mn-ea"/>
+                <a:cs typeface="+mn-cs"/>
               </a:rPr>
               <a:t> </a:t>
             </a:r>
             <a:r>
-              <a:rPr lang="mr-IN" dirty="0" err="1">
-                <a:solidFill>
-                  <a:srgbClr val="565656"/>
-                </a:solidFill>
-                <a:latin typeface="Courier" charset="0"/>
-                <a:ea typeface="Courier" charset="0"/>
-                <a:cs typeface="Courier" charset="0"/>
+              <a:rPr lang="en-US" sz="1200" b="0" i="1" kern="1200" dirty="0">
+                <a:solidFill>
+                  <a:schemeClr val="tx1"/>
+                </a:solidFill>
+                <a:effectLst/>
+                <a:latin typeface="+mn-lt"/>
+                <a:ea typeface="+mn-ea"/>
+                <a:cs typeface="+mn-cs"/>
+              </a:rPr>
+              <a:t>lazy_primes10k</a:t>
+            </a:r>
+            <a:r>
+              <a:rPr lang="en-US" sz="1200" b="0" kern="1200" dirty="0">
+                <a:solidFill>
+                  <a:schemeClr val="tx1"/>
+                </a:solidFill>
+                <a:effectLst/>
+                <a:latin typeface="+mn-lt"/>
+                <a:ea typeface="+mn-ea"/>
+                <a:cs typeface="+mn-cs"/>
+              </a:rPr>
+              <a:t> </a:t>
+            </a:r>
+            <a:r>
+              <a:rPr lang="en-US" sz="1200" b="1" kern="1200" dirty="0">
+                <a:solidFill>
+                  <a:schemeClr val="tx1"/>
+                </a:solidFill>
+                <a:effectLst/>
+                <a:latin typeface="+mn-lt"/>
+                <a:ea typeface="+mn-ea"/>
+                <a:cs typeface="+mn-cs"/>
+              </a:rPr>
+              <a:t>=</a:t>
+            </a:r>
+            <a:r>
+              <a:rPr lang="en-US" sz="1200" b="0" kern="1200" dirty="0">
+                <a:solidFill>
+                  <a:schemeClr val="tx1"/>
+                </a:solidFill>
+                <a:effectLst/>
+                <a:latin typeface="+mn-lt"/>
+                <a:ea typeface="+mn-ea"/>
+                <a:cs typeface="+mn-cs"/>
+              </a:rPr>
+              <a:t> lazy (take 10_000 primes) (*</a:t>
+            </a:r>
+            <a:r>
+              <a:rPr lang="en-US" sz="1200" b="0" i="1" kern="1200" dirty="0">
+                <a:solidFill>
+                  <a:schemeClr val="tx1"/>
+                </a:solidFill>
+                <a:effectLst/>
+                <a:latin typeface="+mn-lt"/>
+                <a:ea typeface="+mn-ea"/>
+                <a:cs typeface="+mn-cs"/>
+              </a:rPr>
+              <a:t> immediate </a:t>
+            </a:r>
+            <a:r>
+              <a:rPr lang="en-US" sz="1200" b="0" kern="1200" dirty="0">
+                <a:solidFill>
+                  <a:schemeClr val="tx1"/>
+                </a:solidFill>
+                <a:effectLst/>
+                <a:latin typeface="+mn-lt"/>
+                <a:ea typeface="+mn-ea"/>
+                <a:cs typeface="+mn-cs"/>
+              </a:rPr>
+              <a:t>*)</a:t>
+            </a:r>
+          </a:p>
+          <a:p>
+            <a:r>
+              <a:rPr lang="en-US" sz="1200" b="0" u="sng" kern="1200" dirty="0">
+                <a:solidFill>
+                  <a:schemeClr val="tx1"/>
+                </a:solidFill>
+                <a:effectLst/>
+                <a:latin typeface="+mn-lt"/>
+                <a:ea typeface="+mn-ea"/>
+                <a:cs typeface="+mn-cs"/>
+              </a:rPr>
+              <a:t>let</a:t>
+            </a:r>
+            <a:r>
+              <a:rPr lang="en-US" sz="1200" b="0" kern="1200" dirty="0">
+                <a:solidFill>
+                  <a:schemeClr val="tx1"/>
+                </a:solidFill>
+                <a:effectLst/>
+                <a:latin typeface="+mn-lt"/>
+                <a:ea typeface="+mn-ea"/>
+                <a:cs typeface="+mn-cs"/>
+              </a:rPr>
+              <a:t> </a:t>
+            </a:r>
+            <a:r>
+              <a:rPr lang="en-US" sz="1200" b="0" i="1" kern="1200" dirty="0">
+                <a:solidFill>
+                  <a:schemeClr val="tx1"/>
+                </a:solidFill>
+                <a:effectLst/>
+                <a:latin typeface="+mn-lt"/>
+                <a:ea typeface="+mn-ea"/>
+                <a:cs typeface="+mn-cs"/>
+              </a:rPr>
+              <a:t>primes10k</a:t>
+            </a:r>
+            <a:r>
+              <a:rPr lang="en-US" sz="1200" b="0" kern="1200" dirty="0">
+                <a:solidFill>
+                  <a:schemeClr val="tx1"/>
+                </a:solidFill>
+                <a:effectLst/>
+                <a:latin typeface="+mn-lt"/>
+                <a:ea typeface="+mn-ea"/>
+                <a:cs typeface="+mn-cs"/>
+              </a:rPr>
+              <a:t> </a:t>
+            </a:r>
+            <a:r>
+              <a:rPr lang="en-US" sz="1200" b="1" kern="1200" dirty="0">
+                <a:solidFill>
+                  <a:schemeClr val="tx1"/>
+                </a:solidFill>
+                <a:effectLst/>
+                <a:latin typeface="+mn-lt"/>
+                <a:ea typeface="+mn-ea"/>
+                <a:cs typeface="+mn-cs"/>
+              </a:rPr>
+              <a:t>=</a:t>
+            </a:r>
+            <a:r>
+              <a:rPr lang="en-US" sz="1200" b="0" kern="1200" dirty="0">
+                <a:solidFill>
+                  <a:schemeClr val="tx1"/>
+                </a:solidFill>
+                <a:effectLst/>
+                <a:latin typeface="+mn-lt"/>
+                <a:ea typeface="+mn-ea"/>
+                <a:cs typeface="+mn-cs"/>
+              </a:rPr>
+              <a:t> </a:t>
+            </a:r>
+            <a:r>
+              <a:rPr lang="en-US" sz="1200" b="0" kern="1200" dirty="0" err="1">
+                <a:solidFill>
+                  <a:schemeClr val="tx1"/>
+                </a:solidFill>
+                <a:effectLst/>
+                <a:latin typeface="+mn-lt"/>
+                <a:ea typeface="+mn-ea"/>
+                <a:cs typeface="+mn-cs"/>
+              </a:rPr>
+              <a:t>Lazy</a:t>
+            </a:r>
+            <a:r>
+              <a:rPr lang="en-US" sz="1200" b="1" kern="1200" dirty="0" err="1">
+                <a:solidFill>
+                  <a:schemeClr val="tx1"/>
+                </a:solidFill>
+                <a:effectLst/>
+                <a:latin typeface="+mn-lt"/>
+                <a:ea typeface="+mn-ea"/>
+                <a:cs typeface="+mn-cs"/>
+              </a:rPr>
+              <a:t>.</a:t>
+            </a:r>
+            <a:r>
+              <a:rPr lang="en-US" sz="1200" b="0" kern="1200" dirty="0" err="1">
+                <a:solidFill>
+                  <a:schemeClr val="tx1"/>
+                </a:solidFill>
+                <a:effectLst/>
+                <a:latin typeface="+mn-lt"/>
+                <a:ea typeface="+mn-ea"/>
+                <a:cs typeface="+mn-cs"/>
+              </a:rPr>
+              <a:t>force</a:t>
+            </a:r>
+            <a:r>
+              <a:rPr lang="en-US" sz="1200" b="0" kern="1200" dirty="0">
+                <a:solidFill>
+                  <a:schemeClr val="tx1"/>
+                </a:solidFill>
+                <a:effectLst/>
+                <a:latin typeface="+mn-lt"/>
+                <a:ea typeface="+mn-ea"/>
+                <a:cs typeface="+mn-cs"/>
+              </a:rPr>
+              <a:t> lazy_primes10k (*</a:t>
+            </a:r>
+            <a:r>
+              <a:rPr lang="en-US" sz="1200" b="0" i="1" kern="1200" dirty="0">
+                <a:solidFill>
+                  <a:schemeClr val="tx1"/>
+                </a:solidFill>
+                <a:effectLst/>
+                <a:latin typeface="+mn-lt"/>
+                <a:ea typeface="+mn-ea"/>
+                <a:cs typeface="+mn-cs"/>
+              </a:rPr>
+              <a:t> slow </a:t>
+            </a:r>
+            <a:r>
+              <a:rPr lang="en-US" sz="1200" b="0" kern="1200" dirty="0">
+                <a:solidFill>
+                  <a:schemeClr val="tx1"/>
+                </a:solidFill>
+                <a:effectLst/>
+                <a:latin typeface="+mn-lt"/>
+                <a:ea typeface="+mn-ea"/>
+                <a:cs typeface="+mn-cs"/>
+              </a:rPr>
+              <a:t>*)</a:t>
+            </a:r>
+          </a:p>
+          <a:p>
+            <a:r>
+              <a:rPr lang="en-US" sz="1200" b="0" u="sng" kern="1200" dirty="0">
+                <a:solidFill>
+                  <a:schemeClr val="tx1"/>
+                </a:solidFill>
+                <a:effectLst/>
+                <a:latin typeface="+mn-lt"/>
+                <a:ea typeface="+mn-ea"/>
+                <a:cs typeface="+mn-cs"/>
+              </a:rPr>
+              <a:t>let</a:t>
+            </a:r>
+            <a:r>
+              <a:rPr lang="en-US" sz="1200" b="0" kern="1200" dirty="0">
+                <a:solidFill>
+                  <a:schemeClr val="tx1"/>
+                </a:solidFill>
+                <a:effectLst/>
+                <a:latin typeface="+mn-lt"/>
+                <a:ea typeface="+mn-ea"/>
+                <a:cs typeface="+mn-cs"/>
+              </a:rPr>
+              <a:t> </a:t>
+            </a:r>
+            <a:r>
+              <a:rPr lang="en-US" sz="1200" b="0" i="1" kern="1200" dirty="0">
+                <a:solidFill>
+                  <a:schemeClr val="tx1"/>
+                </a:solidFill>
+                <a:effectLst/>
+                <a:latin typeface="+mn-lt"/>
+                <a:ea typeface="+mn-ea"/>
+                <a:cs typeface="+mn-cs"/>
+              </a:rPr>
+              <a:t>primes10k_again</a:t>
+            </a:r>
+            <a:r>
+              <a:rPr lang="en-US" sz="1200" b="0" kern="1200" dirty="0">
+                <a:solidFill>
+                  <a:schemeClr val="tx1"/>
+                </a:solidFill>
+                <a:effectLst/>
+                <a:latin typeface="+mn-lt"/>
+                <a:ea typeface="+mn-ea"/>
+                <a:cs typeface="+mn-cs"/>
+              </a:rPr>
+              <a:t> </a:t>
+            </a:r>
+            <a:r>
+              <a:rPr lang="en-US" sz="1200" b="1" kern="1200" dirty="0">
+                <a:solidFill>
+                  <a:schemeClr val="tx1"/>
+                </a:solidFill>
+                <a:effectLst/>
+                <a:latin typeface="+mn-lt"/>
+                <a:ea typeface="+mn-ea"/>
+                <a:cs typeface="+mn-cs"/>
+              </a:rPr>
+              <a:t>=</a:t>
+            </a:r>
+            <a:r>
+              <a:rPr lang="en-US" sz="1200" b="0" kern="1200" dirty="0">
+                <a:solidFill>
+                  <a:schemeClr val="tx1"/>
+                </a:solidFill>
+                <a:effectLst/>
+                <a:latin typeface="+mn-lt"/>
+                <a:ea typeface="+mn-ea"/>
+                <a:cs typeface="+mn-cs"/>
+              </a:rPr>
+              <a:t> </a:t>
+            </a:r>
+            <a:r>
+              <a:rPr lang="en-US" sz="1200" b="0" kern="1200" dirty="0" err="1">
+                <a:solidFill>
+                  <a:schemeClr val="tx1"/>
+                </a:solidFill>
+                <a:effectLst/>
+                <a:latin typeface="+mn-lt"/>
+                <a:ea typeface="+mn-ea"/>
+                <a:cs typeface="+mn-cs"/>
+              </a:rPr>
+              <a:t>Lazy</a:t>
+            </a:r>
+            <a:r>
+              <a:rPr lang="en-US" sz="1200" b="1" kern="1200" dirty="0" err="1">
+                <a:solidFill>
+                  <a:schemeClr val="tx1"/>
+                </a:solidFill>
+                <a:effectLst/>
+                <a:latin typeface="+mn-lt"/>
+                <a:ea typeface="+mn-ea"/>
+                <a:cs typeface="+mn-cs"/>
+              </a:rPr>
+              <a:t>.</a:t>
+            </a:r>
+            <a:r>
+              <a:rPr lang="en-US" sz="1200" b="0" kern="1200" dirty="0" err="1">
+                <a:solidFill>
+                  <a:schemeClr val="tx1"/>
+                </a:solidFill>
+                <a:effectLst/>
+                <a:latin typeface="+mn-lt"/>
+                <a:ea typeface="+mn-ea"/>
+                <a:cs typeface="+mn-cs"/>
+              </a:rPr>
+              <a:t>force</a:t>
+            </a:r>
+            <a:r>
+              <a:rPr lang="en-US" sz="1200" b="0" kern="1200" dirty="0">
+                <a:solidFill>
+                  <a:schemeClr val="tx1"/>
+                </a:solidFill>
+                <a:effectLst/>
+                <a:latin typeface="+mn-lt"/>
+                <a:ea typeface="+mn-ea"/>
+                <a:cs typeface="+mn-cs"/>
+              </a:rPr>
+              <a:t> lazy_primes10k (*</a:t>
+            </a:r>
+            <a:r>
+              <a:rPr lang="en-US" sz="1200" b="0" i="1" kern="1200" dirty="0">
+                <a:solidFill>
+                  <a:schemeClr val="tx1"/>
+                </a:solidFill>
+                <a:effectLst/>
+                <a:latin typeface="+mn-lt"/>
+                <a:ea typeface="+mn-ea"/>
+                <a:cs typeface="+mn-cs"/>
+              </a:rPr>
+              <a:t> immediate </a:t>
+            </a:r>
+            <a:r>
+              <a:rPr lang="en-US" sz="1200" b="0" kern="1200" dirty="0">
+                <a:solidFill>
+                  <a:schemeClr val="tx1"/>
+                </a:solidFill>
+                <a:effectLst/>
+                <a:latin typeface="+mn-lt"/>
+                <a:ea typeface="+mn-ea"/>
+                <a:cs typeface="+mn-cs"/>
+              </a:rPr>
+              <a:t>*)</a:t>
+            </a:r>
+          </a:p>
+          <a:p>
+            <a:endParaRPr lang="en-US" dirty="0"/>
+          </a:p>
+          <a:p>
+            <a:r>
+              <a:rPr lang="en-US" dirty="0"/>
+              <a:t>(* code for primes *)</a:t>
+            </a:r>
+          </a:p>
+          <a:p>
+            <a:endParaRPr lang="en-US" dirty="0"/>
+          </a:p>
+          <a:p>
+            <a:r>
+              <a:rPr lang="en-US" sz="1200" b="0" u="sng" kern="1200" dirty="0">
+                <a:solidFill>
+                  <a:schemeClr val="tx1"/>
+                </a:solidFill>
+                <a:effectLst/>
+                <a:latin typeface="+mn-lt"/>
+                <a:ea typeface="+mn-ea"/>
+                <a:cs typeface="+mn-cs"/>
+              </a:rPr>
+              <a:t>let</a:t>
+            </a:r>
+            <a:r>
+              <a:rPr lang="en-US" sz="1200" b="0" kern="1200" dirty="0">
+                <a:solidFill>
+                  <a:schemeClr val="tx1"/>
+                </a:solidFill>
+                <a:effectLst/>
+                <a:latin typeface="+mn-lt"/>
+                <a:ea typeface="+mn-ea"/>
+                <a:cs typeface="+mn-cs"/>
+              </a:rPr>
+              <a:t> rec </a:t>
+            </a:r>
+            <a:r>
+              <a:rPr lang="en-US" sz="1200" b="0" i="1" kern="1200" dirty="0">
+                <a:solidFill>
+                  <a:schemeClr val="tx1"/>
+                </a:solidFill>
+                <a:effectLst/>
+                <a:latin typeface="+mn-lt"/>
+                <a:ea typeface="+mn-ea"/>
+                <a:cs typeface="+mn-cs"/>
+              </a:rPr>
+              <a:t>filter</a:t>
+            </a:r>
+            <a:r>
+              <a:rPr lang="en-US" sz="1200" b="0" kern="1200" dirty="0">
+                <a:solidFill>
+                  <a:schemeClr val="tx1"/>
+                </a:solidFill>
+                <a:effectLst/>
+                <a:latin typeface="+mn-lt"/>
+                <a:ea typeface="+mn-ea"/>
+                <a:cs typeface="+mn-cs"/>
+              </a:rPr>
+              <a:t> </a:t>
+            </a:r>
+            <a:r>
+              <a:rPr lang="en-US" sz="1200" b="0" i="1" kern="1200" dirty="0">
+                <a:solidFill>
+                  <a:schemeClr val="tx1"/>
+                </a:solidFill>
+                <a:effectLst/>
+                <a:latin typeface="+mn-lt"/>
+                <a:ea typeface="+mn-ea"/>
+                <a:cs typeface="+mn-cs"/>
               </a:rPr>
               <a:t>f</a:t>
             </a:r>
             <a:r>
-              <a:rPr lang="mr-IN" dirty="0">
-                <a:solidFill>
-                  <a:srgbClr val="565656"/>
-                </a:solidFill>
-                <a:latin typeface="Courier" charset="0"/>
-                <a:ea typeface="Courier" charset="0"/>
-                <a:cs typeface="Courier" charset="0"/>
-              </a:rPr>
-              <a:t> &lt;</a:t>
-            </a:r>
-            <a:r>
-              <a:rPr lang="mr-IN" dirty="0" err="1">
-                <a:solidFill>
-                  <a:srgbClr val="565656"/>
-                </a:solidFill>
-                <a:latin typeface="Courier" charset="0"/>
-                <a:ea typeface="Courier" charset="0"/>
-                <a:cs typeface="Courier" charset="0"/>
-              </a:rPr>
-              <a:t>a;b;c</a:t>
-            </a:r>
-            <a:r>
-              <a:rPr lang="mr-IN" dirty="0">
-                <a:solidFill>
-                  <a:srgbClr val="565656"/>
-                </a:solidFill>
-                <a:latin typeface="Courier" charset="0"/>
-                <a:ea typeface="Courier" charset="0"/>
-                <a:cs typeface="Courier" charset="0"/>
-              </a:rPr>
-              <a:t>;...&gt;] </a:t>
-            </a:r>
-            <a:r>
-              <a:rPr lang="mr-IN" dirty="0" err="1">
-                <a:solidFill>
-                  <a:srgbClr val="565656"/>
-                </a:solidFill>
-                <a:latin typeface="Courier" charset="0"/>
-                <a:ea typeface="Courier" charset="0"/>
-                <a:cs typeface="Courier" charset="0"/>
-              </a:rPr>
-              <a:t>is</a:t>
-            </a:r>
-            <a:r>
-              <a:rPr lang="mr-IN" dirty="0">
-                <a:solidFill>
-                  <a:srgbClr val="565656"/>
-                </a:solidFill>
-                <a:latin typeface="Courier" charset="0"/>
-                <a:ea typeface="Courier" charset="0"/>
-                <a:cs typeface="Courier" charset="0"/>
-              </a:rPr>
-              <a:t> [&lt;</a:t>
-            </a:r>
-            <a:r>
-              <a:rPr lang="mr-IN" dirty="0" err="1">
-                <a:solidFill>
-                  <a:srgbClr val="565656"/>
-                </a:solidFill>
-                <a:latin typeface="Courier" charset="0"/>
-                <a:ea typeface="Courier" charset="0"/>
-                <a:cs typeface="Courier" charset="0"/>
-              </a:rPr>
-              <a:t>f</a:t>
-            </a:r>
-            <a:r>
-              <a:rPr lang="mr-IN" dirty="0">
-                <a:solidFill>
-                  <a:srgbClr val="565656"/>
-                </a:solidFill>
-                <a:latin typeface="Courier" charset="0"/>
-                <a:ea typeface="Courier" charset="0"/>
-                <a:cs typeface="Courier" charset="0"/>
+              <a:rPr lang="en-US" sz="1200" b="0" kern="1200" dirty="0">
+                <a:solidFill>
+                  <a:schemeClr val="tx1"/>
+                </a:solidFill>
+                <a:effectLst/>
+                <a:latin typeface="+mn-lt"/>
+                <a:ea typeface="+mn-ea"/>
+                <a:cs typeface="+mn-cs"/>
               </a:rPr>
               <a:t> </a:t>
             </a:r>
             <a:r>
-              <a:rPr lang="mr-IN" dirty="0" err="1">
-                <a:solidFill>
-                  <a:srgbClr val="565656"/>
-                </a:solidFill>
-                <a:latin typeface="Courier" charset="0"/>
-                <a:ea typeface="Courier" charset="0"/>
-                <a:cs typeface="Courier" charset="0"/>
-              </a:rPr>
-              <a:t>a</a:t>
-            </a:r>
-            <a:r>
-              <a:rPr lang="mr-IN" dirty="0">
-                <a:solidFill>
-                  <a:srgbClr val="565656"/>
-                </a:solidFill>
-                <a:latin typeface="Courier" charset="0"/>
-                <a:ea typeface="Courier" charset="0"/>
-                <a:cs typeface="Courier" charset="0"/>
-              </a:rPr>
-              <a:t>; </a:t>
-            </a:r>
-            <a:r>
-              <a:rPr lang="mr-IN" dirty="0" err="1">
-                <a:solidFill>
-                  <a:srgbClr val="565656"/>
-                </a:solidFill>
-                <a:latin typeface="Courier" charset="0"/>
-                <a:ea typeface="Courier" charset="0"/>
-                <a:cs typeface="Courier" charset="0"/>
-              </a:rPr>
-              <a:t>f</a:t>
-            </a:r>
-            <a:r>
-              <a:rPr lang="mr-IN" dirty="0">
-                <a:solidFill>
-                  <a:srgbClr val="565656"/>
-                </a:solidFill>
-                <a:latin typeface="Courier" charset="0"/>
-                <a:ea typeface="Courier" charset="0"/>
-                <a:cs typeface="Courier" charset="0"/>
+              <a:rPr lang="en-US" sz="1200" b="1" kern="1200" dirty="0">
+                <a:solidFill>
+                  <a:schemeClr val="tx1"/>
+                </a:solidFill>
+                <a:effectLst/>
+                <a:latin typeface="+mn-lt"/>
+                <a:ea typeface="+mn-ea"/>
+                <a:cs typeface="+mn-cs"/>
+              </a:rPr>
+              <a:t>=</a:t>
+            </a:r>
+            <a:r>
+              <a:rPr lang="en-US" sz="1200" b="0" kern="1200" dirty="0">
+                <a:solidFill>
+                  <a:schemeClr val="tx1"/>
+                </a:solidFill>
+                <a:effectLst/>
+                <a:latin typeface="+mn-lt"/>
+                <a:ea typeface="+mn-ea"/>
+                <a:cs typeface="+mn-cs"/>
+              </a:rPr>
+              <a:t> function</a:t>
+            </a:r>
+          </a:p>
+          <a:p>
+            <a:r>
+              <a:rPr lang="en-US" sz="1200" b="1" kern="1200" dirty="0">
+                <a:solidFill>
+                  <a:schemeClr val="tx1"/>
+                </a:solidFill>
+                <a:effectLst/>
+                <a:latin typeface="+mn-lt"/>
+                <a:ea typeface="+mn-ea"/>
+                <a:cs typeface="+mn-cs"/>
+              </a:rPr>
+              <a:t>|</a:t>
+            </a:r>
+            <a:r>
+              <a:rPr lang="en-US" sz="1200" b="0" kern="1200" dirty="0">
+                <a:solidFill>
+                  <a:schemeClr val="tx1"/>
+                </a:solidFill>
+                <a:effectLst/>
+                <a:latin typeface="+mn-lt"/>
+                <a:ea typeface="+mn-ea"/>
+                <a:cs typeface="+mn-cs"/>
               </a:rPr>
               <a:t> </a:t>
             </a:r>
             <a:r>
-              <a:rPr lang="mr-IN" dirty="0" err="1">
-                <a:solidFill>
-                  <a:srgbClr val="565656"/>
-                </a:solidFill>
-                <a:latin typeface="Courier" charset="0"/>
-                <a:ea typeface="Courier" charset="0"/>
-                <a:cs typeface="Courier" charset="0"/>
-              </a:rPr>
-              <a:t>b</a:t>
-            </a:r>
-            <a:r>
-              <a:rPr lang="mr-IN" dirty="0">
-                <a:solidFill>
-                  <a:srgbClr val="565656"/>
-                </a:solidFill>
-                <a:latin typeface="Courier" charset="0"/>
-                <a:ea typeface="Courier" charset="0"/>
-                <a:cs typeface="Courier" charset="0"/>
-              </a:rPr>
-              <a:t>; </a:t>
-            </a:r>
-            <a:r>
-              <a:rPr lang="mr-IN" dirty="0" err="1">
-                <a:solidFill>
-                  <a:srgbClr val="565656"/>
-                </a:solidFill>
-                <a:latin typeface="Courier" charset="0"/>
-                <a:ea typeface="Courier" charset="0"/>
-                <a:cs typeface="Courier" charset="0"/>
-              </a:rPr>
-              <a:t>f</a:t>
-            </a:r>
-            <a:r>
-              <a:rPr lang="mr-IN" dirty="0">
-                <a:solidFill>
-                  <a:srgbClr val="565656"/>
-                </a:solidFill>
-                <a:latin typeface="Courier" charset="0"/>
-                <a:ea typeface="Courier" charset="0"/>
-                <a:cs typeface="Courier" charset="0"/>
+              <a:rPr lang="en-US" sz="1200" b="1" kern="1200" dirty="0">
+                <a:solidFill>
+                  <a:schemeClr val="tx1"/>
+                </a:solidFill>
+                <a:effectLst/>
+                <a:latin typeface="+mn-lt"/>
+                <a:ea typeface="+mn-ea"/>
+                <a:cs typeface="+mn-cs"/>
+              </a:rPr>
+              <a:t>Cons</a:t>
+            </a:r>
+            <a:r>
+              <a:rPr lang="en-US" sz="1200" b="0" kern="1200" dirty="0">
+                <a:solidFill>
+                  <a:schemeClr val="tx1"/>
+                </a:solidFill>
+                <a:effectLst/>
+                <a:latin typeface="+mn-lt"/>
+                <a:ea typeface="+mn-ea"/>
+                <a:cs typeface="+mn-cs"/>
+              </a:rPr>
+              <a:t> (</a:t>
+            </a:r>
+            <a:r>
+              <a:rPr lang="en-US" sz="1200" b="0" i="1" kern="1200" dirty="0">
+                <a:solidFill>
+                  <a:schemeClr val="tx1"/>
+                </a:solidFill>
+                <a:effectLst/>
+                <a:latin typeface="+mn-lt"/>
+                <a:ea typeface="+mn-ea"/>
+                <a:cs typeface="+mn-cs"/>
+              </a:rPr>
+              <a:t>h</a:t>
+            </a:r>
+            <a:r>
+              <a:rPr lang="en-US" sz="1200" b="1" kern="1200" dirty="0">
+                <a:solidFill>
+                  <a:schemeClr val="tx1"/>
+                </a:solidFill>
+                <a:effectLst/>
+                <a:latin typeface="+mn-lt"/>
+                <a:ea typeface="+mn-ea"/>
+                <a:cs typeface="+mn-cs"/>
+              </a:rPr>
+              <a:t>,</a:t>
+            </a:r>
+            <a:r>
+              <a:rPr lang="en-US" sz="1200" b="0" kern="1200" dirty="0">
+                <a:solidFill>
+                  <a:schemeClr val="tx1"/>
+                </a:solidFill>
+                <a:effectLst/>
+                <a:latin typeface="+mn-lt"/>
+                <a:ea typeface="+mn-ea"/>
+                <a:cs typeface="+mn-cs"/>
               </a:rPr>
               <a:t> </a:t>
             </a:r>
             <a:r>
-              <a:rPr lang="mr-IN" dirty="0" err="1">
-                <a:solidFill>
-                  <a:srgbClr val="565656"/>
-                </a:solidFill>
-                <a:latin typeface="Courier" charset="0"/>
-                <a:ea typeface="Courier" charset="0"/>
-                <a:cs typeface="Courier" charset="0"/>
-              </a:rPr>
-              <a:t>c</a:t>
-            </a:r>
-            <a:r>
-              <a:rPr lang="mr-IN" dirty="0">
-                <a:solidFill>
-                  <a:srgbClr val="565656"/>
-                </a:solidFill>
-                <a:latin typeface="Courier" charset="0"/>
-                <a:ea typeface="Courier" charset="0"/>
-                <a:cs typeface="Courier" charset="0"/>
-              </a:rPr>
-              <a:t>; ...&gt;] *)</a:t>
-            </a:r>
-            <a:endParaRPr lang="mr-IN" dirty="0">
+              <a:rPr lang="en-US" sz="1200" b="0" i="1" kern="1200" dirty="0">
+                <a:solidFill>
+                  <a:schemeClr val="tx1"/>
+                </a:solidFill>
+                <a:effectLst/>
+                <a:latin typeface="+mn-lt"/>
+                <a:ea typeface="+mn-ea"/>
+                <a:cs typeface="+mn-cs"/>
+              </a:rPr>
+              <a:t>t</a:t>
+            </a:r>
+            <a:r>
+              <a:rPr lang="en-US" sz="1200" b="0" kern="1200" dirty="0">
+                <a:solidFill>
+                  <a:schemeClr val="tx1"/>
+                </a:solidFill>
+                <a:effectLst/>
+                <a:latin typeface="+mn-lt"/>
+                <a:ea typeface="+mn-ea"/>
+                <a:cs typeface="+mn-cs"/>
+              </a:rPr>
+              <a:t>) </a:t>
+            </a:r>
+            <a:r>
+              <a:rPr lang="en-US" sz="1200" b="1" kern="1200" dirty="0">
+                <a:solidFill>
+                  <a:schemeClr val="tx1"/>
+                </a:solidFill>
+                <a:effectLst/>
+                <a:latin typeface="+mn-lt"/>
+                <a:ea typeface="+mn-ea"/>
+                <a:cs typeface="+mn-cs"/>
+              </a:rPr>
+              <a:t>-&gt;</a:t>
+            </a:r>
+            <a:endParaRPr lang="en-US" sz="1200" b="0" kern="1200" dirty="0">
               <a:solidFill>
-                <a:srgbClr val="000000"/>
+                <a:schemeClr val="tx1"/>
               </a:solidFill>
-              <a:latin typeface="Courier" charset="0"/>
-              <a:ea typeface="Courier" charset="0"/>
-              <a:cs typeface="Courier" charset="0"/>
+              <a:effectLst/>
+              <a:latin typeface="+mn-lt"/>
+              <a:ea typeface="+mn-ea"/>
+              <a:cs typeface="+mn-cs"/>
             </a:endParaRPr>
           </a:p>
           <a:p>
-            <a:pPr marL="0" indent="0">
-              <a:buNone/>
-            </a:pPr>
-            <a:r>
-              <a:rPr lang="en-US" b="1" dirty="0">
-                <a:solidFill>
-                  <a:srgbClr val="6B0001"/>
-                </a:solidFill>
-                <a:latin typeface="Courier" charset="0"/>
-                <a:ea typeface="Courier" charset="0"/>
-                <a:cs typeface="Courier" charset="0"/>
+            <a:r>
+              <a:rPr lang="en-US" sz="1200" b="0" kern="1200" dirty="0">
+                <a:solidFill>
+                  <a:schemeClr val="tx1"/>
+                </a:solidFill>
+                <a:effectLst/>
+                <a:latin typeface="+mn-lt"/>
+                <a:ea typeface="+mn-ea"/>
+                <a:cs typeface="+mn-cs"/>
+              </a:rPr>
+              <a:t>if f h then </a:t>
+            </a:r>
+            <a:r>
+              <a:rPr lang="en-US" sz="1200" b="1" kern="1200" dirty="0">
+                <a:solidFill>
+                  <a:schemeClr val="tx1"/>
+                </a:solidFill>
+                <a:effectLst/>
+                <a:latin typeface="+mn-lt"/>
+                <a:ea typeface="+mn-ea"/>
+                <a:cs typeface="+mn-cs"/>
+              </a:rPr>
+              <a:t>Cons</a:t>
+            </a:r>
+            <a:r>
+              <a:rPr lang="en-US" sz="1200" b="0" kern="1200" dirty="0">
+                <a:solidFill>
+                  <a:schemeClr val="tx1"/>
+                </a:solidFill>
+                <a:effectLst/>
+                <a:latin typeface="+mn-lt"/>
+                <a:ea typeface="+mn-ea"/>
+                <a:cs typeface="+mn-cs"/>
+              </a:rPr>
+              <a:t> (h, fun </a:t>
+            </a:r>
+            <a:r>
+              <a:rPr lang="en-US" sz="1200" b="1" kern="1200" dirty="0">
+                <a:solidFill>
+                  <a:schemeClr val="tx1"/>
+                </a:solidFill>
+                <a:effectLst/>
+                <a:latin typeface="+mn-lt"/>
+                <a:ea typeface="+mn-ea"/>
+                <a:cs typeface="+mn-cs"/>
+              </a:rPr>
+              <a:t>()</a:t>
+            </a:r>
+            <a:r>
+              <a:rPr lang="en-US" sz="1200" b="0" kern="1200" dirty="0">
+                <a:solidFill>
+                  <a:schemeClr val="tx1"/>
+                </a:solidFill>
+                <a:effectLst/>
+                <a:latin typeface="+mn-lt"/>
+                <a:ea typeface="+mn-ea"/>
+                <a:cs typeface="+mn-cs"/>
+              </a:rPr>
+              <a:t> </a:t>
+            </a:r>
+            <a:r>
+              <a:rPr lang="en-US" sz="1200" b="1" kern="1200" dirty="0">
+                <a:solidFill>
+                  <a:schemeClr val="tx1"/>
+                </a:solidFill>
+                <a:effectLst/>
+                <a:latin typeface="+mn-lt"/>
+                <a:ea typeface="+mn-ea"/>
+                <a:cs typeface="+mn-cs"/>
+              </a:rPr>
+              <a:t>-&gt;</a:t>
+            </a:r>
+            <a:r>
+              <a:rPr lang="en-US" sz="1200" b="0" kern="1200" dirty="0">
+                <a:solidFill>
+                  <a:schemeClr val="tx1"/>
+                </a:solidFill>
+                <a:effectLst/>
+                <a:latin typeface="+mn-lt"/>
+                <a:ea typeface="+mn-ea"/>
+                <a:cs typeface="+mn-cs"/>
+              </a:rPr>
+              <a:t> filter f (t </a:t>
+            </a:r>
+            <a:r>
+              <a:rPr lang="en-US" sz="1200" b="1" kern="1200" dirty="0">
+                <a:solidFill>
+                  <a:schemeClr val="tx1"/>
+                </a:solidFill>
+                <a:effectLst/>
+                <a:latin typeface="+mn-lt"/>
+                <a:ea typeface="+mn-ea"/>
+                <a:cs typeface="+mn-cs"/>
+              </a:rPr>
+              <a:t>()</a:t>
+            </a:r>
+            <a:r>
+              <a:rPr lang="en-US" sz="1200" b="0" kern="1200" dirty="0">
+                <a:solidFill>
+                  <a:schemeClr val="tx1"/>
+                </a:solidFill>
+                <a:effectLst/>
+                <a:latin typeface="+mn-lt"/>
+                <a:ea typeface="+mn-ea"/>
+                <a:cs typeface="+mn-cs"/>
+              </a:rPr>
+              <a:t>))</a:t>
+            </a:r>
+          </a:p>
+          <a:p>
+            <a:r>
+              <a:rPr lang="en-US" sz="1200" b="0" kern="1200" dirty="0">
+                <a:solidFill>
+                  <a:schemeClr val="tx1"/>
+                </a:solidFill>
+                <a:effectLst/>
+                <a:latin typeface="+mn-lt"/>
+                <a:ea typeface="+mn-ea"/>
+                <a:cs typeface="+mn-cs"/>
+              </a:rPr>
+              <a:t>else filter f (t </a:t>
+            </a:r>
+            <a:r>
+              <a:rPr lang="en-US" sz="1200" b="1" kern="1200" dirty="0">
+                <a:solidFill>
+                  <a:schemeClr val="tx1"/>
+                </a:solidFill>
+                <a:effectLst/>
+                <a:latin typeface="+mn-lt"/>
+                <a:ea typeface="+mn-ea"/>
+                <a:cs typeface="+mn-cs"/>
+              </a:rPr>
+              <a:t>()</a:t>
+            </a:r>
+            <a:r>
+              <a:rPr lang="en-US" sz="1200" b="0" kern="1200" dirty="0">
+                <a:solidFill>
+                  <a:schemeClr val="tx1"/>
+                </a:solidFill>
+                <a:effectLst/>
+                <a:latin typeface="+mn-lt"/>
+                <a:ea typeface="+mn-ea"/>
+                <a:cs typeface="+mn-cs"/>
+              </a:rPr>
+              <a:t>)</a:t>
+            </a:r>
+          </a:p>
+          <a:p>
+            <a:br>
+              <a:rPr lang="en-US" sz="1200" b="0" kern="1200" dirty="0">
+                <a:solidFill>
+                  <a:schemeClr val="tx1"/>
+                </a:solidFill>
+                <a:effectLst/>
+                <a:latin typeface="+mn-lt"/>
+                <a:ea typeface="+mn-ea"/>
+                <a:cs typeface="+mn-cs"/>
+              </a:rPr>
+            </a:br>
+            <a:r>
+              <a:rPr lang="en-US" sz="1200" b="0" kern="1200" dirty="0">
+                <a:solidFill>
+                  <a:schemeClr val="tx1"/>
+                </a:solidFill>
+                <a:effectLst/>
+                <a:latin typeface="+mn-lt"/>
+                <a:ea typeface="+mn-ea"/>
+                <a:cs typeface="+mn-cs"/>
+              </a:rPr>
+              <a:t>(*</a:t>
+            </a:r>
+            <a:r>
+              <a:rPr lang="en-US" sz="1200" b="0" i="1" kern="1200" dirty="0">
+                <a:solidFill>
+                  <a:schemeClr val="tx1"/>
+                </a:solidFill>
+                <a:effectLst/>
+                <a:latin typeface="+mn-lt"/>
+                <a:ea typeface="+mn-ea"/>
+                <a:cs typeface="+mn-cs"/>
+              </a:rPr>
+              <a:t> delete multiples of m from a stream </a:t>
+            </a:r>
+            <a:r>
+              <a:rPr lang="en-US" sz="1200" b="0" kern="1200" dirty="0">
+                <a:solidFill>
+                  <a:schemeClr val="tx1"/>
+                </a:solidFill>
+                <a:effectLst/>
+                <a:latin typeface="+mn-lt"/>
+                <a:ea typeface="+mn-ea"/>
+                <a:cs typeface="+mn-cs"/>
+              </a:rPr>
+              <a:t>*)</a:t>
+            </a:r>
+          </a:p>
+          <a:p>
+            <a:r>
+              <a:rPr lang="en-US" sz="1200" b="0" u="sng" kern="1200" dirty="0">
+                <a:solidFill>
+                  <a:schemeClr val="tx1"/>
+                </a:solidFill>
+                <a:effectLst/>
+                <a:latin typeface="+mn-lt"/>
+                <a:ea typeface="+mn-ea"/>
+                <a:cs typeface="+mn-cs"/>
               </a:rPr>
               <a:t>let</a:t>
             </a:r>
             <a:r>
-              <a:rPr lang="en-US" dirty="0">
-                <a:solidFill>
-                  <a:srgbClr val="000000"/>
-                </a:solidFill>
-                <a:latin typeface="Courier" charset="0"/>
-                <a:ea typeface="Courier" charset="0"/>
-                <a:cs typeface="Courier" charset="0"/>
+              <a:rPr lang="en-US" sz="1200" b="0" kern="1200" dirty="0">
+                <a:solidFill>
+                  <a:schemeClr val="tx1"/>
+                </a:solidFill>
+                <a:effectLst/>
+                <a:latin typeface="+mn-lt"/>
+                <a:ea typeface="+mn-ea"/>
+                <a:cs typeface="+mn-cs"/>
               </a:rPr>
               <a:t> </a:t>
             </a:r>
             <a:r>
-              <a:rPr lang="en-US" b="1" dirty="0">
-                <a:solidFill>
-                  <a:srgbClr val="6B0001"/>
-                </a:solidFill>
-                <a:latin typeface="Courier" charset="0"/>
-                <a:ea typeface="Courier" charset="0"/>
-                <a:cs typeface="Courier" charset="0"/>
-              </a:rPr>
-              <a:t>rec</a:t>
-            </a:r>
-            <a:r>
-              <a:rPr lang="en-US" dirty="0">
-                <a:solidFill>
-                  <a:srgbClr val="000000"/>
-                </a:solidFill>
-                <a:latin typeface="Courier" charset="0"/>
-                <a:ea typeface="Courier" charset="0"/>
-                <a:cs typeface="Courier" charset="0"/>
-              </a:rPr>
-              <a:t> map f </a:t>
-            </a:r>
-            <a:r>
-              <a:rPr lang="en-US" dirty="0">
-                <a:solidFill>
-                  <a:srgbClr val="6D6F24"/>
-                </a:solidFill>
-                <a:latin typeface="Courier" charset="0"/>
-                <a:ea typeface="Courier" charset="0"/>
-                <a:cs typeface="Courier" charset="0"/>
-              </a:rPr>
-              <a:t>(</a:t>
-            </a:r>
-            <a:r>
-              <a:rPr lang="en-US" dirty="0">
-                <a:solidFill>
-                  <a:srgbClr val="000000"/>
-                </a:solidFill>
-                <a:latin typeface="Courier" charset="0"/>
-                <a:ea typeface="Courier" charset="0"/>
-                <a:cs typeface="Courier" charset="0"/>
-              </a:rPr>
-              <a:t>Cons </a:t>
-            </a:r>
-            <a:r>
-              <a:rPr lang="en-US" dirty="0">
-                <a:solidFill>
-                  <a:srgbClr val="6D6F24"/>
-                </a:solidFill>
-                <a:latin typeface="Courier" charset="0"/>
-                <a:ea typeface="Courier" charset="0"/>
-                <a:cs typeface="Courier" charset="0"/>
-              </a:rPr>
-              <a:t>(</a:t>
-            </a:r>
-            <a:r>
-              <a:rPr lang="en-US" dirty="0">
-                <a:solidFill>
-                  <a:srgbClr val="000000"/>
-                </a:solidFill>
-                <a:latin typeface="Courier" charset="0"/>
-                <a:ea typeface="Courier" charset="0"/>
-                <a:cs typeface="Courier" charset="0"/>
+              <a:rPr lang="en-US" sz="1200" b="0" i="1" kern="1200" dirty="0">
+                <a:solidFill>
+                  <a:schemeClr val="tx1"/>
+                </a:solidFill>
+                <a:effectLst/>
+                <a:latin typeface="+mn-lt"/>
+                <a:ea typeface="+mn-ea"/>
+                <a:cs typeface="+mn-cs"/>
+              </a:rPr>
+              <a:t>sift</a:t>
+            </a:r>
+            <a:r>
+              <a:rPr lang="en-US" sz="1200" b="0" kern="1200" dirty="0">
+                <a:solidFill>
+                  <a:schemeClr val="tx1"/>
+                </a:solidFill>
+                <a:effectLst/>
+                <a:latin typeface="+mn-lt"/>
+                <a:ea typeface="+mn-ea"/>
+                <a:cs typeface="+mn-cs"/>
+              </a:rPr>
+              <a:t> </a:t>
+            </a:r>
+            <a:r>
+              <a:rPr lang="en-US" sz="1200" b="0" i="1" kern="1200" dirty="0">
+                <a:solidFill>
+                  <a:schemeClr val="tx1"/>
+                </a:solidFill>
+                <a:effectLst/>
+                <a:latin typeface="+mn-lt"/>
+                <a:ea typeface="+mn-ea"/>
+                <a:cs typeface="+mn-cs"/>
+              </a:rPr>
+              <a:t>m</a:t>
+            </a:r>
+            <a:r>
+              <a:rPr lang="en-US" sz="1200" b="0" kern="1200" dirty="0">
+                <a:solidFill>
+                  <a:schemeClr val="tx1"/>
+                </a:solidFill>
+                <a:effectLst/>
+                <a:latin typeface="+mn-lt"/>
+                <a:ea typeface="+mn-ea"/>
+                <a:cs typeface="+mn-cs"/>
+              </a:rPr>
+              <a:t> </a:t>
+            </a:r>
+            <a:r>
+              <a:rPr lang="en-US" sz="1200" b="1" kern="1200" dirty="0">
+                <a:solidFill>
+                  <a:schemeClr val="tx1"/>
+                </a:solidFill>
+                <a:effectLst/>
+                <a:latin typeface="+mn-lt"/>
+                <a:ea typeface="+mn-ea"/>
+                <a:cs typeface="+mn-cs"/>
+              </a:rPr>
+              <a:t>=</a:t>
+            </a:r>
+            <a:endParaRPr lang="en-US" sz="1200" b="0" kern="1200" dirty="0">
+              <a:solidFill>
+                <a:schemeClr val="tx1"/>
+              </a:solidFill>
+              <a:effectLst/>
+              <a:latin typeface="+mn-lt"/>
+              <a:ea typeface="+mn-ea"/>
+              <a:cs typeface="+mn-cs"/>
+            </a:endParaRPr>
+          </a:p>
+          <a:p>
+            <a:r>
+              <a:rPr lang="en-US" sz="1200" b="0" kern="1200" dirty="0">
+                <a:solidFill>
+                  <a:schemeClr val="tx1"/>
+                </a:solidFill>
+                <a:effectLst/>
+                <a:latin typeface="+mn-lt"/>
+                <a:ea typeface="+mn-ea"/>
+                <a:cs typeface="+mn-cs"/>
+              </a:rPr>
+              <a:t>filter (fun </a:t>
+            </a:r>
+            <a:r>
+              <a:rPr lang="en-US" sz="1200" b="0" i="1" kern="1200" dirty="0">
+                <a:solidFill>
+                  <a:schemeClr val="tx1"/>
+                </a:solidFill>
+                <a:effectLst/>
+                <a:latin typeface="+mn-lt"/>
+                <a:ea typeface="+mn-ea"/>
+                <a:cs typeface="+mn-cs"/>
+              </a:rPr>
+              <a:t>n</a:t>
+            </a:r>
+            <a:r>
+              <a:rPr lang="en-US" sz="1200" b="0" kern="1200" dirty="0">
+                <a:solidFill>
+                  <a:schemeClr val="tx1"/>
+                </a:solidFill>
+                <a:effectLst/>
+                <a:latin typeface="+mn-lt"/>
+                <a:ea typeface="+mn-ea"/>
+                <a:cs typeface="+mn-cs"/>
+              </a:rPr>
+              <a:t> </a:t>
+            </a:r>
+            <a:r>
+              <a:rPr lang="en-US" sz="1200" b="1" kern="1200" dirty="0">
+                <a:solidFill>
+                  <a:schemeClr val="tx1"/>
+                </a:solidFill>
+                <a:effectLst/>
+                <a:latin typeface="+mn-lt"/>
+                <a:ea typeface="+mn-ea"/>
+                <a:cs typeface="+mn-cs"/>
+              </a:rPr>
+              <a:t>-&gt;</a:t>
+            </a:r>
+            <a:r>
+              <a:rPr lang="en-US" sz="1200" b="0" kern="1200" dirty="0">
+                <a:solidFill>
+                  <a:schemeClr val="tx1"/>
+                </a:solidFill>
+                <a:effectLst/>
+                <a:latin typeface="+mn-lt"/>
+                <a:ea typeface="+mn-ea"/>
+                <a:cs typeface="+mn-cs"/>
+              </a:rPr>
+              <a:t> n mod m &lt;&gt; 0)</a:t>
+            </a:r>
+          </a:p>
+          <a:p>
+            <a:br>
+              <a:rPr lang="en-US" sz="1200" b="0" kern="1200" dirty="0">
+                <a:solidFill>
+                  <a:schemeClr val="tx1"/>
+                </a:solidFill>
+                <a:effectLst/>
+                <a:latin typeface="+mn-lt"/>
+                <a:ea typeface="+mn-ea"/>
+                <a:cs typeface="+mn-cs"/>
+              </a:rPr>
+            </a:br>
+            <a:r>
+              <a:rPr lang="en-US" sz="1200" b="0" kern="1200" dirty="0">
+                <a:solidFill>
+                  <a:schemeClr val="tx1"/>
+                </a:solidFill>
+                <a:effectLst/>
+                <a:latin typeface="+mn-lt"/>
+                <a:ea typeface="+mn-ea"/>
+                <a:cs typeface="+mn-cs"/>
+              </a:rPr>
+              <a:t>(*</a:t>
+            </a:r>
+            <a:r>
+              <a:rPr lang="en-US" sz="1200" b="0" i="1" kern="1200" dirty="0">
+                <a:solidFill>
+                  <a:schemeClr val="tx1"/>
+                </a:solidFill>
+                <a:effectLst/>
+                <a:latin typeface="+mn-lt"/>
+                <a:ea typeface="+mn-ea"/>
+                <a:cs typeface="+mn-cs"/>
+              </a:rPr>
+              <a:t> sieve of Eratosthenes </a:t>
+            </a:r>
+            <a:r>
+              <a:rPr lang="en-US" sz="1200" b="0" kern="1200" dirty="0">
+                <a:solidFill>
+                  <a:schemeClr val="tx1"/>
+                </a:solidFill>
+                <a:effectLst/>
+                <a:latin typeface="+mn-lt"/>
+                <a:ea typeface="+mn-ea"/>
+                <a:cs typeface="+mn-cs"/>
+              </a:rPr>
+              <a:t>*)</a:t>
+            </a:r>
+          </a:p>
+          <a:p>
+            <a:r>
+              <a:rPr lang="en-US" sz="1200" b="0" u="sng" kern="1200" dirty="0">
+                <a:solidFill>
+                  <a:schemeClr val="tx1"/>
+                </a:solidFill>
+                <a:effectLst/>
+                <a:latin typeface="+mn-lt"/>
+                <a:ea typeface="+mn-ea"/>
+                <a:cs typeface="+mn-cs"/>
+              </a:rPr>
+              <a:t>let</a:t>
+            </a:r>
+            <a:r>
+              <a:rPr lang="en-US" sz="1200" b="0" kern="1200" dirty="0">
+                <a:solidFill>
+                  <a:schemeClr val="tx1"/>
+                </a:solidFill>
+                <a:effectLst/>
+                <a:latin typeface="+mn-lt"/>
+                <a:ea typeface="+mn-ea"/>
+                <a:cs typeface="+mn-cs"/>
+              </a:rPr>
+              <a:t> rec </a:t>
+            </a:r>
+            <a:r>
+              <a:rPr lang="en-US" sz="1200" b="0" i="1" kern="1200" dirty="0">
+                <a:solidFill>
+                  <a:schemeClr val="tx1"/>
+                </a:solidFill>
+                <a:effectLst/>
+                <a:latin typeface="+mn-lt"/>
+                <a:ea typeface="+mn-ea"/>
+                <a:cs typeface="+mn-cs"/>
+              </a:rPr>
+              <a:t>sieve</a:t>
+            </a:r>
+            <a:r>
+              <a:rPr lang="en-US" sz="1200" b="0" kern="1200" dirty="0">
+                <a:solidFill>
+                  <a:schemeClr val="tx1"/>
+                </a:solidFill>
+                <a:effectLst/>
+                <a:latin typeface="+mn-lt"/>
+                <a:ea typeface="+mn-ea"/>
+                <a:cs typeface="+mn-cs"/>
+              </a:rPr>
+              <a:t> </a:t>
+            </a:r>
+            <a:r>
+              <a:rPr lang="en-US" sz="1200" b="1" kern="1200" dirty="0">
+                <a:solidFill>
+                  <a:schemeClr val="tx1"/>
+                </a:solidFill>
+                <a:effectLst/>
+                <a:latin typeface="+mn-lt"/>
+                <a:ea typeface="+mn-ea"/>
+                <a:cs typeface="+mn-cs"/>
+              </a:rPr>
+              <a:t>=</a:t>
+            </a:r>
+            <a:r>
+              <a:rPr lang="en-US" sz="1200" b="0" kern="1200" dirty="0">
+                <a:solidFill>
+                  <a:schemeClr val="tx1"/>
+                </a:solidFill>
+                <a:effectLst/>
+                <a:latin typeface="+mn-lt"/>
+                <a:ea typeface="+mn-ea"/>
+                <a:cs typeface="+mn-cs"/>
+              </a:rPr>
+              <a:t> function</a:t>
+            </a:r>
+          </a:p>
+          <a:p>
+            <a:r>
+              <a:rPr lang="en-US" sz="1200" b="1" kern="1200" dirty="0">
+                <a:solidFill>
+                  <a:schemeClr val="tx1"/>
+                </a:solidFill>
+                <a:effectLst/>
+                <a:latin typeface="+mn-lt"/>
+                <a:ea typeface="+mn-ea"/>
+                <a:cs typeface="+mn-cs"/>
+              </a:rPr>
+              <a:t>|</a:t>
+            </a:r>
+            <a:r>
+              <a:rPr lang="en-US" sz="1200" b="0" kern="1200" dirty="0">
+                <a:solidFill>
+                  <a:schemeClr val="tx1"/>
+                </a:solidFill>
+                <a:effectLst/>
+                <a:latin typeface="+mn-lt"/>
+                <a:ea typeface="+mn-ea"/>
+                <a:cs typeface="+mn-cs"/>
+              </a:rPr>
+              <a:t> </a:t>
+            </a:r>
+            <a:r>
+              <a:rPr lang="en-US" sz="1200" b="1" kern="1200" dirty="0">
+                <a:solidFill>
+                  <a:schemeClr val="tx1"/>
+                </a:solidFill>
+                <a:effectLst/>
+                <a:latin typeface="+mn-lt"/>
+                <a:ea typeface="+mn-ea"/>
+                <a:cs typeface="+mn-cs"/>
+              </a:rPr>
+              <a:t>Cons</a:t>
+            </a:r>
+            <a:r>
+              <a:rPr lang="en-US" sz="1200" b="0" kern="1200" dirty="0">
+                <a:solidFill>
+                  <a:schemeClr val="tx1"/>
+                </a:solidFill>
+                <a:effectLst/>
+                <a:latin typeface="+mn-lt"/>
+                <a:ea typeface="+mn-ea"/>
+                <a:cs typeface="+mn-cs"/>
+              </a:rPr>
+              <a:t> (</a:t>
+            </a:r>
+            <a:r>
+              <a:rPr lang="en-US" sz="1200" b="0" i="1" kern="1200" dirty="0">
+                <a:solidFill>
+                  <a:schemeClr val="tx1"/>
+                </a:solidFill>
+                <a:effectLst/>
+                <a:latin typeface="+mn-lt"/>
+                <a:ea typeface="+mn-ea"/>
+                <a:cs typeface="+mn-cs"/>
               </a:rPr>
               <a:t>h</a:t>
             </a:r>
             <a:r>
-              <a:rPr lang="en-US" dirty="0">
-                <a:solidFill>
-                  <a:srgbClr val="6D6F24"/>
-                </a:solidFill>
-                <a:latin typeface="Courier" charset="0"/>
-                <a:ea typeface="Courier" charset="0"/>
-                <a:cs typeface="Courier" charset="0"/>
+              <a:rPr lang="en-US" sz="1200" b="1" kern="1200" dirty="0">
+                <a:solidFill>
+                  <a:schemeClr val="tx1"/>
+                </a:solidFill>
+                <a:effectLst/>
+                <a:latin typeface="+mn-lt"/>
+                <a:ea typeface="+mn-ea"/>
+                <a:cs typeface="+mn-cs"/>
               </a:rPr>
               <a:t>,</a:t>
             </a:r>
             <a:r>
-              <a:rPr lang="en-US" dirty="0">
-                <a:solidFill>
-                  <a:srgbClr val="000000"/>
-                </a:solidFill>
-                <a:latin typeface="Courier" charset="0"/>
-                <a:ea typeface="Courier" charset="0"/>
-                <a:cs typeface="Courier" charset="0"/>
+              <a:rPr lang="en-US" sz="1200" b="0" kern="1200" dirty="0">
+                <a:solidFill>
+                  <a:schemeClr val="tx1"/>
+                </a:solidFill>
+                <a:effectLst/>
+                <a:latin typeface="+mn-lt"/>
+                <a:ea typeface="+mn-ea"/>
+                <a:cs typeface="+mn-cs"/>
               </a:rPr>
               <a:t> </a:t>
             </a:r>
             <a:r>
-              <a:rPr lang="en-US" dirty="0" err="1">
-                <a:solidFill>
-                  <a:srgbClr val="000000"/>
-                </a:solidFill>
-                <a:latin typeface="Courier" charset="0"/>
-                <a:ea typeface="Courier" charset="0"/>
-                <a:cs typeface="Courier" charset="0"/>
-              </a:rPr>
-              <a:t>tf</a:t>
-            </a:r>
-            <a:r>
-              <a:rPr lang="en-US" dirty="0">
-                <a:solidFill>
-                  <a:srgbClr val="6D6F24"/>
-                </a:solidFill>
-                <a:latin typeface="Courier" charset="0"/>
-                <a:ea typeface="Courier" charset="0"/>
-                <a:cs typeface="Courier" charset="0"/>
-              </a:rPr>
-              <a:t>))</a:t>
-            </a:r>
-            <a:r>
-              <a:rPr lang="en-US" dirty="0">
-                <a:solidFill>
-                  <a:srgbClr val="000000"/>
-                </a:solidFill>
-                <a:latin typeface="Courier" charset="0"/>
-                <a:ea typeface="Courier" charset="0"/>
-                <a:cs typeface="Courier" charset="0"/>
+              <a:rPr lang="en-US" sz="1200" b="0" i="1" kern="1200" dirty="0">
+                <a:solidFill>
+                  <a:schemeClr val="tx1"/>
+                </a:solidFill>
+                <a:effectLst/>
+                <a:latin typeface="+mn-lt"/>
+                <a:ea typeface="+mn-ea"/>
+                <a:cs typeface="+mn-cs"/>
+              </a:rPr>
+              <a:t>t</a:t>
+            </a:r>
+            <a:r>
+              <a:rPr lang="en-US" sz="1200" b="0" kern="1200" dirty="0">
+                <a:solidFill>
+                  <a:schemeClr val="tx1"/>
+                </a:solidFill>
+                <a:effectLst/>
+                <a:latin typeface="+mn-lt"/>
+                <a:ea typeface="+mn-ea"/>
+                <a:cs typeface="+mn-cs"/>
+              </a:rPr>
+              <a:t>) </a:t>
+            </a:r>
+            <a:r>
+              <a:rPr lang="en-US" sz="1200" b="1" kern="1200" dirty="0">
+                <a:solidFill>
+                  <a:schemeClr val="tx1"/>
+                </a:solidFill>
+                <a:effectLst/>
+                <a:latin typeface="+mn-lt"/>
+                <a:ea typeface="+mn-ea"/>
+                <a:cs typeface="+mn-cs"/>
+              </a:rPr>
+              <a:t>-&gt;</a:t>
+            </a:r>
+            <a:r>
+              <a:rPr lang="en-US" sz="1200" b="0" kern="1200" dirty="0">
+                <a:solidFill>
+                  <a:schemeClr val="tx1"/>
+                </a:solidFill>
+                <a:effectLst/>
+                <a:latin typeface="+mn-lt"/>
+                <a:ea typeface="+mn-ea"/>
+                <a:cs typeface="+mn-cs"/>
               </a:rPr>
               <a:t> </a:t>
             </a:r>
             <a:r>
-              <a:rPr lang="en-US" dirty="0">
-                <a:solidFill>
-                  <a:srgbClr val="6D6F24"/>
-                </a:solidFill>
-                <a:latin typeface="Courier" charset="0"/>
-                <a:ea typeface="Courier" charset="0"/>
-                <a:cs typeface="Courier" charset="0"/>
+              <a:rPr lang="en-US" sz="1200" b="1" kern="1200" dirty="0">
+                <a:solidFill>
+                  <a:schemeClr val="tx1"/>
+                </a:solidFill>
+                <a:effectLst/>
+                <a:latin typeface="+mn-lt"/>
+                <a:ea typeface="+mn-ea"/>
+                <a:cs typeface="+mn-cs"/>
+              </a:rPr>
+              <a:t>Cons</a:t>
+            </a:r>
+            <a:r>
+              <a:rPr lang="en-US" sz="1200" b="0" kern="1200" dirty="0">
+                <a:solidFill>
+                  <a:schemeClr val="tx1"/>
+                </a:solidFill>
+                <a:effectLst/>
+                <a:latin typeface="+mn-lt"/>
+                <a:ea typeface="+mn-ea"/>
+                <a:cs typeface="+mn-cs"/>
+              </a:rPr>
+              <a:t> (h, fun </a:t>
+            </a:r>
+            <a:r>
+              <a:rPr lang="en-US" sz="1200" b="1" kern="1200" dirty="0">
+                <a:solidFill>
+                  <a:schemeClr val="tx1"/>
+                </a:solidFill>
+                <a:effectLst/>
+                <a:latin typeface="+mn-lt"/>
+                <a:ea typeface="+mn-ea"/>
+                <a:cs typeface="+mn-cs"/>
+              </a:rPr>
+              <a:t>()</a:t>
+            </a:r>
+            <a:r>
+              <a:rPr lang="en-US" sz="1200" b="0" kern="1200" dirty="0">
+                <a:solidFill>
+                  <a:schemeClr val="tx1"/>
+                </a:solidFill>
+                <a:effectLst/>
+                <a:latin typeface="+mn-lt"/>
+                <a:ea typeface="+mn-ea"/>
+                <a:cs typeface="+mn-cs"/>
+              </a:rPr>
+              <a:t> </a:t>
+            </a:r>
+            <a:r>
+              <a:rPr lang="en-US" sz="1200" b="1" kern="1200" dirty="0">
+                <a:solidFill>
+                  <a:schemeClr val="tx1"/>
+                </a:solidFill>
+                <a:effectLst/>
+                <a:latin typeface="+mn-lt"/>
+                <a:ea typeface="+mn-ea"/>
+                <a:cs typeface="+mn-cs"/>
+              </a:rPr>
+              <a:t>-&gt;</a:t>
+            </a:r>
+            <a:r>
+              <a:rPr lang="en-US" sz="1200" b="0" kern="1200" dirty="0">
+                <a:solidFill>
+                  <a:schemeClr val="tx1"/>
+                </a:solidFill>
+                <a:effectLst/>
+                <a:latin typeface="+mn-lt"/>
+                <a:ea typeface="+mn-ea"/>
+                <a:cs typeface="+mn-cs"/>
+              </a:rPr>
+              <a:t> sieve (sift h (t </a:t>
+            </a:r>
+            <a:r>
+              <a:rPr lang="en-US" sz="1200" b="1" kern="1200" dirty="0">
+                <a:solidFill>
+                  <a:schemeClr val="tx1"/>
+                </a:solidFill>
+                <a:effectLst/>
+                <a:latin typeface="+mn-lt"/>
+                <a:ea typeface="+mn-ea"/>
+                <a:cs typeface="+mn-cs"/>
+              </a:rPr>
+              <a:t>()</a:t>
+            </a:r>
+            <a:r>
+              <a:rPr lang="en-US" sz="1200" b="0" kern="1200" dirty="0">
+                <a:solidFill>
+                  <a:schemeClr val="tx1"/>
+                </a:solidFill>
+                <a:effectLst/>
+                <a:latin typeface="+mn-lt"/>
+                <a:ea typeface="+mn-ea"/>
+                <a:cs typeface="+mn-cs"/>
+              </a:rPr>
+              <a:t>)))</a:t>
+            </a:r>
+          </a:p>
+          <a:p>
+            <a:br>
+              <a:rPr lang="en-US" sz="1200" b="0" kern="1200" dirty="0">
+                <a:solidFill>
+                  <a:schemeClr val="tx1"/>
+                </a:solidFill>
+                <a:effectLst/>
+                <a:latin typeface="+mn-lt"/>
+                <a:ea typeface="+mn-ea"/>
+                <a:cs typeface="+mn-cs"/>
+              </a:rPr>
+            </a:br>
+            <a:r>
+              <a:rPr lang="en-US" sz="1200" b="0" kern="1200" dirty="0">
+                <a:solidFill>
+                  <a:schemeClr val="tx1"/>
+                </a:solidFill>
+                <a:effectLst/>
+                <a:latin typeface="+mn-lt"/>
+                <a:ea typeface="+mn-ea"/>
+                <a:cs typeface="+mn-cs"/>
+              </a:rPr>
+              <a:t>(*</a:t>
+            </a:r>
+            <a:r>
+              <a:rPr lang="en-US" sz="1200" b="0" i="1" kern="1200" dirty="0">
+                <a:solidFill>
+                  <a:schemeClr val="tx1"/>
+                </a:solidFill>
+                <a:effectLst/>
+                <a:latin typeface="+mn-lt"/>
+                <a:ea typeface="+mn-ea"/>
+                <a:cs typeface="+mn-cs"/>
+              </a:rPr>
+              <a:t> primes </a:t>
+            </a:r>
+            <a:r>
+              <a:rPr lang="en-US" sz="1200" b="0" kern="1200" dirty="0">
+                <a:solidFill>
+                  <a:schemeClr val="tx1"/>
+                </a:solidFill>
+                <a:effectLst/>
+                <a:latin typeface="+mn-lt"/>
+                <a:ea typeface="+mn-ea"/>
+                <a:cs typeface="+mn-cs"/>
+              </a:rPr>
+              <a:t>*)</a:t>
+            </a:r>
+          </a:p>
+          <a:p>
+            <a:r>
+              <a:rPr lang="en-US" sz="1200" b="0" u="sng" kern="1200" dirty="0">
+                <a:solidFill>
+                  <a:schemeClr val="tx1"/>
+                </a:solidFill>
+                <a:effectLst/>
+                <a:latin typeface="+mn-lt"/>
+                <a:ea typeface="+mn-ea"/>
+                <a:cs typeface="+mn-cs"/>
+              </a:rPr>
+              <a:t>let</a:t>
+            </a:r>
+            <a:r>
+              <a:rPr lang="en-US" sz="1200" b="0" kern="1200" dirty="0">
+                <a:solidFill>
+                  <a:schemeClr val="tx1"/>
+                </a:solidFill>
+                <a:effectLst/>
+                <a:latin typeface="+mn-lt"/>
+                <a:ea typeface="+mn-ea"/>
+                <a:cs typeface="+mn-cs"/>
+              </a:rPr>
+              <a:t> </a:t>
+            </a:r>
+            <a:r>
+              <a:rPr lang="en-US" sz="1200" b="0" i="1" kern="1200" dirty="0">
+                <a:solidFill>
+                  <a:schemeClr val="tx1"/>
+                </a:solidFill>
+                <a:effectLst/>
+                <a:latin typeface="+mn-lt"/>
+                <a:ea typeface="+mn-ea"/>
+                <a:cs typeface="+mn-cs"/>
+              </a:rPr>
+              <a:t>primes</a:t>
+            </a:r>
+            <a:r>
+              <a:rPr lang="en-US" sz="1200" b="0" kern="1200" dirty="0">
+                <a:solidFill>
+                  <a:schemeClr val="tx1"/>
+                </a:solidFill>
+                <a:effectLst/>
+                <a:latin typeface="+mn-lt"/>
+                <a:ea typeface="+mn-ea"/>
+                <a:cs typeface="+mn-cs"/>
+              </a:rPr>
+              <a:t> </a:t>
+            </a:r>
+            <a:r>
+              <a:rPr lang="en-US" sz="1200" b="1" kern="1200" dirty="0">
+                <a:solidFill>
+                  <a:schemeClr val="tx1"/>
+                </a:solidFill>
+                <a:effectLst/>
+                <a:latin typeface="+mn-lt"/>
+                <a:ea typeface="+mn-ea"/>
+                <a:cs typeface="+mn-cs"/>
               </a:rPr>
               <a:t>=</a:t>
             </a:r>
-            <a:endParaRPr lang="en-US" dirty="0">
-              <a:solidFill>
-                <a:srgbClr val="000000"/>
-              </a:solidFill>
-              <a:latin typeface="Courier" charset="0"/>
-              <a:ea typeface="Courier" charset="0"/>
-              <a:cs typeface="Courier" charset="0"/>
-            </a:endParaRPr>
-          </a:p>
-          <a:p>
-            <a:pPr marL="0" indent="0">
-              <a:buNone/>
-            </a:pPr>
-            <a:r>
-              <a:rPr lang="mr-IN" dirty="0">
-                <a:solidFill>
-                  <a:srgbClr val="000000"/>
-                </a:solidFill>
-                <a:latin typeface="Courier" charset="0"/>
-                <a:ea typeface="Courier" charset="0"/>
-                <a:cs typeface="Courier" charset="0"/>
-              </a:rPr>
-              <a:t>  </a:t>
-            </a:r>
-            <a:r>
-              <a:rPr lang="mr-IN" dirty="0" err="1">
-                <a:solidFill>
-                  <a:srgbClr val="000000"/>
-                </a:solidFill>
-                <a:latin typeface="Courier" charset="0"/>
-                <a:ea typeface="Courier" charset="0"/>
-                <a:cs typeface="Courier" charset="0"/>
-              </a:rPr>
-              <a:t>Cons</a:t>
-            </a:r>
-            <a:r>
-              <a:rPr lang="mr-IN" dirty="0">
-                <a:solidFill>
-                  <a:srgbClr val="000000"/>
-                </a:solidFill>
-                <a:latin typeface="Courier" charset="0"/>
-                <a:ea typeface="Courier" charset="0"/>
-                <a:cs typeface="Courier" charset="0"/>
-              </a:rPr>
-              <a:t> </a:t>
-            </a:r>
-            <a:r>
-              <a:rPr lang="mr-IN" dirty="0">
-                <a:solidFill>
-                  <a:srgbClr val="6D6F24"/>
-                </a:solidFill>
-                <a:latin typeface="Courier" charset="0"/>
-                <a:ea typeface="Courier" charset="0"/>
-                <a:cs typeface="Courier" charset="0"/>
-              </a:rPr>
-              <a:t>(</a:t>
-            </a:r>
-            <a:r>
-              <a:rPr lang="mr-IN" dirty="0" err="1">
-                <a:solidFill>
-                  <a:srgbClr val="000000"/>
-                </a:solidFill>
-                <a:latin typeface="Courier" charset="0"/>
-                <a:ea typeface="Courier" charset="0"/>
-                <a:cs typeface="Courier" charset="0"/>
-              </a:rPr>
-              <a:t>f</a:t>
-            </a:r>
-            <a:r>
-              <a:rPr lang="mr-IN" dirty="0">
-                <a:solidFill>
-                  <a:srgbClr val="000000"/>
-                </a:solidFill>
-                <a:latin typeface="Courier" charset="0"/>
-                <a:ea typeface="Courier" charset="0"/>
-                <a:cs typeface="Courier" charset="0"/>
-              </a:rPr>
-              <a:t> </a:t>
-            </a:r>
-            <a:r>
-              <a:rPr lang="mr-IN" dirty="0" err="1">
-                <a:solidFill>
-                  <a:srgbClr val="000000"/>
-                </a:solidFill>
-                <a:latin typeface="Courier" charset="0"/>
-                <a:ea typeface="Courier" charset="0"/>
-                <a:cs typeface="Courier" charset="0"/>
-              </a:rPr>
-              <a:t>h</a:t>
-            </a:r>
-            <a:r>
-              <a:rPr lang="mr-IN" dirty="0">
-                <a:solidFill>
-                  <a:srgbClr val="6D6F24"/>
-                </a:solidFill>
-                <a:latin typeface="Courier" charset="0"/>
-                <a:ea typeface="Courier" charset="0"/>
-                <a:cs typeface="Courier" charset="0"/>
-              </a:rPr>
-              <a:t>,</a:t>
-            </a:r>
-            <a:r>
-              <a:rPr lang="mr-IN" dirty="0">
-                <a:solidFill>
-                  <a:srgbClr val="000000"/>
-                </a:solidFill>
-                <a:latin typeface="Courier" charset="0"/>
-                <a:ea typeface="Courier" charset="0"/>
-                <a:cs typeface="Courier" charset="0"/>
-              </a:rPr>
-              <a:t> </a:t>
-            </a:r>
-            <a:r>
-              <a:rPr lang="mr-IN" b="1" dirty="0" err="1">
-                <a:solidFill>
-                  <a:srgbClr val="6B0001"/>
-                </a:solidFill>
-                <a:latin typeface="Courier" charset="0"/>
-                <a:ea typeface="Courier" charset="0"/>
-                <a:cs typeface="Courier" charset="0"/>
-              </a:rPr>
-              <a:t>fun</a:t>
-            </a:r>
-            <a:r>
-              <a:rPr lang="mr-IN" dirty="0">
-                <a:solidFill>
-                  <a:srgbClr val="000000"/>
-                </a:solidFill>
-                <a:latin typeface="Courier" charset="0"/>
-                <a:ea typeface="Courier" charset="0"/>
-                <a:cs typeface="Courier" charset="0"/>
-              </a:rPr>
-              <a:t> </a:t>
-            </a:r>
-            <a:r>
-              <a:rPr lang="mr-IN" dirty="0">
-                <a:solidFill>
-                  <a:srgbClr val="6D6F24"/>
-                </a:solidFill>
-                <a:latin typeface="Courier" charset="0"/>
-                <a:ea typeface="Courier" charset="0"/>
-                <a:cs typeface="Courier" charset="0"/>
-              </a:rPr>
-              <a:t>()</a:t>
-            </a:r>
-            <a:r>
-              <a:rPr lang="mr-IN" dirty="0">
-                <a:solidFill>
-                  <a:srgbClr val="000000"/>
-                </a:solidFill>
-                <a:latin typeface="Courier" charset="0"/>
-                <a:ea typeface="Courier" charset="0"/>
-                <a:cs typeface="Courier" charset="0"/>
-              </a:rPr>
-              <a:t> </a:t>
-            </a:r>
-            <a:r>
-              <a:rPr lang="mr-IN" dirty="0">
-                <a:solidFill>
-                  <a:srgbClr val="6D6F24"/>
-                </a:solidFill>
-                <a:latin typeface="Courier" charset="0"/>
-                <a:ea typeface="Courier" charset="0"/>
-                <a:cs typeface="Courier" charset="0"/>
-              </a:rPr>
-              <a:t>-&gt;</a:t>
-            </a:r>
-            <a:r>
-              <a:rPr lang="mr-IN" dirty="0">
-                <a:solidFill>
-                  <a:srgbClr val="000000"/>
-                </a:solidFill>
-                <a:latin typeface="Courier" charset="0"/>
-                <a:ea typeface="Courier" charset="0"/>
-                <a:cs typeface="Courier" charset="0"/>
-              </a:rPr>
-              <a:t> </a:t>
-            </a:r>
-            <a:r>
-              <a:rPr lang="mr-IN" dirty="0" err="1">
-                <a:solidFill>
-                  <a:srgbClr val="000000"/>
-                </a:solidFill>
-                <a:latin typeface="Courier" charset="0"/>
-                <a:ea typeface="Courier" charset="0"/>
-                <a:cs typeface="Courier" charset="0"/>
-              </a:rPr>
-              <a:t>map</a:t>
-            </a:r>
-            <a:r>
-              <a:rPr lang="mr-IN" dirty="0">
-                <a:solidFill>
-                  <a:srgbClr val="000000"/>
-                </a:solidFill>
-                <a:latin typeface="Courier" charset="0"/>
-                <a:ea typeface="Courier" charset="0"/>
-                <a:cs typeface="Courier" charset="0"/>
-              </a:rPr>
-              <a:t> </a:t>
-            </a:r>
-            <a:r>
-              <a:rPr lang="mr-IN" dirty="0" err="1">
-                <a:solidFill>
-                  <a:srgbClr val="000000"/>
-                </a:solidFill>
-                <a:latin typeface="Courier" charset="0"/>
-                <a:ea typeface="Courier" charset="0"/>
-                <a:cs typeface="Courier" charset="0"/>
-              </a:rPr>
-              <a:t>f</a:t>
-            </a:r>
-            <a:r>
-              <a:rPr lang="mr-IN" dirty="0">
-                <a:solidFill>
-                  <a:srgbClr val="000000"/>
-                </a:solidFill>
-                <a:latin typeface="Courier" charset="0"/>
-                <a:ea typeface="Courier" charset="0"/>
-                <a:cs typeface="Courier" charset="0"/>
-              </a:rPr>
-              <a:t> </a:t>
-            </a:r>
-            <a:r>
-              <a:rPr lang="mr-IN" dirty="0">
-                <a:solidFill>
-                  <a:srgbClr val="6D6F24"/>
-                </a:solidFill>
-                <a:latin typeface="Courier" charset="0"/>
-                <a:ea typeface="Courier" charset="0"/>
-                <a:cs typeface="Courier" charset="0"/>
-              </a:rPr>
-              <a:t>(</a:t>
-            </a:r>
-            <a:r>
-              <a:rPr lang="mr-IN" dirty="0" err="1">
-                <a:solidFill>
-                  <a:srgbClr val="000000"/>
-                </a:solidFill>
-                <a:latin typeface="Courier" charset="0"/>
-                <a:ea typeface="Courier" charset="0"/>
-                <a:cs typeface="Courier" charset="0"/>
-              </a:rPr>
-              <a:t>tf</a:t>
-            </a:r>
-            <a:r>
-              <a:rPr lang="mr-IN" dirty="0">
-                <a:solidFill>
-                  <a:srgbClr val="000000"/>
-                </a:solidFill>
-                <a:latin typeface="Courier" charset="0"/>
-                <a:ea typeface="Courier" charset="0"/>
-                <a:cs typeface="Courier" charset="0"/>
-              </a:rPr>
-              <a:t> </a:t>
-            </a:r>
-            <a:r>
-              <a:rPr lang="mr-IN" dirty="0">
-                <a:solidFill>
-                  <a:srgbClr val="6D6F24"/>
-                </a:solidFill>
-                <a:latin typeface="Courier" charset="0"/>
-                <a:ea typeface="Courier" charset="0"/>
-                <a:cs typeface="Courier" charset="0"/>
-              </a:rPr>
-              <a:t>()))</a:t>
-            </a:r>
-            <a:endParaRPr lang="mr-IN" dirty="0">
-              <a:solidFill>
-                <a:srgbClr val="000000"/>
-              </a:solidFill>
-              <a:latin typeface="Courier" charset="0"/>
-              <a:ea typeface="Courier" charset="0"/>
-              <a:cs typeface="Courier" charset="0"/>
-            </a:endParaRPr>
-          </a:p>
-          <a:p>
-            <a:pPr marL="0" indent="0">
-              <a:buNone/>
-            </a:pPr>
-            <a:r>
-              <a:rPr lang="mr-IN" dirty="0">
-                <a:solidFill>
-                  <a:srgbClr val="000000"/>
-                </a:solidFill>
-                <a:latin typeface="Courier" charset="0"/>
-                <a:ea typeface="Courier" charset="0"/>
-                <a:cs typeface="Courier" charset="0"/>
-              </a:rPr>
-              <a:t>  </a:t>
-            </a:r>
-          </a:p>
-          <a:p>
-            <a:pPr marL="0" indent="0">
-              <a:buNone/>
-            </a:pPr>
-            <a:r>
-              <a:rPr lang="en-US" b="1" dirty="0">
-                <a:solidFill>
-                  <a:srgbClr val="6B0001"/>
-                </a:solidFill>
-                <a:latin typeface="Courier" charset="0"/>
-                <a:ea typeface="Courier" charset="0"/>
-                <a:cs typeface="Courier" charset="0"/>
-              </a:rPr>
-              <a:t>let</a:t>
-            </a:r>
-            <a:r>
-              <a:rPr lang="en-US" dirty="0">
-                <a:solidFill>
-                  <a:srgbClr val="000000"/>
-                </a:solidFill>
-                <a:latin typeface="Courier" charset="0"/>
-                <a:ea typeface="Courier" charset="0"/>
-                <a:cs typeface="Courier" charset="0"/>
-              </a:rPr>
-              <a:t> square</a:t>
-            </a:r>
-            <a:r>
-              <a:rPr lang="en-US" dirty="0">
-                <a:solidFill>
-                  <a:srgbClr val="6D6F24"/>
-                </a:solidFill>
-                <a:latin typeface="Courier" charset="0"/>
-                <a:ea typeface="Courier" charset="0"/>
-                <a:cs typeface="Courier" charset="0"/>
-              </a:rPr>
-              <a:t>'</a:t>
-            </a:r>
-            <a:r>
-              <a:rPr lang="en-US" dirty="0">
-                <a:solidFill>
-                  <a:srgbClr val="000000"/>
-                </a:solidFill>
-                <a:latin typeface="Courier" charset="0"/>
-                <a:ea typeface="Courier" charset="0"/>
-                <a:cs typeface="Courier" charset="0"/>
-              </a:rPr>
-              <a:t> </a:t>
-            </a:r>
-            <a:r>
-              <a:rPr lang="en-US" dirty="0">
-                <a:solidFill>
-                  <a:srgbClr val="6D6F24"/>
-                </a:solidFill>
-                <a:latin typeface="Courier" charset="0"/>
-                <a:ea typeface="Courier" charset="0"/>
-                <a:cs typeface="Courier" charset="0"/>
-              </a:rPr>
-              <a:t>=</a:t>
-            </a:r>
-            <a:r>
-              <a:rPr lang="en-US" dirty="0">
-                <a:solidFill>
-                  <a:srgbClr val="000000"/>
-                </a:solidFill>
-                <a:latin typeface="Courier" charset="0"/>
-                <a:ea typeface="Courier" charset="0"/>
-                <a:cs typeface="Courier" charset="0"/>
-              </a:rPr>
-              <a:t> map </a:t>
-            </a:r>
-            <a:r>
-              <a:rPr lang="en-US" dirty="0">
-                <a:solidFill>
-                  <a:srgbClr val="6D6F24"/>
-                </a:solidFill>
-                <a:latin typeface="Courier" charset="0"/>
-                <a:ea typeface="Courier" charset="0"/>
-                <a:cs typeface="Courier" charset="0"/>
-              </a:rPr>
-              <a:t>(</a:t>
-            </a:r>
-            <a:r>
-              <a:rPr lang="en-US" b="1" dirty="0">
-                <a:solidFill>
-                  <a:srgbClr val="6B0001"/>
-                </a:solidFill>
-                <a:latin typeface="Courier" charset="0"/>
-                <a:ea typeface="Courier" charset="0"/>
-                <a:cs typeface="Courier" charset="0"/>
-              </a:rPr>
-              <a:t>fun</a:t>
-            </a:r>
-            <a:r>
-              <a:rPr lang="en-US" dirty="0">
-                <a:solidFill>
-                  <a:srgbClr val="000000"/>
-                </a:solidFill>
-                <a:latin typeface="Courier" charset="0"/>
-                <a:ea typeface="Courier" charset="0"/>
-                <a:cs typeface="Courier" charset="0"/>
-              </a:rPr>
-              <a:t> n </a:t>
-            </a:r>
-            <a:r>
-              <a:rPr lang="en-US" dirty="0">
-                <a:solidFill>
-                  <a:srgbClr val="6D6F24"/>
-                </a:solidFill>
-                <a:latin typeface="Courier" charset="0"/>
-                <a:ea typeface="Courier" charset="0"/>
-                <a:cs typeface="Courier" charset="0"/>
-              </a:rPr>
-              <a:t>-&gt;</a:t>
-            </a:r>
-            <a:r>
-              <a:rPr lang="en-US" dirty="0">
-                <a:solidFill>
-                  <a:srgbClr val="000000"/>
-                </a:solidFill>
-                <a:latin typeface="Courier" charset="0"/>
-                <a:ea typeface="Courier" charset="0"/>
-                <a:cs typeface="Courier" charset="0"/>
-              </a:rPr>
-              <a:t> n</a:t>
-            </a:r>
-            <a:r>
-              <a:rPr lang="en-US" dirty="0">
-                <a:solidFill>
-                  <a:srgbClr val="6D6F24"/>
-                </a:solidFill>
-                <a:latin typeface="Courier" charset="0"/>
-                <a:ea typeface="Courier" charset="0"/>
-                <a:cs typeface="Courier" charset="0"/>
-              </a:rPr>
-              <a:t>*</a:t>
-            </a:r>
-            <a:r>
-              <a:rPr lang="en-US" dirty="0">
-                <a:solidFill>
-                  <a:srgbClr val="000000"/>
-                </a:solidFill>
-                <a:latin typeface="Courier" charset="0"/>
-                <a:ea typeface="Courier" charset="0"/>
-                <a:cs typeface="Courier" charset="0"/>
-              </a:rPr>
-              <a:t>n</a:t>
-            </a:r>
-            <a:r>
-              <a:rPr lang="en-US" dirty="0">
-                <a:solidFill>
-                  <a:srgbClr val="6D6F24"/>
-                </a:solidFill>
-                <a:latin typeface="Courier" charset="0"/>
-                <a:ea typeface="Courier" charset="0"/>
-                <a:cs typeface="Courier" charset="0"/>
-              </a:rPr>
-              <a:t>)</a:t>
-            </a:r>
-          </a:p>
-          <a:p>
-            <a:pPr marL="0" indent="0">
-              <a:buNone/>
-            </a:pPr>
-            <a:r>
-              <a:rPr lang="mr-IN" b="1" dirty="0" err="1">
-                <a:solidFill>
-                  <a:srgbClr val="6B0001"/>
-                </a:solidFill>
-                <a:latin typeface="Courier" charset="0"/>
-                <a:ea typeface="Courier" charset="0"/>
-                <a:cs typeface="Courier" charset="0"/>
-              </a:rPr>
-              <a:t>let</a:t>
-            </a:r>
-            <a:r>
-              <a:rPr lang="mr-IN" dirty="0">
-                <a:solidFill>
-                  <a:srgbClr val="000000"/>
-                </a:solidFill>
-                <a:latin typeface="Courier" charset="0"/>
-                <a:ea typeface="Courier" charset="0"/>
-                <a:cs typeface="Courier" charset="0"/>
-              </a:rPr>
-              <a:t> </a:t>
-            </a:r>
-            <a:r>
-              <a:rPr lang="mr-IN" b="1" dirty="0" err="1">
-                <a:solidFill>
-                  <a:srgbClr val="6B0001"/>
-                </a:solidFill>
-                <a:latin typeface="Courier" charset="0"/>
-                <a:ea typeface="Courier" charset="0"/>
-                <a:cs typeface="Courier" charset="0"/>
-              </a:rPr>
-              <a:t>rec</a:t>
-            </a:r>
-            <a:r>
-              <a:rPr lang="mr-IN" dirty="0">
-                <a:solidFill>
-                  <a:srgbClr val="000000"/>
-                </a:solidFill>
-                <a:latin typeface="Courier" charset="0"/>
-                <a:ea typeface="Courier" charset="0"/>
-                <a:cs typeface="Courier" charset="0"/>
-              </a:rPr>
-              <a:t> </a:t>
-            </a:r>
-            <a:r>
-              <a:rPr lang="mr-IN" dirty="0" err="1">
-                <a:solidFill>
-                  <a:srgbClr val="000000"/>
-                </a:solidFill>
-                <a:latin typeface="Courier" charset="0"/>
-                <a:ea typeface="Courier" charset="0"/>
-                <a:cs typeface="Courier" charset="0"/>
-              </a:rPr>
-              <a:t>nats</a:t>
-            </a:r>
-            <a:r>
-              <a:rPr lang="mr-IN" dirty="0">
-                <a:solidFill>
-                  <a:srgbClr val="000000"/>
-                </a:solidFill>
-                <a:latin typeface="Courier" charset="0"/>
-                <a:ea typeface="Courier" charset="0"/>
-                <a:cs typeface="Courier" charset="0"/>
-              </a:rPr>
-              <a:t> </a:t>
-            </a:r>
-            <a:r>
-              <a:rPr lang="mr-IN" dirty="0">
-                <a:solidFill>
-                  <a:srgbClr val="6D6F24"/>
-                </a:solidFill>
-                <a:latin typeface="Courier" charset="0"/>
-                <a:ea typeface="Courier" charset="0"/>
-                <a:cs typeface="Courier" charset="0"/>
-              </a:rPr>
-              <a:t>=</a:t>
-            </a:r>
-            <a:r>
-              <a:rPr lang="mr-IN" dirty="0">
-                <a:solidFill>
-                  <a:srgbClr val="000000"/>
-                </a:solidFill>
-                <a:latin typeface="Courier" charset="0"/>
-                <a:ea typeface="Courier" charset="0"/>
-                <a:cs typeface="Courier" charset="0"/>
-              </a:rPr>
-              <a:t> </a:t>
-            </a:r>
-            <a:r>
-              <a:rPr lang="mr-IN" dirty="0" err="1">
-                <a:solidFill>
-                  <a:srgbClr val="000000"/>
-                </a:solidFill>
-                <a:latin typeface="Courier" charset="0"/>
-                <a:ea typeface="Courier" charset="0"/>
-                <a:cs typeface="Courier" charset="0"/>
-              </a:rPr>
-              <a:t>Cons</a:t>
-            </a:r>
-            <a:r>
-              <a:rPr lang="mr-IN" dirty="0">
-                <a:solidFill>
-                  <a:srgbClr val="6D6F24"/>
-                </a:solidFill>
-                <a:latin typeface="Courier" charset="0"/>
-                <a:ea typeface="Courier" charset="0"/>
-                <a:cs typeface="Courier" charset="0"/>
-              </a:rPr>
-              <a:t>(</a:t>
-            </a:r>
-            <a:r>
-              <a:rPr lang="mr-IN" dirty="0">
-                <a:solidFill>
-                  <a:srgbClr val="107D02"/>
-                </a:solidFill>
-                <a:latin typeface="Courier" charset="0"/>
-                <a:ea typeface="Courier" charset="0"/>
-                <a:cs typeface="Courier" charset="0"/>
-              </a:rPr>
-              <a:t>0</a:t>
-            </a:r>
-            <a:r>
-              <a:rPr lang="mr-IN" dirty="0">
-                <a:solidFill>
-                  <a:srgbClr val="6D6F24"/>
-                </a:solidFill>
-                <a:latin typeface="Courier" charset="0"/>
-                <a:ea typeface="Courier" charset="0"/>
-                <a:cs typeface="Courier" charset="0"/>
-              </a:rPr>
-              <a:t>,</a:t>
-            </a:r>
-            <a:r>
-              <a:rPr lang="mr-IN" dirty="0">
-                <a:solidFill>
-                  <a:srgbClr val="000000"/>
-                </a:solidFill>
-                <a:latin typeface="Courier" charset="0"/>
-                <a:ea typeface="Courier" charset="0"/>
-                <a:cs typeface="Courier" charset="0"/>
-              </a:rPr>
-              <a:t> </a:t>
-            </a:r>
-            <a:r>
-              <a:rPr lang="mr-IN" b="1" dirty="0" err="1">
-                <a:solidFill>
-                  <a:srgbClr val="6B0001"/>
-                </a:solidFill>
-                <a:latin typeface="Courier" charset="0"/>
-                <a:ea typeface="Courier" charset="0"/>
-                <a:cs typeface="Courier" charset="0"/>
-              </a:rPr>
-              <a:t>fun</a:t>
-            </a:r>
-            <a:r>
-              <a:rPr lang="mr-IN" dirty="0">
-                <a:solidFill>
-                  <a:srgbClr val="000000"/>
-                </a:solidFill>
-                <a:latin typeface="Courier" charset="0"/>
-                <a:ea typeface="Courier" charset="0"/>
-                <a:cs typeface="Courier" charset="0"/>
-              </a:rPr>
-              <a:t> </a:t>
-            </a:r>
-            <a:r>
-              <a:rPr lang="mr-IN" dirty="0">
-                <a:solidFill>
-                  <a:srgbClr val="6D6F24"/>
-                </a:solidFill>
-                <a:latin typeface="Courier" charset="0"/>
-                <a:ea typeface="Courier" charset="0"/>
-                <a:cs typeface="Courier" charset="0"/>
-              </a:rPr>
-              <a:t>()</a:t>
-            </a:r>
-            <a:r>
-              <a:rPr lang="mr-IN" dirty="0">
-                <a:solidFill>
-                  <a:srgbClr val="000000"/>
-                </a:solidFill>
-                <a:latin typeface="Courier" charset="0"/>
-                <a:ea typeface="Courier" charset="0"/>
-                <a:cs typeface="Courier" charset="0"/>
-              </a:rPr>
-              <a:t> </a:t>
-            </a:r>
-            <a:r>
-              <a:rPr lang="mr-IN" dirty="0">
-                <a:solidFill>
-                  <a:srgbClr val="6D6F24"/>
-                </a:solidFill>
-                <a:latin typeface="Courier" charset="0"/>
-                <a:ea typeface="Courier" charset="0"/>
-                <a:cs typeface="Courier" charset="0"/>
-              </a:rPr>
-              <a:t>-&gt;</a:t>
-            </a:r>
-            <a:r>
-              <a:rPr lang="mr-IN" dirty="0">
-                <a:solidFill>
-                  <a:srgbClr val="000000"/>
-                </a:solidFill>
-                <a:latin typeface="Courier" charset="0"/>
-                <a:ea typeface="Courier" charset="0"/>
-                <a:cs typeface="Courier" charset="0"/>
-              </a:rPr>
-              <a:t> </a:t>
-            </a:r>
-            <a:r>
-              <a:rPr lang="mr-IN" dirty="0" err="1">
-                <a:solidFill>
-                  <a:srgbClr val="000000"/>
-                </a:solidFill>
-                <a:latin typeface="Courier" charset="0"/>
-                <a:ea typeface="Courier" charset="0"/>
-                <a:cs typeface="Courier" charset="0"/>
-              </a:rPr>
-              <a:t>map</a:t>
-            </a:r>
-            <a:r>
-              <a:rPr lang="mr-IN" dirty="0">
-                <a:solidFill>
-                  <a:srgbClr val="000000"/>
-                </a:solidFill>
-                <a:latin typeface="Courier" charset="0"/>
-                <a:ea typeface="Courier" charset="0"/>
-                <a:cs typeface="Courier" charset="0"/>
-              </a:rPr>
-              <a:t> </a:t>
-            </a:r>
-            <a:r>
-              <a:rPr lang="mr-IN" dirty="0">
-                <a:solidFill>
-                  <a:srgbClr val="6D6F24"/>
-                </a:solidFill>
-                <a:latin typeface="Courier" charset="0"/>
-                <a:ea typeface="Courier" charset="0"/>
-                <a:cs typeface="Courier" charset="0"/>
-              </a:rPr>
-              <a:t>(</a:t>
-            </a:r>
-            <a:r>
-              <a:rPr lang="mr-IN" b="1" dirty="0" err="1">
-                <a:solidFill>
-                  <a:srgbClr val="6B0001"/>
-                </a:solidFill>
-                <a:latin typeface="Courier" charset="0"/>
-                <a:ea typeface="Courier" charset="0"/>
-                <a:cs typeface="Courier" charset="0"/>
-              </a:rPr>
-              <a:t>fun</a:t>
-            </a:r>
-            <a:r>
-              <a:rPr lang="mr-IN" dirty="0">
-                <a:solidFill>
-                  <a:srgbClr val="000000"/>
-                </a:solidFill>
-                <a:latin typeface="Courier" charset="0"/>
-                <a:ea typeface="Courier" charset="0"/>
-                <a:cs typeface="Courier" charset="0"/>
-              </a:rPr>
-              <a:t> </a:t>
-            </a:r>
-            <a:r>
-              <a:rPr lang="mr-IN" dirty="0" err="1">
-                <a:solidFill>
-                  <a:srgbClr val="000000"/>
-                </a:solidFill>
-                <a:latin typeface="Courier" charset="0"/>
-                <a:ea typeface="Courier" charset="0"/>
-                <a:cs typeface="Courier" charset="0"/>
-              </a:rPr>
-              <a:t>x</a:t>
-            </a:r>
-            <a:r>
-              <a:rPr lang="mr-IN" dirty="0">
-                <a:solidFill>
-                  <a:srgbClr val="000000"/>
-                </a:solidFill>
-                <a:latin typeface="Courier" charset="0"/>
-                <a:ea typeface="Courier" charset="0"/>
-                <a:cs typeface="Courier" charset="0"/>
-              </a:rPr>
-              <a:t> </a:t>
-            </a:r>
-            <a:r>
-              <a:rPr lang="mr-IN" dirty="0">
-                <a:solidFill>
-                  <a:srgbClr val="6D6F24"/>
-                </a:solidFill>
-                <a:latin typeface="Courier" charset="0"/>
-                <a:ea typeface="Courier" charset="0"/>
-                <a:cs typeface="Courier" charset="0"/>
-              </a:rPr>
-              <a:t>-&gt;</a:t>
-            </a:r>
-            <a:r>
-              <a:rPr lang="mr-IN" dirty="0">
-                <a:solidFill>
-                  <a:srgbClr val="000000"/>
-                </a:solidFill>
-                <a:latin typeface="Courier" charset="0"/>
-                <a:ea typeface="Courier" charset="0"/>
-                <a:cs typeface="Courier" charset="0"/>
-              </a:rPr>
-              <a:t> x</a:t>
-            </a:r>
-            <a:r>
-              <a:rPr lang="mr-IN" dirty="0">
-                <a:solidFill>
-                  <a:srgbClr val="6D6F24"/>
-                </a:solidFill>
-                <a:latin typeface="Courier" charset="0"/>
-                <a:ea typeface="Courier" charset="0"/>
-                <a:cs typeface="Courier" charset="0"/>
-              </a:rPr>
-              <a:t>+</a:t>
-            </a:r>
-            <a:r>
-              <a:rPr lang="mr-IN" dirty="0">
-                <a:solidFill>
-                  <a:srgbClr val="107D02"/>
-                </a:solidFill>
-                <a:latin typeface="Courier" charset="0"/>
-                <a:ea typeface="Courier" charset="0"/>
-                <a:cs typeface="Courier" charset="0"/>
-              </a:rPr>
-              <a:t>1</a:t>
-            </a:r>
-            <a:r>
-              <a:rPr lang="mr-IN" dirty="0">
-                <a:solidFill>
-                  <a:srgbClr val="6D6F24"/>
-                </a:solidFill>
-                <a:latin typeface="Courier" charset="0"/>
-                <a:ea typeface="Courier" charset="0"/>
-                <a:cs typeface="Courier" charset="0"/>
-              </a:rPr>
-              <a:t>)</a:t>
-            </a:r>
-            <a:r>
-              <a:rPr lang="mr-IN" dirty="0">
-                <a:solidFill>
-                  <a:srgbClr val="000000"/>
-                </a:solidFill>
-                <a:latin typeface="Courier" charset="0"/>
-                <a:ea typeface="Courier" charset="0"/>
-                <a:cs typeface="Courier" charset="0"/>
-              </a:rPr>
-              <a:t> </a:t>
-            </a:r>
-            <a:r>
-              <a:rPr lang="mr-IN" dirty="0" err="1">
-                <a:solidFill>
-                  <a:srgbClr val="000000"/>
-                </a:solidFill>
-                <a:latin typeface="Courier" charset="0"/>
-                <a:ea typeface="Courier" charset="0"/>
-                <a:cs typeface="Courier" charset="0"/>
-              </a:rPr>
-              <a:t>nats</a:t>
-            </a:r>
-            <a:r>
-              <a:rPr lang="mr-IN" dirty="0">
-                <a:solidFill>
-                  <a:srgbClr val="6D6F24"/>
-                </a:solidFill>
-                <a:latin typeface="Courier" charset="0"/>
-                <a:ea typeface="Courier" charset="0"/>
-                <a:cs typeface="Courier" charset="0"/>
-              </a:rPr>
-              <a:t>)</a:t>
-            </a:r>
-            <a:endParaRPr lang="mr-IN" dirty="0">
-              <a:solidFill>
-                <a:srgbClr val="000000"/>
-              </a:solidFill>
-              <a:latin typeface="Courier" charset="0"/>
-              <a:ea typeface="Courier" charset="0"/>
-              <a:cs typeface="Courier" charset="0"/>
-            </a:endParaRPr>
+            <a:r>
+              <a:rPr lang="en-US" sz="1200" b="0" kern="1200" dirty="0">
+                <a:solidFill>
+                  <a:schemeClr val="tx1"/>
+                </a:solidFill>
+                <a:effectLst/>
+                <a:latin typeface="+mn-lt"/>
+                <a:ea typeface="+mn-ea"/>
+                <a:cs typeface="+mn-cs"/>
+              </a:rPr>
+              <a:t> sieve (from 2)</a:t>
+            </a:r>
           </a:p>
           <a:p>
             <a:endParaRPr lang="en-US" dirty="0"/>
@@ -3290,7 +3698,7 @@
     </p:spTree>
     <p:extLst>
       <p:ext uri="{BB962C8B-B14F-4D97-AF65-F5344CB8AC3E}">
-        <p14:creationId xmlns:p14="http://schemas.microsoft.com/office/powerpoint/2010/main" val="3712938509"/>
+        <p14:creationId xmlns:p14="http://schemas.microsoft.com/office/powerpoint/2010/main" val="1633257143"/>
       </p:ext>
     </p:extLst>
   </p:cSld>
@@ -3365,7 +3773,7 @@
           <a:p>
             <a:fld id="{B7975FD5-AB21-4C45-BFE8-1D3F02B463E2}" type="slidenum">
               <a:rPr lang="en-US" smtClean="0"/>
-              <a:t>24</a:t>
+              <a:t>22</a:t>
             </a:fld>
             <a:endParaRPr lang="en-US"/>
           </a:p>
@@ -5665,7 +6073,7 @@
           <a:p>
             <a:fld id="{96331252-4874-F047-84B8-3D3EF8743E79}" type="datetimeFigureOut">
               <a:rPr lang="en-US" smtClean="0"/>
-              <a:t>11/24/19</a:t>
+              <a:t>11/25/19</a:t>
             </a:fld>
             <a:endParaRPr lang="en-US"/>
           </a:p>
@@ -5932,7 +6340,7 @@
           <a:p>
             <a:fld id="{96331252-4874-F047-84B8-3D3EF8743E79}" type="datetimeFigureOut">
               <a:rPr lang="en-US" smtClean="0"/>
-              <a:t>11/24/19</a:t>
+              <a:t>11/25/19</a:t>
             </a:fld>
             <a:endParaRPr lang="en-US"/>
           </a:p>
@@ -6110,7 +6518,7 @@
           <a:p>
             <a:fld id="{96331252-4874-F047-84B8-3D3EF8743E79}" type="datetimeFigureOut">
               <a:rPr lang="en-US" smtClean="0"/>
-              <a:t>11/24/19</a:t>
+              <a:t>11/25/19</a:t>
             </a:fld>
             <a:endParaRPr lang="en-US"/>
           </a:p>
@@ -6286,7 +6694,7 @@
           <a:p>
             <a:fld id="{96331252-4874-F047-84B8-3D3EF8743E79}" type="datetimeFigureOut">
               <a:rPr lang="en-US" smtClean="0"/>
-              <a:t>11/24/19</a:t>
+              <a:t>11/25/19</a:t>
             </a:fld>
             <a:endParaRPr lang="en-US"/>
           </a:p>
@@ -6535,7 +6943,7 @@
           <a:p>
             <a:fld id="{96331252-4874-F047-84B8-3D3EF8743E79}" type="datetimeFigureOut">
               <a:rPr lang="en-US" smtClean="0"/>
-              <a:t>11/24/19</a:t>
+              <a:t>11/25/19</a:t>
             </a:fld>
             <a:endParaRPr lang="en-US"/>
           </a:p>
@@ -6820,7 +7228,7 @@
           <a:p>
             <a:fld id="{96331252-4874-F047-84B8-3D3EF8743E79}" type="datetimeFigureOut">
               <a:rPr lang="en-US" smtClean="0"/>
-              <a:t>11/24/19</a:t>
+              <a:t>11/25/19</a:t>
             </a:fld>
             <a:endParaRPr lang="en-US"/>
           </a:p>
@@ -7239,7 +7647,7 @@
           <a:p>
             <a:fld id="{96331252-4874-F047-84B8-3D3EF8743E79}" type="datetimeFigureOut">
               <a:rPr lang="en-US" smtClean="0"/>
-              <a:t>11/24/19</a:t>
+              <a:t>11/25/19</a:t>
             </a:fld>
             <a:endParaRPr lang="en-US"/>
           </a:p>
@@ -7356,7 +7764,7 @@
           <a:p>
             <a:fld id="{96331252-4874-F047-84B8-3D3EF8743E79}" type="datetimeFigureOut">
               <a:rPr lang="en-US" smtClean="0"/>
-              <a:t>11/24/19</a:t>
+              <a:t>11/25/19</a:t>
             </a:fld>
             <a:endParaRPr lang="en-US"/>
           </a:p>
@@ -7451,7 +7859,7 @@
           <a:p>
             <a:fld id="{96331252-4874-F047-84B8-3D3EF8743E79}" type="datetimeFigureOut">
               <a:rPr lang="en-US" smtClean="0"/>
-              <a:t>11/24/19</a:t>
+              <a:t>11/25/19</a:t>
             </a:fld>
             <a:endParaRPr lang="en-US"/>
           </a:p>
@@ -7726,7 +8134,7 @@
           <a:p>
             <a:fld id="{96331252-4874-F047-84B8-3D3EF8743E79}" type="datetimeFigureOut">
               <a:rPr lang="en-US" smtClean="0"/>
-              <a:t>11/24/19</a:t>
+              <a:t>11/25/19</a:t>
             </a:fld>
             <a:endParaRPr lang="en-US"/>
           </a:p>
@@ -7978,7 +8386,7 @@
           <a:p>
             <a:fld id="{96331252-4874-F047-84B8-3D3EF8743E79}" type="datetimeFigureOut">
               <a:rPr lang="en-US" smtClean="0"/>
-              <a:t>11/24/19</a:t>
+              <a:t>11/25/19</a:t>
             </a:fld>
             <a:endParaRPr lang="en-US"/>
           </a:p>
@@ -8192,7 +8600,7 @@
             <a:fld id="{96331252-4874-F047-84B8-3D3EF8743E79}" type="datetimeFigureOut">
               <a:rPr lang="en-US" smtClean="0"/>
               <a:pPr/>
-              <a:t>11/24/19</a:t>
+              <a:t>11/25/19</a:t>
             </a:fld>
             <a:endParaRPr lang="en-US"/>
           </a:p>
@@ -8596,7 +9004,7 @@
           <a:p>
             <a:r>
               <a:rPr lang="en-US" dirty="0"/>
-              <a:t>Streams</a:t>
+              <a:t>Streams and Laziness</a:t>
             </a:r>
           </a:p>
         </p:txBody>
@@ -9238,7 +9646,7 @@
                 </a:solidFill>
                 <a:latin typeface="Cronos Pro" panose="020C0502030403020304" pitchFamily="34" charset="77"/>
               </a:rPr>
-              <a:t>Try coding these if possible:</a:t>
+              <a:t>Let’s try coding these:</a:t>
             </a:r>
           </a:p>
           <a:p>
@@ -10686,6 +11094,48 @@
           </a:p>
         </p:txBody>
       </p:sp>
+      <p:sp>
+        <p:nvSpPr>
+          <p:cNvPr id="4" name="TextBox 3">
+            <a:extLst>
+              <a:ext uri="{FF2B5EF4-FFF2-40B4-BE49-F238E27FC236}">
+                <a16:creationId xmlns:a16="http://schemas.microsoft.com/office/drawing/2014/main" id="{2ED357A4-C6F4-1C4C-AE53-EEA463069041}"/>
+              </a:ext>
+            </a:extLst>
+          </p:cNvPr>
+          <p:cNvSpPr txBox="1"/>
+          <p:nvPr/>
+        </p:nvSpPr>
+        <p:spPr>
+          <a:xfrm>
+            <a:off x="7820832" y="6094812"/>
+            <a:ext cx="914033" cy="461665"/>
+          </a:xfrm>
+          <a:prstGeom prst="rect">
+            <a:avLst/>
+          </a:prstGeom>
+          <a:noFill/>
+        </p:spPr>
+        <p:txBody>
+          <a:bodyPr wrap="square" rtlCol="0">
+            <a:spAutoFit/>
+          </a:bodyPr>
+          <a:lstStyle/>
+          <a:p>
+            <a:r>
+              <a:rPr lang="en-US" sz="2400" dirty="0">
+                <a:solidFill>
+                  <a:schemeClr val="bg2">
+                    <a:lumMod val="50000"/>
+                  </a:schemeClr>
+                </a:solidFill>
+                <a:latin typeface="Cronos Pro" panose="020C0502030403020304" pitchFamily="34" charset="77"/>
+              </a:rPr>
+              <a:t>Demo</a:t>
+            </a:r>
+          </a:p>
+        </p:txBody>
+      </p:sp>
     </p:spTree>
     <p:extLst>
       <p:ext uri="{BB962C8B-B14F-4D97-AF65-F5344CB8AC3E}">
@@ -10718,7 +11168,13 @@
       </p:grpSpPr>
       <p:sp>
         <p:nvSpPr>
-          <p:cNvPr id="2" name="Title 1"/>
+          <p:cNvPr id="4" name="Title 3">
+            <a:extLst>
+              <a:ext uri="{FF2B5EF4-FFF2-40B4-BE49-F238E27FC236}">
+                <a16:creationId xmlns:a16="http://schemas.microsoft.com/office/drawing/2014/main" id="{0DDBF56D-53A6-1E40-A20E-E7F32A90B533}"/>
+              </a:ext>
+            </a:extLst>
+          </p:cNvPr>
           <p:cNvSpPr>
             <a:spLocks noGrp="1"/>
           </p:cNvSpPr>
@@ -10733,625 +11189,82 @@
           <a:p>
             <a:r>
               <a:rPr lang="en-US" dirty="0"/>
-              <a:t>Stream map</a:t>
+              <a:t>Laziness</a:t>
             </a:r>
           </a:p>
         </p:txBody>
       </p:sp>
       <p:sp>
         <p:nvSpPr>
-          <p:cNvPr id="3" name="Content Placeholder 2"/>
+          <p:cNvPr id="5" name="Text Placeholder 4">
+            <a:extLst>
+              <a:ext uri="{FF2B5EF4-FFF2-40B4-BE49-F238E27FC236}">
+                <a16:creationId xmlns:a16="http://schemas.microsoft.com/office/drawing/2014/main" id="{65386248-9135-D547-8D1E-352DFAB34CB0}"/>
+              </a:ext>
+            </a:extLst>
+          </p:cNvPr>
           <p:cNvSpPr>
             <a:spLocks noGrp="1"/>
           </p:cNvSpPr>
           <p:nvPr>
-            <p:ph idx="1"/>
+            <p:ph type="body" idx="1"/>
           </p:nvPr>
         </p:nvSpPr>
         <p:spPr/>
         <p:txBody>
-          <a:bodyPr>
-            <a:normAutofit/>
+          <a:bodyPr/>
+          <a:lstStyle/>
+          <a:p>
+            <a:endParaRPr lang="en-US"/>
+          </a:p>
+        </p:txBody>
+      </p:sp>
+      <p:sp>
+        <p:nvSpPr>
+          <p:cNvPr id="6" name="TextBox 5">
+            <a:extLst>
+              <a:ext uri="{FF2B5EF4-FFF2-40B4-BE49-F238E27FC236}">
+                <a16:creationId xmlns:a16="http://schemas.microsoft.com/office/drawing/2014/main" id="{E45BF95E-8324-3243-95E3-4EA4E07E4370}"/>
+              </a:ext>
+            </a:extLst>
+          </p:cNvPr>
+          <p:cNvSpPr txBox="1"/>
+          <p:nvPr/>
+        </p:nvSpPr>
+        <p:spPr>
+          <a:xfrm>
+            <a:off x="7820832" y="6094812"/>
+            <a:ext cx="914033" cy="461665"/>
+          </a:xfrm>
+          <a:prstGeom prst="rect">
+            <a:avLst/>
+          </a:prstGeom>
+          <a:noFill/>
+        </p:spPr>
+        <p:txBody>
+          <a:bodyPr wrap="square" rtlCol="0">
+            <a:spAutoFit/>
           </a:bodyPr>
           <a:lstStyle/>
           <a:p>
-            <a:pPr marL="0" indent="0">
-              <a:buNone/>
-            </a:pPr>
-            <a:r>
-              <a:rPr lang="mr-IN" dirty="0">
-                <a:solidFill>
-                  <a:srgbClr val="565656"/>
-                </a:solidFill>
-                <a:latin typeface="Courier" charset="0"/>
-                <a:ea typeface="Courier" charset="0"/>
-                <a:cs typeface="Courier" charset="0"/>
-              </a:rPr>
-              <a:t>(*</a:t>
-            </a:r>
-            <a:r>
-              <a:rPr lang="en-US" dirty="0">
-                <a:solidFill>
-                  <a:srgbClr val="565656"/>
-                </a:solidFill>
-                <a:latin typeface="Courier" charset="0"/>
-                <a:ea typeface="Courier" charset="0"/>
-                <a:cs typeface="Courier" charset="0"/>
-              </a:rPr>
-              <a:t>*</a:t>
-            </a:r>
-            <a:r>
-              <a:rPr lang="mr-IN" dirty="0">
-                <a:solidFill>
-                  <a:srgbClr val="565656"/>
-                </a:solidFill>
-                <a:latin typeface="Courier" charset="0"/>
-                <a:ea typeface="Courier" charset="0"/>
-                <a:cs typeface="Courier" charset="0"/>
-              </a:rPr>
-              <a:t> [</a:t>
-            </a:r>
-            <a:r>
-              <a:rPr lang="mr-IN" dirty="0" err="1">
-                <a:solidFill>
-                  <a:srgbClr val="565656"/>
-                </a:solidFill>
-                <a:latin typeface="Courier" charset="0"/>
-                <a:ea typeface="Courier" charset="0"/>
-                <a:cs typeface="Courier" charset="0"/>
-              </a:rPr>
-              <a:t>map</a:t>
-            </a:r>
-            <a:r>
-              <a:rPr lang="mr-IN" dirty="0">
-                <a:solidFill>
-                  <a:srgbClr val="565656"/>
-                </a:solidFill>
-                <a:latin typeface="Courier" charset="0"/>
-                <a:ea typeface="Courier" charset="0"/>
-                <a:cs typeface="Courier" charset="0"/>
-              </a:rPr>
-              <a:t> </a:t>
-            </a:r>
-            <a:r>
-              <a:rPr lang="mr-IN" dirty="0" err="1">
-                <a:solidFill>
-                  <a:srgbClr val="565656"/>
-                </a:solidFill>
-                <a:latin typeface="Courier" charset="0"/>
-                <a:ea typeface="Courier" charset="0"/>
-                <a:cs typeface="Courier" charset="0"/>
-              </a:rPr>
-              <a:t>f</a:t>
-            </a:r>
-            <a:r>
-              <a:rPr lang="mr-IN" dirty="0">
-                <a:solidFill>
-                  <a:srgbClr val="565656"/>
-                </a:solidFill>
-                <a:latin typeface="Courier" charset="0"/>
-                <a:ea typeface="Courier" charset="0"/>
-                <a:cs typeface="Courier" charset="0"/>
-              </a:rPr>
-              <a:t> &lt;</a:t>
-            </a:r>
-            <a:r>
-              <a:rPr lang="mr-IN" dirty="0" err="1">
-                <a:solidFill>
-                  <a:srgbClr val="565656"/>
-                </a:solidFill>
-                <a:latin typeface="Courier" charset="0"/>
-                <a:ea typeface="Courier" charset="0"/>
-                <a:cs typeface="Courier" charset="0"/>
-              </a:rPr>
-              <a:t>a</a:t>
-            </a:r>
-            <a:r>
-              <a:rPr lang="mr-IN" dirty="0">
-                <a:solidFill>
-                  <a:srgbClr val="565656"/>
-                </a:solidFill>
-                <a:latin typeface="Courier" charset="0"/>
-                <a:ea typeface="Courier" charset="0"/>
-                <a:cs typeface="Courier" charset="0"/>
-              </a:rPr>
-              <a:t>;</a:t>
-            </a:r>
-            <a:r>
-              <a:rPr lang="en-US" dirty="0">
-                <a:solidFill>
-                  <a:srgbClr val="565656"/>
-                </a:solidFill>
-                <a:latin typeface="Courier" charset="0"/>
-                <a:ea typeface="Courier" charset="0"/>
-                <a:cs typeface="Courier" charset="0"/>
-              </a:rPr>
-              <a:t> </a:t>
-            </a:r>
-            <a:r>
-              <a:rPr lang="mr-IN" dirty="0" err="1">
-                <a:solidFill>
-                  <a:srgbClr val="565656"/>
-                </a:solidFill>
-                <a:latin typeface="Courier" charset="0"/>
-                <a:ea typeface="Courier" charset="0"/>
-                <a:cs typeface="Courier" charset="0"/>
-              </a:rPr>
-              <a:t>b</a:t>
-            </a:r>
-            <a:r>
-              <a:rPr lang="mr-IN" dirty="0">
-                <a:solidFill>
-                  <a:srgbClr val="565656"/>
-                </a:solidFill>
-                <a:latin typeface="Courier" charset="0"/>
-                <a:ea typeface="Courier" charset="0"/>
-                <a:cs typeface="Courier" charset="0"/>
-              </a:rPr>
-              <a:t>;</a:t>
-            </a:r>
-            <a:r>
-              <a:rPr lang="en-US" dirty="0">
-                <a:solidFill>
-                  <a:srgbClr val="565656"/>
-                </a:solidFill>
-                <a:latin typeface="Courier" charset="0"/>
-                <a:ea typeface="Courier" charset="0"/>
-                <a:cs typeface="Courier" charset="0"/>
-              </a:rPr>
-              <a:t> </a:t>
-            </a:r>
-            <a:r>
-              <a:rPr lang="mr-IN" dirty="0" err="1">
-                <a:solidFill>
-                  <a:srgbClr val="565656"/>
-                </a:solidFill>
-                <a:latin typeface="Courier" charset="0"/>
-                <a:ea typeface="Courier" charset="0"/>
-                <a:cs typeface="Courier" charset="0"/>
-              </a:rPr>
-              <a:t>c</a:t>
-            </a:r>
-            <a:r>
-              <a:rPr lang="mr-IN" dirty="0">
-                <a:solidFill>
-                  <a:srgbClr val="565656"/>
-                </a:solidFill>
-                <a:latin typeface="Courier" charset="0"/>
-                <a:ea typeface="Courier" charset="0"/>
-                <a:cs typeface="Courier" charset="0"/>
-              </a:rPr>
-              <a:t>;</a:t>
-            </a:r>
-            <a:r>
-              <a:rPr lang="en-US" dirty="0">
-                <a:solidFill>
-                  <a:srgbClr val="565656"/>
-                </a:solidFill>
-                <a:latin typeface="Courier" charset="0"/>
-                <a:ea typeface="Courier" charset="0"/>
-                <a:cs typeface="Courier" charset="0"/>
-              </a:rPr>
-              <a:t> </a:t>
-            </a:r>
-            <a:r>
-              <a:rPr lang="mr-IN" dirty="0">
-                <a:solidFill>
-                  <a:srgbClr val="565656"/>
-                </a:solidFill>
-                <a:latin typeface="Courier" charset="0"/>
-                <a:ea typeface="Courier" charset="0"/>
-                <a:cs typeface="Courier" charset="0"/>
-              </a:rPr>
-              <a:t>...&gt;] </a:t>
-            </a:r>
-            <a:r>
-              <a:rPr lang="mr-IN" dirty="0" err="1">
-                <a:solidFill>
-                  <a:srgbClr val="565656"/>
-                </a:solidFill>
-                <a:latin typeface="Courier" charset="0"/>
-                <a:ea typeface="Courier" charset="0"/>
-                <a:cs typeface="Courier" charset="0"/>
-              </a:rPr>
-              <a:t>is</a:t>
-            </a:r>
-            <a:r>
-              <a:rPr lang="mr-IN" dirty="0">
-                <a:solidFill>
-                  <a:srgbClr val="565656"/>
-                </a:solidFill>
-                <a:latin typeface="Courier" charset="0"/>
-                <a:ea typeface="Courier" charset="0"/>
-                <a:cs typeface="Courier" charset="0"/>
-              </a:rPr>
-              <a:t> </a:t>
-            </a:r>
-            <a:endParaRPr lang="en-US" dirty="0">
-              <a:solidFill>
-                <a:srgbClr val="565656"/>
-              </a:solidFill>
-              <a:latin typeface="Courier" charset="0"/>
-              <a:ea typeface="Courier" charset="0"/>
-              <a:cs typeface="Courier" charset="0"/>
-            </a:endParaRPr>
-          </a:p>
-          <a:p>
-            <a:pPr marL="0" indent="0">
-              <a:buNone/>
-            </a:pPr>
-            <a:r>
-              <a:rPr lang="en-US" dirty="0">
-                <a:solidFill>
-                  <a:srgbClr val="565656"/>
-                </a:solidFill>
-                <a:latin typeface="Courier" charset="0"/>
-                <a:ea typeface="Courier" charset="0"/>
-                <a:cs typeface="Courier" charset="0"/>
-              </a:rPr>
-              <a:t>    </a:t>
-            </a:r>
-            <a:r>
-              <a:rPr lang="mr-IN" dirty="0">
-                <a:solidFill>
-                  <a:srgbClr val="565656"/>
-                </a:solidFill>
-                <a:latin typeface="Courier" charset="0"/>
-                <a:ea typeface="Courier" charset="0"/>
-                <a:cs typeface="Courier" charset="0"/>
-              </a:rPr>
-              <a:t>[&lt;</a:t>
-            </a:r>
-            <a:r>
-              <a:rPr lang="mr-IN" dirty="0" err="1">
-                <a:solidFill>
-                  <a:srgbClr val="565656"/>
-                </a:solidFill>
-                <a:latin typeface="Courier" charset="0"/>
-                <a:ea typeface="Courier" charset="0"/>
-                <a:cs typeface="Courier" charset="0"/>
-              </a:rPr>
-              <a:t>f</a:t>
-            </a:r>
-            <a:r>
-              <a:rPr lang="mr-IN" dirty="0">
-                <a:solidFill>
-                  <a:srgbClr val="565656"/>
-                </a:solidFill>
-                <a:latin typeface="Courier" charset="0"/>
-                <a:ea typeface="Courier" charset="0"/>
-                <a:cs typeface="Courier" charset="0"/>
-              </a:rPr>
-              <a:t> </a:t>
-            </a:r>
-            <a:r>
-              <a:rPr lang="mr-IN" dirty="0" err="1">
-                <a:solidFill>
-                  <a:srgbClr val="565656"/>
-                </a:solidFill>
-                <a:latin typeface="Courier" charset="0"/>
-                <a:ea typeface="Courier" charset="0"/>
-                <a:cs typeface="Courier" charset="0"/>
-              </a:rPr>
-              <a:t>a</a:t>
-            </a:r>
-            <a:r>
-              <a:rPr lang="mr-IN" dirty="0">
-                <a:solidFill>
-                  <a:srgbClr val="565656"/>
-                </a:solidFill>
-                <a:latin typeface="Courier" charset="0"/>
-                <a:ea typeface="Courier" charset="0"/>
-                <a:cs typeface="Courier" charset="0"/>
-              </a:rPr>
-              <a:t>; </a:t>
-            </a:r>
-            <a:r>
-              <a:rPr lang="mr-IN" dirty="0" err="1">
-                <a:solidFill>
-                  <a:srgbClr val="565656"/>
-                </a:solidFill>
-                <a:latin typeface="Courier" charset="0"/>
-                <a:ea typeface="Courier" charset="0"/>
-                <a:cs typeface="Courier" charset="0"/>
-              </a:rPr>
-              <a:t>f</a:t>
-            </a:r>
-            <a:r>
-              <a:rPr lang="mr-IN" dirty="0">
-                <a:solidFill>
-                  <a:srgbClr val="565656"/>
-                </a:solidFill>
-                <a:latin typeface="Courier" charset="0"/>
-                <a:ea typeface="Courier" charset="0"/>
-                <a:cs typeface="Courier" charset="0"/>
-              </a:rPr>
-              <a:t> </a:t>
-            </a:r>
-            <a:r>
-              <a:rPr lang="mr-IN" dirty="0" err="1">
-                <a:solidFill>
-                  <a:srgbClr val="565656"/>
-                </a:solidFill>
-                <a:latin typeface="Courier" charset="0"/>
-                <a:ea typeface="Courier" charset="0"/>
-                <a:cs typeface="Courier" charset="0"/>
-              </a:rPr>
-              <a:t>b</a:t>
-            </a:r>
-            <a:r>
-              <a:rPr lang="mr-IN" dirty="0">
-                <a:solidFill>
-                  <a:srgbClr val="565656"/>
-                </a:solidFill>
-                <a:latin typeface="Courier" charset="0"/>
-                <a:ea typeface="Courier" charset="0"/>
-                <a:cs typeface="Courier" charset="0"/>
-              </a:rPr>
-              <a:t>; </a:t>
-            </a:r>
-            <a:r>
-              <a:rPr lang="mr-IN" dirty="0" err="1">
-                <a:solidFill>
-                  <a:srgbClr val="565656"/>
-                </a:solidFill>
-                <a:latin typeface="Courier" charset="0"/>
-                <a:ea typeface="Courier" charset="0"/>
-                <a:cs typeface="Courier" charset="0"/>
-              </a:rPr>
-              <a:t>f</a:t>
-            </a:r>
-            <a:r>
-              <a:rPr lang="mr-IN" dirty="0">
-                <a:solidFill>
-                  <a:srgbClr val="565656"/>
-                </a:solidFill>
-                <a:latin typeface="Courier" charset="0"/>
-                <a:ea typeface="Courier" charset="0"/>
-                <a:cs typeface="Courier" charset="0"/>
-              </a:rPr>
-              <a:t> </a:t>
-            </a:r>
-            <a:r>
-              <a:rPr lang="mr-IN" dirty="0" err="1">
-                <a:solidFill>
-                  <a:srgbClr val="565656"/>
-                </a:solidFill>
-                <a:latin typeface="Courier" charset="0"/>
-                <a:ea typeface="Courier" charset="0"/>
-                <a:cs typeface="Courier" charset="0"/>
-              </a:rPr>
-              <a:t>c</a:t>
-            </a:r>
-            <a:r>
-              <a:rPr lang="mr-IN" dirty="0">
-                <a:solidFill>
-                  <a:srgbClr val="565656"/>
-                </a:solidFill>
-                <a:latin typeface="Courier" charset="0"/>
-                <a:ea typeface="Courier" charset="0"/>
-                <a:cs typeface="Courier" charset="0"/>
-              </a:rPr>
-              <a:t>; ...&gt;] *)</a:t>
-            </a:r>
-            <a:endParaRPr lang="mr-IN" dirty="0">
-              <a:solidFill>
-                <a:srgbClr val="000000"/>
-              </a:solidFill>
-              <a:latin typeface="Courier" charset="0"/>
-              <a:ea typeface="Courier" charset="0"/>
-              <a:cs typeface="Courier" charset="0"/>
-            </a:endParaRPr>
-          </a:p>
-          <a:p>
-            <a:pPr marL="0" indent="0">
-              <a:buNone/>
-            </a:pPr>
-            <a:r>
-              <a:rPr lang="en-US" b="1" dirty="0">
-                <a:solidFill>
-                  <a:srgbClr val="6B0001"/>
-                </a:solidFill>
-                <a:latin typeface="Courier" charset="0"/>
-                <a:ea typeface="Courier" charset="0"/>
-                <a:cs typeface="Courier" charset="0"/>
-              </a:rPr>
-              <a:t>let rec</a:t>
-            </a:r>
-            <a:r>
-              <a:rPr lang="en-US" dirty="0">
-                <a:solidFill>
-                  <a:srgbClr val="000000"/>
-                </a:solidFill>
-                <a:latin typeface="Courier" charset="0"/>
-                <a:ea typeface="Courier" charset="0"/>
-                <a:cs typeface="Courier" charset="0"/>
-              </a:rPr>
-              <a:t> map f </a:t>
-            </a:r>
-            <a:r>
-              <a:rPr lang="en-US" dirty="0">
-                <a:solidFill>
-                  <a:srgbClr val="6D6F24"/>
-                </a:solidFill>
-                <a:latin typeface="Courier" charset="0"/>
-                <a:ea typeface="Courier" charset="0"/>
-                <a:cs typeface="Courier" charset="0"/>
-              </a:rPr>
-              <a:t>(</a:t>
-            </a:r>
-            <a:r>
-              <a:rPr lang="en-US" dirty="0">
-                <a:solidFill>
-                  <a:srgbClr val="000000"/>
-                </a:solidFill>
-                <a:latin typeface="Courier" charset="0"/>
-                <a:ea typeface="Courier" charset="0"/>
-                <a:cs typeface="Courier" charset="0"/>
-              </a:rPr>
-              <a:t>Cons </a:t>
-            </a:r>
-            <a:r>
-              <a:rPr lang="en-US" dirty="0">
-                <a:solidFill>
-                  <a:srgbClr val="6D6F24"/>
-                </a:solidFill>
-                <a:latin typeface="Courier" charset="0"/>
-                <a:ea typeface="Courier" charset="0"/>
-                <a:cs typeface="Courier" charset="0"/>
-              </a:rPr>
-              <a:t>(</a:t>
-            </a:r>
-            <a:r>
-              <a:rPr lang="en-US" dirty="0">
-                <a:solidFill>
-                  <a:srgbClr val="000000"/>
-                </a:solidFill>
-                <a:latin typeface="Courier" charset="0"/>
-                <a:ea typeface="Courier" charset="0"/>
-                <a:cs typeface="Courier" charset="0"/>
-              </a:rPr>
-              <a:t>h</a:t>
-            </a:r>
-            <a:r>
-              <a:rPr lang="en-US" dirty="0">
-                <a:solidFill>
-                  <a:srgbClr val="6D6F24"/>
-                </a:solidFill>
-                <a:latin typeface="Courier" charset="0"/>
-                <a:ea typeface="Courier" charset="0"/>
-                <a:cs typeface="Courier" charset="0"/>
-              </a:rPr>
-              <a:t>,</a:t>
-            </a:r>
-            <a:r>
-              <a:rPr lang="en-US" dirty="0">
-                <a:solidFill>
-                  <a:srgbClr val="000000"/>
-                </a:solidFill>
-                <a:latin typeface="Courier" charset="0"/>
-                <a:ea typeface="Courier" charset="0"/>
-                <a:cs typeface="Courier" charset="0"/>
-              </a:rPr>
-              <a:t> </a:t>
-            </a:r>
-            <a:r>
-              <a:rPr lang="en-US" dirty="0" err="1">
-                <a:solidFill>
-                  <a:srgbClr val="000000"/>
-                </a:solidFill>
-                <a:latin typeface="Courier" charset="0"/>
-                <a:ea typeface="Courier" charset="0"/>
-                <a:cs typeface="Courier" charset="0"/>
-              </a:rPr>
-              <a:t>tf</a:t>
-            </a:r>
-            <a:r>
-              <a:rPr lang="en-US" dirty="0">
-                <a:solidFill>
-                  <a:srgbClr val="6D6F24"/>
-                </a:solidFill>
-                <a:latin typeface="Courier" charset="0"/>
-                <a:ea typeface="Courier" charset="0"/>
-                <a:cs typeface="Courier" charset="0"/>
-              </a:rPr>
-              <a:t>))</a:t>
-            </a:r>
-            <a:r>
-              <a:rPr lang="en-US" dirty="0">
-                <a:solidFill>
-                  <a:srgbClr val="000000"/>
-                </a:solidFill>
-                <a:latin typeface="Courier" charset="0"/>
-                <a:ea typeface="Courier" charset="0"/>
-                <a:cs typeface="Courier" charset="0"/>
-              </a:rPr>
-              <a:t> </a:t>
-            </a:r>
-            <a:r>
-              <a:rPr lang="en-US" dirty="0">
-                <a:solidFill>
-                  <a:srgbClr val="6D6F24"/>
-                </a:solidFill>
-                <a:latin typeface="Courier" charset="0"/>
-                <a:ea typeface="Courier" charset="0"/>
-                <a:cs typeface="Courier" charset="0"/>
-              </a:rPr>
-              <a:t>=</a:t>
-            </a:r>
-            <a:endParaRPr lang="en-US" dirty="0">
-              <a:solidFill>
-                <a:srgbClr val="000000"/>
-              </a:solidFill>
-              <a:latin typeface="Courier" charset="0"/>
-              <a:ea typeface="Courier" charset="0"/>
-              <a:cs typeface="Courier" charset="0"/>
-            </a:endParaRPr>
-          </a:p>
-          <a:p>
-            <a:pPr marL="0" indent="0">
-              <a:buNone/>
-            </a:pPr>
-            <a:r>
-              <a:rPr lang="mr-IN" dirty="0">
-                <a:solidFill>
-                  <a:srgbClr val="000000"/>
-                </a:solidFill>
-                <a:latin typeface="Courier" charset="0"/>
-                <a:ea typeface="Courier" charset="0"/>
-                <a:cs typeface="Courier" charset="0"/>
-              </a:rPr>
-              <a:t>  </a:t>
-            </a:r>
-            <a:r>
-              <a:rPr lang="en-US" dirty="0">
-                <a:solidFill>
-                  <a:srgbClr val="000000"/>
-                </a:solidFill>
-                <a:latin typeface="Courier" charset="0"/>
-                <a:ea typeface="Courier" charset="0"/>
-                <a:cs typeface="Courier" charset="0"/>
-              </a:rPr>
-              <a:t>?</a:t>
-            </a:r>
-            <a:endParaRPr lang="mr-IN" dirty="0">
-              <a:solidFill>
-                <a:srgbClr val="000000"/>
-              </a:solidFill>
-              <a:latin typeface="Courier" charset="0"/>
-              <a:ea typeface="Courier" charset="0"/>
-              <a:cs typeface="Courier" charset="0"/>
-            </a:endParaRPr>
-          </a:p>
-          <a:p>
-            <a:pPr marL="0" indent="0">
-              <a:buNone/>
-            </a:pPr>
-            <a:endParaRPr lang="en-US" dirty="0">
-              <a:solidFill>
-                <a:srgbClr val="000000"/>
-              </a:solidFill>
-              <a:latin typeface="Courier" charset="0"/>
-              <a:ea typeface="Courier" charset="0"/>
-              <a:cs typeface="Courier" charset="0"/>
-            </a:endParaRPr>
-          </a:p>
-          <a:p>
-            <a:pPr marL="0" indent="0">
-              <a:buNone/>
-            </a:pPr>
-            <a:endParaRPr lang="en-US" dirty="0">
-              <a:latin typeface="Courier" charset="0"/>
-              <a:ea typeface="Courier" charset="0"/>
-              <a:cs typeface="Courier" charset="0"/>
-            </a:endParaRPr>
+            <a:r>
+              <a:rPr lang="en-US" sz="2400" dirty="0">
+                <a:solidFill>
+                  <a:schemeClr val="bg2">
+                    <a:lumMod val="50000"/>
+                  </a:schemeClr>
+                </a:solidFill>
+                <a:latin typeface="Cronos Pro" panose="020C0502030403020304" pitchFamily="34" charset="77"/>
+              </a:rPr>
+              <a:t>Demo</a:t>
+            </a:r>
           </a:p>
         </p:txBody>
       </p:sp>
     </p:spTree>
     <p:extLst>
       <p:ext uri="{BB962C8B-B14F-4D97-AF65-F5344CB8AC3E}">
-        <p14:creationId xmlns:p14="http://schemas.microsoft.com/office/powerpoint/2010/main" val="1158850744"/>
+        <p14:creationId xmlns:p14="http://schemas.microsoft.com/office/powerpoint/2010/main" val="1746487727"/>
       </p:ext>
     </p:extLst>
   </p:cSld>
@@ -11380,7 +11293,7 @@
       </p:grpSpPr>
       <p:sp>
         <p:nvSpPr>
-          <p:cNvPr id="4" name="Title 3"/>
+          <p:cNvPr id="2" name="Title 1"/>
           <p:cNvSpPr>
             <a:spLocks noGrp="1"/>
           </p:cNvSpPr>
@@ -11395,1851 +11308,7 @@
           <a:p>
             <a:r>
               <a:rPr lang="en-US" dirty="0"/>
-              <a:t>A Cute Fibonacci Trick</a:t>
-            </a:r>
-          </a:p>
-        </p:txBody>
-      </p:sp>
-      <p:sp>
-        <p:nvSpPr>
-          <p:cNvPr id="5" name="Text Placeholder 4"/>
-          <p:cNvSpPr>
-            <a:spLocks noGrp="1"/>
-          </p:cNvSpPr>
-          <p:nvPr>
-            <p:ph type="body" idx="1"/>
-          </p:nvPr>
-        </p:nvSpPr>
-        <p:spPr/>
-        <p:txBody>
-          <a:bodyPr/>
-          <a:lstStyle/>
-          <a:p>
-            <a:endParaRPr lang="en-US"/>
-          </a:p>
-        </p:txBody>
-      </p:sp>
-    </p:spTree>
-    <p:extLst>
-      <p:ext uri="{BB962C8B-B14F-4D97-AF65-F5344CB8AC3E}">
-        <p14:creationId xmlns:p14="http://schemas.microsoft.com/office/powerpoint/2010/main" val="197460066"/>
-      </p:ext>
-    </p:extLst>
-  </p:cSld>
-  <p:clrMapOvr>
-    <a:masterClrMapping/>
-  </p:clrMapOvr>
-</p:sld>
-</file>
-
-<file path=ppt/slides/slide19.xml><?xml version="1.0" encoding="utf-8"?>
-<p:sld xmlns:a="http://schemas.openxmlformats.org/drawingml/2006/main" xmlns:r="http://schemas.openxmlformats.org/officeDocument/2006/relationships" xmlns:p="http://schemas.openxmlformats.org/presentationml/2006/main">
-  <p:cSld>
-    <p:spTree>
-      <p:nvGrpSpPr>
-        <p:cNvPr id="1" name=""/>
-        <p:cNvGrpSpPr/>
-        <p:nvPr/>
-      </p:nvGrpSpPr>
-      <p:grpSpPr>
-        <a:xfrm>
-          <a:off x="0" y="0"/>
-          <a:ext cx="0" cy="0"/>
-          <a:chOff x="0" y="0"/>
-          <a:chExt cx="0" cy="0"/>
-        </a:xfrm>
-      </p:grpSpPr>
-      <p:sp>
-        <p:nvSpPr>
-          <p:cNvPr id="2" name="Title 1"/>
-          <p:cNvSpPr>
-            <a:spLocks noGrp="1"/>
-          </p:cNvSpPr>
-          <p:nvPr>
-            <p:ph type="title"/>
-          </p:nvPr>
-        </p:nvSpPr>
-        <p:spPr/>
-        <p:txBody>
-          <a:bodyPr/>
-          <a:lstStyle/>
-          <a:p>
-            <a:r>
-              <a:rPr lang="en-US" dirty="0"/>
-              <a:t>Fibonacci</a:t>
-            </a:r>
-          </a:p>
-        </p:txBody>
-      </p:sp>
-      <p:graphicFrame>
-        <p:nvGraphicFramePr>
-          <p:cNvPr id="4" name="Content Placeholder 3"/>
-          <p:cNvGraphicFramePr>
-            <a:graphicFrameLocks noGrp="1"/>
-          </p:cNvGraphicFramePr>
-          <p:nvPr>
-            <p:ph idx="1"/>
-            <p:extLst>
-              <p:ext uri="{D42A27DB-BD31-4B8C-83A1-F6EECF244321}">
-                <p14:modId xmlns:p14="http://schemas.microsoft.com/office/powerpoint/2010/main" val="486932396"/>
-              </p:ext>
-            </p:extLst>
-          </p:nvPr>
-        </p:nvGraphicFramePr>
-        <p:xfrm>
-          <a:off x="457200" y="1600200"/>
-          <a:ext cx="8229600" cy="457200"/>
-        </p:xfrm>
-        <a:graphic>
-          <a:graphicData uri="http://schemas.openxmlformats.org/drawingml/2006/table">
-            <a:tbl>
-              <a:tblPr>
-                <a:tableStyleId>{2D5ABB26-0587-4C30-8999-92F81FD0307C}</a:tableStyleId>
-              </a:tblPr>
-              <a:tblGrid>
-                <a:gridCol w="1028700">
-                  <a:extLst>
-                    <a:ext uri="{9D8B030D-6E8A-4147-A177-3AD203B41FA5}">
-                      <a16:colId xmlns:a16="http://schemas.microsoft.com/office/drawing/2014/main" val="20000"/>
-                    </a:ext>
-                  </a:extLst>
-                </a:gridCol>
-                <a:gridCol w="1028700">
-                  <a:extLst>
-                    <a:ext uri="{9D8B030D-6E8A-4147-A177-3AD203B41FA5}">
-                      <a16:colId xmlns:a16="http://schemas.microsoft.com/office/drawing/2014/main" val="20001"/>
-                    </a:ext>
-                  </a:extLst>
-                </a:gridCol>
-                <a:gridCol w="1028700">
-                  <a:extLst>
-                    <a:ext uri="{9D8B030D-6E8A-4147-A177-3AD203B41FA5}">
-                      <a16:colId xmlns:a16="http://schemas.microsoft.com/office/drawing/2014/main" val="20002"/>
-                    </a:ext>
-                  </a:extLst>
-                </a:gridCol>
-                <a:gridCol w="1028700">
-                  <a:extLst>
-                    <a:ext uri="{9D8B030D-6E8A-4147-A177-3AD203B41FA5}">
-                      <a16:colId xmlns:a16="http://schemas.microsoft.com/office/drawing/2014/main" val="20003"/>
-                    </a:ext>
-                  </a:extLst>
-                </a:gridCol>
-                <a:gridCol w="1028700">
-                  <a:extLst>
-                    <a:ext uri="{9D8B030D-6E8A-4147-A177-3AD203B41FA5}">
-                      <a16:colId xmlns:a16="http://schemas.microsoft.com/office/drawing/2014/main" val="20004"/>
-                    </a:ext>
-                  </a:extLst>
-                </a:gridCol>
-                <a:gridCol w="1028700">
-                  <a:extLst>
-                    <a:ext uri="{9D8B030D-6E8A-4147-A177-3AD203B41FA5}">
-                      <a16:colId xmlns:a16="http://schemas.microsoft.com/office/drawing/2014/main" val="20005"/>
-                    </a:ext>
-                  </a:extLst>
-                </a:gridCol>
-                <a:gridCol w="1028700">
-                  <a:extLst>
-                    <a:ext uri="{9D8B030D-6E8A-4147-A177-3AD203B41FA5}">
-                      <a16:colId xmlns:a16="http://schemas.microsoft.com/office/drawing/2014/main" val="20006"/>
-                    </a:ext>
-                  </a:extLst>
-                </a:gridCol>
-                <a:gridCol w="1028700">
-                  <a:extLst>
-                    <a:ext uri="{9D8B030D-6E8A-4147-A177-3AD203B41FA5}">
-                      <a16:colId xmlns:a16="http://schemas.microsoft.com/office/drawing/2014/main" val="20007"/>
-                    </a:ext>
-                  </a:extLst>
-                </a:gridCol>
-              </a:tblGrid>
-              <a:tr h="370840">
-                <a:tc>
-                  <a:txBody>
-                    <a:bodyPr/>
-                    <a:lstStyle/>
-                    <a:p>
-                      <a:r>
-                        <a:rPr lang="en-US" sz="2400" dirty="0"/>
-                        <a:t>fibs</a:t>
-                      </a:r>
-                    </a:p>
-                  </a:txBody>
-                  <a:tcPr/>
-                </a:tc>
-                <a:tc>
-                  <a:txBody>
-                    <a:bodyPr/>
-                    <a:lstStyle/>
-                    <a:p>
-                      <a:r>
-                        <a:rPr lang="en-US" sz="2400" dirty="0"/>
-                        <a:t>1</a:t>
-                      </a:r>
-                    </a:p>
-                  </a:txBody>
-                  <a:tcPr/>
-                </a:tc>
-                <a:tc>
-                  <a:txBody>
-                    <a:bodyPr/>
-                    <a:lstStyle/>
-                    <a:p>
-                      <a:r>
-                        <a:rPr lang="en-US" sz="2400" dirty="0"/>
-                        <a:t>1</a:t>
-                      </a:r>
-                    </a:p>
-                  </a:txBody>
-                  <a:tcPr/>
-                </a:tc>
-                <a:tc>
-                  <a:txBody>
-                    <a:bodyPr/>
-                    <a:lstStyle/>
-                    <a:p>
-                      <a:r>
-                        <a:rPr lang="en-US" sz="2400" dirty="0"/>
-                        <a:t>2</a:t>
-                      </a:r>
-                    </a:p>
-                  </a:txBody>
-                  <a:tcPr/>
-                </a:tc>
-                <a:tc>
-                  <a:txBody>
-                    <a:bodyPr/>
-                    <a:lstStyle/>
-                    <a:p>
-                      <a:r>
-                        <a:rPr lang="en-US" sz="2400" dirty="0"/>
-                        <a:t>3</a:t>
-                      </a:r>
-                    </a:p>
-                  </a:txBody>
-                  <a:tcPr/>
-                </a:tc>
-                <a:tc>
-                  <a:txBody>
-                    <a:bodyPr/>
-                    <a:lstStyle/>
-                    <a:p>
-                      <a:r>
-                        <a:rPr lang="en-US" sz="2400" dirty="0"/>
-                        <a:t>5</a:t>
-                      </a:r>
-                    </a:p>
-                  </a:txBody>
-                  <a:tcPr/>
-                </a:tc>
-                <a:tc>
-                  <a:txBody>
-                    <a:bodyPr/>
-                    <a:lstStyle/>
-                    <a:p>
-                      <a:r>
-                        <a:rPr lang="en-US" sz="2400" dirty="0"/>
-                        <a:t>8</a:t>
-                      </a:r>
-                    </a:p>
-                  </a:txBody>
-                  <a:tcPr/>
-                </a:tc>
-                <a:tc>
-                  <a:txBody>
-                    <a:bodyPr/>
-                    <a:lstStyle/>
-                    <a:p>
-                      <a:r>
-                        <a:rPr lang="mr-IN" sz="2400" dirty="0"/>
-                        <a:t>…</a:t>
-                      </a:r>
-                      <a:endParaRPr lang="en-US" sz="2400" dirty="0"/>
-                    </a:p>
-                  </a:txBody>
-                  <a:tcPr/>
-                </a:tc>
-                <a:extLst>
-                  <a:ext uri="{0D108BD9-81ED-4DB2-BD59-A6C34878D82A}">
-                    <a16:rowId xmlns:a16="http://schemas.microsoft.com/office/drawing/2014/main" val="10000"/>
-                  </a:ext>
-                </a:extLst>
-              </a:tr>
-            </a:tbl>
-          </a:graphicData>
-        </a:graphic>
-      </p:graphicFrame>
-    </p:spTree>
-    <p:extLst>
-      <p:ext uri="{BB962C8B-B14F-4D97-AF65-F5344CB8AC3E}">
-        <p14:creationId xmlns:p14="http://schemas.microsoft.com/office/powerpoint/2010/main" val="1623514854"/>
-      </p:ext>
-    </p:extLst>
-  </p:cSld>
-  <p:clrMapOvr>
-    <a:masterClrMapping/>
-  </p:clrMapOvr>
-</p:sld>
-</file>
-
-<file path=ppt/slides/slide2.xml><?xml version="1.0" encoding="utf-8"?>
-<p:sld xmlns:a="http://schemas.openxmlformats.org/drawingml/2006/main" xmlns:r="http://schemas.openxmlformats.org/officeDocument/2006/relationships" xmlns:p="http://schemas.openxmlformats.org/presentationml/2006/main">
-  <p:cSld>
-    <p:spTree>
-      <p:nvGrpSpPr>
-        <p:cNvPr id="1" name=""/>
-        <p:cNvGrpSpPr/>
-        <p:nvPr/>
-      </p:nvGrpSpPr>
-      <p:grpSpPr>
-        <a:xfrm>
-          <a:off x="0" y="0"/>
-          <a:ext cx="0" cy="0"/>
-          <a:chOff x="0" y="0"/>
-          <a:chExt cx="0" cy="0"/>
-        </a:xfrm>
-      </p:grpSpPr>
-      <p:sp>
-        <p:nvSpPr>
-          <p:cNvPr id="4" name="Title 3">
-            <a:extLst>
-              <a:ext uri="{FF2B5EF4-FFF2-40B4-BE49-F238E27FC236}">
-                <a16:creationId xmlns:a16="http://schemas.microsoft.com/office/drawing/2014/main" id="{F94F2946-7F1E-FD49-9925-9DA057982564}"/>
-              </a:ext>
-            </a:extLst>
-          </p:cNvPr>
-          <p:cNvSpPr>
-            <a:spLocks noGrp="1"/>
-          </p:cNvSpPr>
-          <p:nvPr>
-            <p:ph type="title"/>
-          </p:nvPr>
-        </p:nvSpPr>
-        <p:spPr/>
-        <p:txBody>
-          <a:bodyPr/>
-          <a:lstStyle/>
-          <a:p>
-            <a:r>
-              <a:rPr lang="en-US" dirty="0"/>
-              <a:t>Clicker Question 1</a:t>
-            </a:r>
-          </a:p>
-        </p:txBody>
-      </p:sp>
-      <p:sp>
-        <p:nvSpPr>
-          <p:cNvPr id="5" name="Text Placeholder 4">
-            <a:extLst>
-              <a:ext uri="{FF2B5EF4-FFF2-40B4-BE49-F238E27FC236}">
-                <a16:creationId xmlns:a16="http://schemas.microsoft.com/office/drawing/2014/main" id="{82C21DF8-1B2A-5D40-9878-20662574163F}"/>
-              </a:ext>
-            </a:extLst>
-          </p:cNvPr>
-          <p:cNvSpPr>
-            <a:spLocks noGrp="1"/>
-          </p:cNvSpPr>
-          <p:nvPr>
-            <p:ph type="body" idx="1"/>
-          </p:nvPr>
-        </p:nvSpPr>
-        <p:spPr/>
-        <p:txBody>
-          <a:bodyPr/>
-          <a:lstStyle/>
-          <a:p>
-            <a:endParaRPr lang="en-US"/>
-          </a:p>
-        </p:txBody>
-      </p:sp>
-    </p:spTree>
-    <p:extLst>
-      <p:ext uri="{BB962C8B-B14F-4D97-AF65-F5344CB8AC3E}">
-        <p14:creationId xmlns:p14="http://schemas.microsoft.com/office/powerpoint/2010/main" val="2792050060"/>
-      </p:ext>
-    </p:extLst>
-  </p:cSld>
-  <p:clrMapOvr>
-    <a:masterClrMapping/>
-  </p:clrMapOvr>
-</p:sld>
-</file>
-
-<file path=ppt/slides/slide20.xml><?xml version="1.0" encoding="utf-8"?>
-<p:sld xmlns:a="http://schemas.openxmlformats.org/drawingml/2006/main" xmlns:r="http://schemas.openxmlformats.org/officeDocument/2006/relationships" xmlns:p="http://schemas.openxmlformats.org/presentationml/2006/main">
-  <p:cSld>
-    <p:spTree>
-      <p:nvGrpSpPr>
-        <p:cNvPr id="1" name=""/>
-        <p:cNvGrpSpPr/>
-        <p:nvPr/>
-      </p:nvGrpSpPr>
-      <p:grpSpPr>
-        <a:xfrm>
-          <a:off x="0" y="0"/>
-          <a:ext cx="0" cy="0"/>
-          <a:chOff x="0" y="0"/>
-          <a:chExt cx="0" cy="0"/>
-        </a:xfrm>
-      </p:grpSpPr>
-      <p:sp>
-        <p:nvSpPr>
-          <p:cNvPr id="2" name="Title 1"/>
-          <p:cNvSpPr>
-            <a:spLocks noGrp="1"/>
-          </p:cNvSpPr>
-          <p:nvPr>
-            <p:ph type="title"/>
-          </p:nvPr>
-        </p:nvSpPr>
-        <p:spPr/>
-        <p:txBody>
-          <a:bodyPr/>
-          <a:lstStyle/>
-          <a:p>
-            <a:r>
-              <a:rPr lang="en-US" dirty="0"/>
-              <a:t>Fibonacci</a:t>
-            </a:r>
-          </a:p>
-        </p:txBody>
-      </p:sp>
-      <p:graphicFrame>
-        <p:nvGraphicFramePr>
-          <p:cNvPr id="4" name="Content Placeholder 3"/>
-          <p:cNvGraphicFramePr>
-            <a:graphicFrameLocks noGrp="1"/>
-          </p:cNvGraphicFramePr>
-          <p:nvPr>
-            <p:ph idx="1"/>
-            <p:extLst>
-              <p:ext uri="{D42A27DB-BD31-4B8C-83A1-F6EECF244321}">
-                <p14:modId xmlns:p14="http://schemas.microsoft.com/office/powerpoint/2010/main" val="1282422738"/>
-              </p:ext>
-            </p:extLst>
-          </p:nvPr>
-        </p:nvGraphicFramePr>
-        <p:xfrm>
-          <a:off x="457200" y="1600200"/>
-          <a:ext cx="8229600" cy="914400"/>
-        </p:xfrm>
-        <a:graphic>
-          <a:graphicData uri="http://schemas.openxmlformats.org/drawingml/2006/table">
-            <a:tbl>
-              <a:tblPr>
-                <a:tableStyleId>{2D5ABB26-0587-4C30-8999-92F81FD0307C}</a:tableStyleId>
-              </a:tblPr>
-              <a:tblGrid>
-                <a:gridCol w="1028700">
-                  <a:extLst>
-                    <a:ext uri="{9D8B030D-6E8A-4147-A177-3AD203B41FA5}">
-                      <a16:colId xmlns:a16="http://schemas.microsoft.com/office/drawing/2014/main" val="20000"/>
-                    </a:ext>
-                  </a:extLst>
-                </a:gridCol>
-                <a:gridCol w="1028700">
-                  <a:extLst>
-                    <a:ext uri="{9D8B030D-6E8A-4147-A177-3AD203B41FA5}">
-                      <a16:colId xmlns:a16="http://schemas.microsoft.com/office/drawing/2014/main" val="20001"/>
-                    </a:ext>
-                  </a:extLst>
-                </a:gridCol>
-                <a:gridCol w="1028700">
-                  <a:extLst>
-                    <a:ext uri="{9D8B030D-6E8A-4147-A177-3AD203B41FA5}">
-                      <a16:colId xmlns:a16="http://schemas.microsoft.com/office/drawing/2014/main" val="20002"/>
-                    </a:ext>
-                  </a:extLst>
-                </a:gridCol>
-                <a:gridCol w="1028700">
-                  <a:extLst>
-                    <a:ext uri="{9D8B030D-6E8A-4147-A177-3AD203B41FA5}">
-                      <a16:colId xmlns:a16="http://schemas.microsoft.com/office/drawing/2014/main" val="20003"/>
-                    </a:ext>
-                  </a:extLst>
-                </a:gridCol>
-                <a:gridCol w="1028700">
-                  <a:extLst>
-                    <a:ext uri="{9D8B030D-6E8A-4147-A177-3AD203B41FA5}">
-                      <a16:colId xmlns:a16="http://schemas.microsoft.com/office/drawing/2014/main" val="20004"/>
-                    </a:ext>
-                  </a:extLst>
-                </a:gridCol>
-                <a:gridCol w="1028700">
-                  <a:extLst>
-                    <a:ext uri="{9D8B030D-6E8A-4147-A177-3AD203B41FA5}">
-                      <a16:colId xmlns:a16="http://schemas.microsoft.com/office/drawing/2014/main" val="20005"/>
-                    </a:ext>
-                  </a:extLst>
-                </a:gridCol>
-                <a:gridCol w="1028700">
-                  <a:extLst>
-                    <a:ext uri="{9D8B030D-6E8A-4147-A177-3AD203B41FA5}">
-                      <a16:colId xmlns:a16="http://schemas.microsoft.com/office/drawing/2014/main" val="20006"/>
-                    </a:ext>
-                  </a:extLst>
-                </a:gridCol>
-                <a:gridCol w="1028700">
-                  <a:extLst>
-                    <a:ext uri="{9D8B030D-6E8A-4147-A177-3AD203B41FA5}">
-                      <a16:colId xmlns:a16="http://schemas.microsoft.com/office/drawing/2014/main" val="20007"/>
-                    </a:ext>
-                  </a:extLst>
-                </a:gridCol>
-              </a:tblGrid>
-              <a:tr h="370840">
-                <a:tc>
-                  <a:txBody>
-                    <a:bodyPr/>
-                    <a:lstStyle/>
-                    <a:p>
-                      <a:r>
-                        <a:rPr lang="en-US" sz="2400" dirty="0"/>
-                        <a:t>fibs</a:t>
-                      </a:r>
-                    </a:p>
-                  </a:txBody>
-                  <a:tcPr/>
-                </a:tc>
-                <a:tc>
-                  <a:txBody>
-                    <a:bodyPr/>
-                    <a:lstStyle/>
-                    <a:p>
-                      <a:r>
-                        <a:rPr lang="en-US" sz="2400" dirty="0"/>
-                        <a:t>1</a:t>
-                      </a:r>
-                    </a:p>
-                  </a:txBody>
-                  <a:tcPr/>
-                </a:tc>
-                <a:tc>
-                  <a:txBody>
-                    <a:bodyPr/>
-                    <a:lstStyle/>
-                    <a:p>
-                      <a:r>
-                        <a:rPr lang="en-US" sz="2400" dirty="0"/>
-                        <a:t>1</a:t>
-                      </a:r>
-                    </a:p>
-                  </a:txBody>
-                  <a:tcPr/>
-                </a:tc>
-                <a:tc>
-                  <a:txBody>
-                    <a:bodyPr/>
-                    <a:lstStyle/>
-                    <a:p>
-                      <a:r>
-                        <a:rPr lang="en-US" sz="2400" dirty="0"/>
-                        <a:t>2</a:t>
-                      </a:r>
-                    </a:p>
-                  </a:txBody>
-                  <a:tcPr/>
-                </a:tc>
-                <a:tc>
-                  <a:txBody>
-                    <a:bodyPr/>
-                    <a:lstStyle/>
-                    <a:p>
-                      <a:r>
-                        <a:rPr lang="en-US" sz="2400" dirty="0"/>
-                        <a:t>3</a:t>
-                      </a:r>
-                    </a:p>
-                  </a:txBody>
-                  <a:tcPr/>
-                </a:tc>
-                <a:tc>
-                  <a:txBody>
-                    <a:bodyPr/>
-                    <a:lstStyle/>
-                    <a:p>
-                      <a:r>
-                        <a:rPr lang="en-US" sz="2400" dirty="0"/>
-                        <a:t>5</a:t>
-                      </a:r>
-                    </a:p>
-                  </a:txBody>
-                  <a:tcPr/>
-                </a:tc>
-                <a:tc>
-                  <a:txBody>
-                    <a:bodyPr/>
-                    <a:lstStyle/>
-                    <a:p>
-                      <a:r>
-                        <a:rPr lang="en-US" sz="2400" dirty="0"/>
-                        <a:t>8</a:t>
-                      </a:r>
-                    </a:p>
-                  </a:txBody>
-                  <a:tcPr/>
-                </a:tc>
-                <a:tc>
-                  <a:txBody>
-                    <a:bodyPr/>
-                    <a:lstStyle/>
-                    <a:p>
-                      <a:r>
-                        <a:rPr lang="mr-IN" sz="2400" dirty="0"/>
-                        <a:t>…</a:t>
-                      </a:r>
-                      <a:endParaRPr lang="en-US" sz="2400" dirty="0"/>
-                    </a:p>
-                  </a:txBody>
-                  <a:tcPr/>
-                </a:tc>
-                <a:extLst>
-                  <a:ext uri="{0D108BD9-81ED-4DB2-BD59-A6C34878D82A}">
-                    <a16:rowId xmlns:a16="http://schemas.microsoft.com/office/drawing/2014/main" val="10000"/>
-                  </a:ext>
-                </a:extLst>
-              </a:tr>
-              <a:tr h="370840">
-                <a:tc>
-                  <a:txBody>
-                    <a:bodyPr/>
-                    <a:lstStyle/>
-                    <a:p>
-                      <a:r>
-                        <a:rPr lang="en-US" sz="2400" dirty="0"/>
-                        <a:t>fibs</a:t>
-                      </a:r>
-                    </a:p>
-                  </a:txBody>
-                  <a:tcPr/>
-                </a:tc>
-                <a:tc>
-                  <a:txBody>
-                    <a:bodyPr/>
-                    <a:lstStyle/>
-                    <a:p>
-                      <a:r>
-                        <a:rPr lang="en-US" sz="2400" dirty="0"/>
-                        <a:t>1</a:t>
-                      </a:r>
-                    </a:p>
-                  </a:txBody>
-                  <a:tcPr/>
-                </a:tc>
-                <a:tc>
-                  <a:txBody>
-                    <a:bodyPr/>
-                    <a:lstStyle/>
-                    <a:p>
-                      <a:r>
-                        <a:rPr lang="en-US" sz="2400" dirty="0"/>
-                        <a:t>1</a:t>
-                      </a:r>
-                    </a:p>
-                  </a:txBody>
-                  <a:tcPr/>
-                </a:tc>
-                <a:tc>
-                  <a:txBody>
-                    <a:bodyPr/>
-                    <a:lstStyle/>
-                    <a:p>
-                      <a:r>
-                        <a:rPr lang="en-US" sz="2400" dirty="0"/>
-                        <a:t>2</a:t>
-                      </a:r>
-                    </a:p>
-                  </a:txBody>
-                  <a:tcPr/>
-                </a:tc>
-                <a:tc>
-                  <a:txBody>
-                    <a:bodyPr/>
-                    <a:lstStyle/>
-                    <a:p>
-                      <a:r>
-                        <a:rPr lang="en-US" sz="2400" dirty="0"/>
-                        <a:t>3</a:t>
-                      </a:r>
-                    </a:p>
-                  </a:txBody>
-                  <a:tcPr/>
-                </a:tc>
-                <a:tc>
-                  <a:txBody>
-                    <a:bodyPr/>
-                    <a:lstStyle/>
-                    <a:p>
-                      <a:r>
-                        <a:rPr lang="en-US" sz="2400" dirty="0"/>
-                        <a:t>5</a:t>
-                      </a:r>
-                    </a:p>
-                  </a:txBody>
-                  <a:tcPr/>
-                </a:tc>
-                <a:tc>
-                  <a:txBody>
-                    <a:bodyPr/>
-                    <a:lstStyle/>
-                    <a:p>
-                      <a:r>
-                        <a:rPr lang="en-US" sz="2400" dirty="0"/>
-                        <a:t>8</a:t>
-                      </a:r>
-                    </a:p>
-                  </a:txBody>
-                  <a:tcPr/>
-                </a:tc>
-                <a:tc>
-                  <a:txBody>
-                    <a:bodyPr/>
-                    <a:lstStyle/>
-                    <a:p>
-                      <a:r>
-                        <a:rPr lang="mr-IN" sz="2400" dirty="0"/>
-                        <a:t>…</a:t>
-                      </a:r>
-                      <a:endParaRPr lang="en-US" sz="2400" dirty="0"/>
-                    </a:p>
-                  </a:txBody>
-                  <a:tcPr/>
-                </a:tc>
-                <a:extLst>
-                  <a:ext uri="{0D108BD9-81ED-4DB2-BD59-A6C34878D82A}">
-                    <a16:rowId xmlns:a16="http://schemas.microsoft.com/office/drawing/2014/main" val="10001"/>
-                  </a:ext>
-                </a:extLst>
-              </a:tr>
-            </a:tbl>
-          </a:graphicData>
-        </a:graphic>
-      </p:graphicFrame>
-    </p:spTree>
-    <p:extLst>
-      <p:ext uri="{BB962C8B-B14F-4D97-AF65-F5344CB8AC3E}">
-        <p14:creationId xmlns:p14="http://schemas.microsoft.com/office/powerpoint/2010/main" val="2062805668"/>
-      </p:ext>
-    </p:extLst>
-  </p:cSld>
-  <p:clrMapOvr>
-    <a:masterClrMapping/>
-  </p:clrMapOvr>
-</p:sld>
-</file>
-
-<file path=ppt/slides/slide21.xml><?xml version="1.0" encoding="utf-8"?>
-<p:sld xmlns:a="http://schemas.openxmlformats.org/drawingml/2006/main" xmlns:r="http://schemas.openxmlformats.org/officeDocument/2006/relationships" xmlns:p="http://schemas.openxmlformats.org/presentationml/2006/main">
-  <p:cSld>
-    <p:spTree>
-      <p:nvGrpSpPr>
-        <p:cNvPr id="1" name=""/>
-        <p:cNvGrpSpPr/>
-        <p:nvPr/>
-      </p:nvGrpSpPr>
-      <p:grpSpPr>
-        <a:xfrm>
-          <a:off x="0" y="0"/>
-          <a:ext cx="0" cy="0"/>
-          <a:chOff x="0" y="0"/>
-          <a:chExt cx="0" cy="0"/>
-        </a:xfrm>
-      </p:grpSpPr>
-      <p:sp>
-        <p:nvSpPr>
-          <p:cNvPr id="2" name="Title 1"/>
-          <p:cNvSpPr>
-            <a:spLocks noGrp="1"/>
-          </p:cNvSpPr>
-          <p:nvPr>
-            <p:ph type="title"/>
-          </p:nvPr>
-        </p:nvSpPr>
-        <p:spPr/>
-        <p:txBody>
-          <a:bodyPr/>
-          <a:lstStyle/>
-          <a:p>
-            <a:r>
-              <a:rPr lang="en-US" dirty="0"/>
-              <a:t>Fibonacci</a:t>
-            </a:r>
-          </a:p>
-        </p:txBody>
-      </p:sp>
-      <p:graphicFrame>
-        <p:nvGraphicFramePr>
-          <p:cNvPr id="4" name="Content Placeholder 3"/>
-          <p:cNvGraphicFramePr>
-            <a:graphicFrameLocks noGrp="1"/>
-          </p:cNvGraphicFramePr>
-          <p:nvPr>
-            <p:ph idx="1"/>
-            <p:extLst>
-              <p:ext uri="{D42A27DB-BD31-4B8C-83A1-F6EECF244321}">
-                <p14:modId xmlns:p14="http://schemas.microsoft.com/office/powerpoint/2010/main" val="470459210"/>
-              </p:ext>
-            </p:extLst>
-          </p:nvPr>
-        </p:nvGraphicFramePr>
-        <p:xfrm>
-          <a:off x="457200" y="1600200"/>
-          <a:ext cx="8229600" cy="914400"/>
-        </p:xfrm>
-        <a:graphic>
-          <a:graphicData uri="http://schemas.openxmlformats.org/drawingml/2006/table">
-            <a:tbl>
-              <a:tblPr>
-                <a:tableStyleId>{2D5ABB26-0587-4C30-8999-92F81FD0307C}</a:tableStyleId>
-              </a:tblPr>
-              <a:tblGrid>
-                <a:gridCol w="1028700">
-                  <a:extLst>
-                    <a:ext uri="{9D8B030D-6E8A-4147-A177-3AD203B41FA5}">
-                      <a16:colId xmlns:a16="http://schemas.microsoft.com/office/drawing/2014/main" val="20000"/>
-                    </a:ext>
-                  </a:extLst>
-                </a:gridCol>
-                <a:gridCol w="1028700">
-                  <a:extLst>
-                    <a:ext uri="{9D8B030D-6E8A-4147-A177-3AD203B41FA5}">
-                      <a16:colId xmlns:a16="http://schemas.microsoft.com/office/drawing/2014/main" val="20001"/>
-                    </a:ext>
-                  </a:extLst>
-                </a:gridCol>
-                <a:gridCol w="1028700">
-                  <a:extLst>
-                    <a:ext uri="{9D8B030D-6E8A-4147-A177-3AD203B41FA5}">
-                      <a16:colId xmlns:a16="http://schemas.microsoft.com/office/drawing/2014/main" val="20002"/>
-                    </a:ext>
-                  </a:extLst>
-                </a:gridCol>
-                <a:gridCol w="1028700">
-                  <a:extLst>
-                    <a:ext uri="{9D8B030D-6E8A-4147-A177-3AD203B41FA5}">
-                      <a16:colId xmlns:a16="http://schemas.microsoft.com/office/drawing/2014/main" val="20003"/>
-                    </a:ext>
-                  </a:extLst>
-                </a:gridCol>
-                <a:gridCol w="1028700">
-                  <a:extLst>
-                    <a:ext uri="{9D8B030D-6E8A-4147-A177-3AD203B41FA5}">
-                      <a16:colId xmlns:a16="http://schemas.microsoft.com/office/drawing/2014/main" val="20004"/>
-                    </a:ext>
-                  </a:extLst>
-                </a:gridCol>
-                <a:gridCol w="1028700">
-                  <a:extLst>
-                    <a:ext uri="{9D8B030D-6E8A-4147-A177-3AD203B41FA5}">
-                      <a16:colId xmlns:a16="http://schemas.microsoft.com/office/drawing/2014/main" val="20005"/>
-                    </a:ext>
-                  </a:extLst>
-                </a:gridCol>
-                <a:gridCol w="1028700">
-                  <a:extLst>
-                    <a:ext uri="{9D8B030D-6E8A-4147-A177-3AD203B41FA5}">
-                      <a16:colId xmlns:a16="http://schemas.microsoft.com/office/drawing/2014/main" val="20006"/>
-                    </a:ext>
-                  </a:extLst>
-                </a:gridCol>
-                <a:gridCol w="1028700">
-                  <a:extLst>
-                    <a:ext uri="{9D8B030D-6E8A-4147-A177-3AD203B41FA5}">
-                      <a16:colId xmlns:a16="http://schemas.microsoft.com/office/drawing/2014/main" val="20007"/>
-                    </a:ext>
-                  </a:extLst>
-                </a:gridCol>
-              </a:tblGrid>
-              <a:tr h="370840">
-                <a:tc>
-                  <a:txBody>
-                    <a:bodyPr/>
-                    <a:lstStyle/>
-                    <a:p>
-                      <a:r>
-                        <a:rPr lang="en-US" sz="2400" dirty="0"/>
-                        <a:t>fibs</a:t>
-                      </a:r>
-                    </a:p>
-                  </a:txBody>
-                  <a:tcPr/>
-                </a:tc>
-                <a:tc>
-                  <a:txBody>
-                    <a:bodyPr/>
-                    <a:lstStyle/>
-                    <a:p>
-                      <a:r>
-                        <a:rPr lang="en-US" sz="2400" dirty="0"/>
-                        <a:t>1</a:t>
-                      </a:r>
-                    </a:p>
-                  </a:txBody>
-                  <a:tcPr/>
-                </a:tc>
-                <a:tc>
-                  <a:txBody>
-                    <a:bodyPr/>
-                    <a:lstStyle/>
-                    <a:p>
-                      <a:r>
-                        <a:rPr lang="en-US" sz="2400" dirty="0"/>
-                        <a:t>1</a:t>
-                      </a:r>
-                    </a:p>
-                  </a:txBody>
-                  <a:tcPr/>
-                </a:tc>
-                <a:tc>
-                  <a:txBody>
-                    <a:bodyPr/>
-                    <a:lstStyle/>
-                    <a:p>
-                      <a:r>
-                        <a:rPr lang="en-US" sz="2400" dirty="0"/>
-                        <a:t>2</a:t>
-                      </a:r>
-                    </a:p>
-                  </a:txBody>
-                  <a:tcPr/>
-                </a:tc>
-                <a:tc>
-                  <a:txBody>
-                    <a:bodyPr/>
-                    <a:lstStyle/>
-                    <a:p>
-                      <a:r>
-                        <a:rPr lang="en-US" sz="2400" dirty="0"/>
-                        <a:t>3</a:t>
-                      </a:r>
-                    </a:p>
-                  </a:txBody>
-                  <a:tcPr/>
-                </a:tc>
-                <a:tc>
-                  <a:txBody>
-                    <a:bodyPr/>
-                    <a:lstStyle/>
-                    <a:p>
-                      <a:r>
-                        <a:rPr lang="en-US" sz="2400" dirty="0"/>
-                        <a:t>5</a:t>
-                      </a:r>
-                    </a:p>
-                  </a:txBody>
-                  <a:tcPr/>
-                </a:tc>
-                <a:tc>
-                  <a:txBody>
-                    <a:bodyPr/>
-                    <a:lstStyle/>
-                    <a:p>
-                      <a:r>
-                        <a:rPr lang="en-US" sz="2400" dirty="0"/>
-                        <a:t>8</a:t>
-                      </a:r>
-                    </a:p>
-                  </a:txBody>
-                  <a:tcPr/>
-                </a:tc>
-                <a:tc>
-                  <a:txBody>
-                    <a:bodyPr/>
-                    <a:lstStyle/>
-                    <a:p>
-                      <a:r>
-                        <a:rPr lang="mr-IN" sz="2400" dirty="0"/>
-                        <a:t>…</a:t>
-                      </a:r>
-                      <a:endParaRPr lang="en-US" sz="2400" dirty="0"/>
-                    </a:p>
-                  </a:txBody>
-                  <a:tcPr/>
-                </a:tc>
-                <a:extLst>
-                  <a:ext uri="{0D108BD9-81ED-4DB2-BD59-A6C34878D82A}">
-                    <a16:rowId xmlns:a16="http://schemas.microsoft.com/office/drawing/2014/main" val="10000"/>
-                  </a:ext>
-                </a:extLst>
-              </a:tr>
-              <a:tr h="370840">
-                <a:tc>
-                  <a:txBody>
-                    <a:bodyPr/>
-                    <a:lstStyle/>
-                    <a:p>
-                      <a:r>
-                        <a:rPr lang="en-US" sz="2400" dirty="0" err="1"/>
-                        <a:t>tl</a:t>
-                      </a:r>
-                      <a:r>
-                        <a:rPr lang="en-US" sz="2400" dirty="0"/>
-                        <a:t> fibs</a:t>
-                      </a:r>
-                    </a:p>
-                  </a:txBody>
-                  <a:tcPr/>
-                </a:tc>
-                <a:tc>
-                  <a:txBody>
-                    <a:bodyPr/>
-                    <a:lstStyle/>
-                    <a:p>
-                      <a:r>
-                        <a:rPr lang="en-US" sz="2400" dirty="0"/>
-                        <a:t>1</a:t>
-                      </a:r>
-                    </a:p>
-                  </a:txBody>
-                  <a:tcPr/>
-                </a:tc>
-                <a:tc>
-                  <a:txBody>
-                    <a:bodyPr/>
-                    <a:lstStyle/>
-                    <a:p>
-                      <a:r>
-                        <a:rPr lang="en-US" sz="2400" dirty="0"/>
-                        <a:t>2</a:t>
-                      </a:r>
-                    </a:p>
-                  </a:txBody>
-                  <a:tcPr/>
-                </a:tc>
-                <a:tc>
-                  <a:txBody>
-                    <a:bodyPr/>
-                    <a:lstStyle/>
-                    <a:p>
-                      <a:r>
-                        <a:rPr lang="en-US" sz="2400" dirty="0"/>
-                        <a:t>3</a:t>
-                      </a:r>
-                    </a:p>
-                  </a:txBody>
-                  <a:tcPr/>
-                </a:tc>
-                <a:tc>
-                  <a:txBody>
-                    <a:bodyPr/>
-                    <a:lstStyle/>
-                    <a:p>
-                      <a:r>
-                        <a:rPr lang="en-US" sz="2400" dirty="0"/>
-                        <a:t>5</a:t>
-                      </a:r>
-                    </a:p>
-                  </a:txBody>
-                  <a:tcPr/>
-                </a:tc>
-                <a:tc>
-                  <a:txBody>
-                    <a:bodyPr/>
-                    <a:lstStyle/>
-                    <a:p>
-                      <a:r>
-                        <a:rPr lang="en-US" sz="2400" dirty="0"/>
-                        <a:t>8</a:t>
-                      </a:r>
-                    </a:p>
-                  </a:txBody>
-                  <a:tcPr/>
-                </a:tc>
-                <a:tc>
-                  <a:txBody>
-                    <a:bodyPr/>
-                    <a:lstStyle/>
-                    <a:p>
-                      <a:r>
-                        <a:rPr lang="en-US" sz="2400" dirty="0"/>
-                        <a:t>13</a:t>
-                      </a:r>
-                    </a:p>
-                  </a:txBody>
-                  <a:tcPr/>
-                </a:tc>
-                <a:tc>
-                  <a:txBody>
-                    <a:bodyPr/>
-                    <a:lstStyle/>
-                    <a:p>
-                      <a:r>
-                        <a:rPr lang="mr-IN" sz="2400" dirty="0"/>
-                        <a:t>…</a:t>
-                      </a:r>
-                      <a:endParaRPr lang="en-US" sz="2400" dirty="0"/>
-                    </a:p>
-                  </a:txBody>
-                  <a:tcPr/>
-                </a:tc>
-                <a:extLst>
-                  <a:ext uri="{0D108BD9-81ED-4DB2-BD59-A6C34878D82A}">
-                    <a16:rowId xmlns:a16="http://schemas.microsoft.com/office/drawing/2014/main" val="10001"/>
-                  </a:ext>
-                </a:extLst>
-              </a:tr>
-            </a:tbl>
-          </a:graphicData>
-        </a:graphic>
-      </p:graphicFrame>
-    </p:spTree>
-    <p:extLst>
-      <p:ext uri="{BB962C8B-B14F-4D97-AF65-F5344CB8AC3E}">
-        <p14:creationId xmlns:p14="http://schemas.microsoft.com/office/powerpoint/2010/main" val="1533076274"/>
-      </p:ext>
-    </p:extLst>
-  </p:cSld>
-  <p:clrMapOvr>
-    <a:masterClrMapping/>
-  </p:clrMapOvr>
-</p:sld>
-</file>
-
-<file path=ppt/slides/slide22.xml><?xml version="1.0" encoding="utf-8"?>
-<p:sld xmlns:a="http://schemas.openxmlformats.org/drawingml/2006/main" xmlns:r="http://schemas.openxmlformats.org/officeDocument/2006/relationships" xmlns:p="http://schemas.openxmlformats.org/presentationml/2006/main">
-  <p:cSld>
-    <p:spTree>
-      <p:nvGrpSpPr>
-        <p:cNvPr id="1" name=""/>
-        <p:cNvGrpSpPr/>
-        <p:nvPr/>
-      </p:nvGrpSpPr>
-      <p:grpSpPr>
-        <a:xfrm>
-          <a:off x="0" y="0"/>
-          <a:ext cx="0" cy="0"/>
-          <a:chOff x="0" y="0"/>
-          <a:chExt cx="0" cy="0"/>
-        </a:xfrm>
-      </p:grpSpPr>
-      <p:sp>
-        <p:nvSpPr>
-          <p:cNvPr id="2" name="Title 1"/>
-          <p:cNvSpPr>
-            <a:spLocks noGrp="1"/>
-          </p:cNvSpPr>
-          <p:nvPr>
-            <p:ph type="title"/>
-          </p:nvPr>
-        </p:nvSpPr>
-        <p:spPr/>
-        <p:txBody>
-          <a:bodyPr/>
-          <a:lstStyle/>
-          <a:p>
-            <a:r>
-              <a:rPr lang="en-US" dirty="0"/>
-              <a:t>Fibonacci</a:t>
-            </a:r>
-          </a:p>
-        </p:txBody>
-      </p:sp>
-      <p:graphicFrame>
-        <p:nvGraphicFramePr>
-          <p:cNvPr id="4" name="Content Placeholder 3"/>
-          <p:cNvGraphicFramePr>
-            <a:graphicFrameLocks noGrp="1"/>
-          </p:cNvGraphicFramePr>
-          <p:nvPr>
-            <p:ph idx="1"/>
-            <p:extLst>
-              <p:ext uri="{D42A27DB-BD31-4B8C-83A1-F6EECF244321}">
-                <p14:modId xmlns:p14="http://schemas.microsoft.com/office/powerpoint/2010/main" val="1123143735"/>
-              </p:ext>
-            </p:extLst>
-          </p:nvPr>
-        </p:nvGraphicFramePr>
-        <p:xfrm>
-          <a:off x="457200" y="1600200"/>
-          <a:ext cx="8229600" cy="1371600"/>
-        </p:xfrm>
-        <a:graphic>
-          <a:graphicData uri="http://schemas.openxmlformats.org/drawingml/2006/table">
-            <a:tbl>
-              <a:tblPr>
-                <a:tableStyleId>{2D5ABB26-0587-4C30-8999-92F81FD0307C}</a:tableStyleId>
-              </a:tblPr>
-              <a:tblGrid>
-                <a:gridCol w="1028700">
-                  <a:extLst>
-                    <a:ext uri="{9D8B030D-6E8A-4147-A177-3AD203B41FA5}">
-                      <a16:colId xmlns:a16="http://schemas.microsoft.com/office/drawing/2014/main" val="20000"/>
-                    </a:ext>
-                  </a:extLst>
-                </a:gridCol>
-                <a:gridCol w="1028700">
-                  <a:extLst>
-                    <a:ext uri="{9D8B030D-6E8A-4147-A177-3AD203B41FA5}">
-                      <a16:colId xmlns:a16="http://schemas.microsoft.com/office/drawing/2014/main" val="20001"/>
-                    </a:ext>
-                  </a:extLst>
-                </a:gridCol>
-                <a:gridCol w="1028700">
-                  <a:extLst>
-                    <a:ext uri="{9D8B030D-6E8A-4147-A177-3AD203B41FA5}">
-                      <a16:colId xmlns:a16="http://schemas.microsoft.com/office/drawing/2014/main" val="20002"/>
-                    </a:ext>
-                  </a:extLst>
-                </a:gridCol>
-                <a:gridCol w="1028700">
-                  <a:extLst>
-                    <a:ext uri="{9D8B030D-6E8A-4147-A177-3AD203B41FA5}">
-                      <a16:colId xmlns:a16="http://schemas.microsoft.com/office/drawing/2014/main" val="20003"/>
-                    </a:ext>
-                  </a:extLst>
-                </a:gridCol>
-                <a:gridCol w="1028700">
-                  <a:extLst>
-                    <a:ext uri="{9D8B030D-6E8A-4147-A177-3AD203B41FA5}">
-                      <a16:colId xmlns:a16="http://schemas.microsoft.com/office/drawing/2014/main" val="20004"/>
-                    </a:ext>
-                  </a:extLst>
-                </a:gridCol>
-                <a:gridCol w="1028700">
-                  <a:extLst>
-                    <a:ext uri="{9D8B030D-6E8A-4147-A177-3AD203B41FA5}">
-                      <a16:colId xmlns:a16="http://schemas.microsoft.com/office/drawing/2014/main" val="20005"/>
-                    </a:ext>
-                  </a:extLst>
-                </a:gridCol>
-                <a:gridCol w="1028700">
-                  <a:extLst>
-                    <a:ext uri="{9D8B030D-6E8A-4147-A177-3AD203B41FA5}">
-                      <a16:colId xmlns:a16="http://schemas.microsoft.com/office/drawing/2014/main" val="20006"/>
-                    </a:ext>
-                  </a:extLst>
-                </a:gridCol>
-                <a:gridCol w="1028700">
-                  <a:extLst>
-                    <a:ext uri="{9D8B030D-6E8A-4147-A177-3AD203B41FA5}">
-                      <a16:colId xmlns:a16="http://schemas.microsoft.com/office/drawing/2014/main" val="20007"/>
-                    </a:ext>
-                  </a:extLst>
-                </a:gridCol>
-              </a:tblGrid>
-              <a:tr h="370840">
-                <a:tc>
-                  <a:txBody>
-                    <a:bodyPr/>
-                    <a:lstStyle/>
-                    <a:p>
-                      <a:r>
-                        <a:rPr lang="en-US" sz="2400" dirty="0"/>
-                        <a:t>fibs</a:t>
-                      </a:r>
-                    </a:p>
-                  </a:txBody>
-                  <a:tcPr/>
-                </a:tc>
-                <a:tc>
-                  <a:txBody>
-                    <a:bodyPr/>
-                    <a:lstStyle/>
-                    <a:p>
-                      <a:r>
-                        <a:rPr lang="en-US" sz="2400" dirty="0"/>
-                        <a:t>1</a:t>
-                      </a:r>
-                    </a:p>
-                  </a:txBody>
-                  <a:tcPr/>
-                </a:tc>
-                <a:tc>
-                  <a:txBody>
-                    <a:bodyPr/>
-                    <a:lstStyle/>
-                    <a:p>
-                      <a:r>
-                        <a:rPr lang="en-US" sz="2400" dirty="0"/>
-                        <a:t>1</a:t>
-                      </a:r>
-                    </a:p>
-                  </a:txBody>
-                  <a:tcPr/>
-                </a:tc>
-                <a:tc>
-                  <a:txBody>
-                    <a:bodyPr/>
-                    <a:lstStyle/>
-                    <a:p>
-                      <a:r>
-                        <a:rPr lang="en-US" sz="2400" dirty="0"/>
-                        <a:t>2</a:t>
-                      </a:r>
-                    </a:p>
-                  </a:txBody>
-                  <a:tcPr/>
-                </a:tc>
-                <a:tc>
-                  <a:txBody>
-                    <a:bodyPr/>
-                    <a:lstStyle/>
-                    <a:p>
-                      <a:r>
-                        <a:rPr lang="en-US" sz="2400" dirty="0"/>
-                        <a:t>3</a:t>
-                      </a:r>
-                    </a:p>
-                  </a:txBody>
-                  <a:tcPr/>
-                </a:tc>
-                <a:tc>
-                  <a:txBody>
-                    <a:bodyPr/>
-                    <a:lstStyle/>
-                    <a:p>
-                      <a:r>
-                        <a:rPr lang="en-US" sz="2400" dirty="0"/>
-                        <a:t>5</a:t>
-                      </a:r>
-                    </a:p>
-                  </a:txBody>
-                  <a:tcPr/>
-                </a:tc>
-                <a:tc>
-                  <a:txBody>
-                    <a:bodyPr/>
-                    <a:lstStyle/>
-                    <a:p>
-                      <a:r>
-                        <a:rPr lang="en-US" sz="2400" dirty="0"/>
-                        <a:t>8</a:t>
-                      </a:r>
-                    </a:p>
-                  </a:txBody>
-                  <a:tcPr/>
-                </a:tc>
-                <a:tc>
-                  <a:txBody>
-                    <a:bodyPr/>
-                    <a:lstStyle/>
-                    <a:p>
-                      <a:r>
-                        <a:rPr lang="mr-IN" sz="2400" dirty="0"/>
-                        <a:t>…</a:t>
-                      </a:r>
-                      <a:endParaRPr lang="en-US" sz="2400" dirty="0"/>
-                    </a:p>
-                  </a:txBody>
-                  <a:tcPr/>
-                </a:tc>
-                <a:extLst>
-                  <a:ext uri="{0D108BD9-81ED-4DB2-BD59-A6C34878D82A}">
-                    <a16:rowId xmlns:a16="http://schemas.microsoft.com/office/drawing/2014/main" val="10000"/>
-                  </a:ext>
-                </a:extLst>
-              </a:tr>
-              <a:tr h="370840">
-                <a:tc>
-                  <a:txBody>
-                    <a:bodyPr/>
-                    <a:lstStyle/>
-                    <a:p>
-                      <a:r>
-                        <a:rPr lang="en-US" sz="2400" dirty="0" err="1"/>
-                        <a:t>tl</a:t>
-                      </a:r>
-                      <a:r>
-                        <a:rPr lang="en-US" sz="2400" dirty="0"/>
-                        <a:t> fibs</a:t>
-                      </a:r>
-                    </a:p>
-                  </a:txBody>
-                  <a:tcPr>
-                    <a:lnB w="12700" cap="flat" cmpd="sng" algn="ctr">
-                      <a:solidFill>
-                        <a:schemeClr val="tx1"/>
-                      </a:solidFill>
-                      <a:prstDash val="solid"/>
-                      <a:round/>
-                      <a:headEnd type="none" w="med" len="med"/>
-                      <a:tailEnd type="none" w="med" len="med"/>
-                    </a:lnB>
-                  </a:tcPr>
-                </a:tc>
-                <a:tc>
-                  <a:txBody>
-                    <a:bodyPr/>
-                    <a:lstStyle/>
-                    <a:p>
-                      <a:r>
-                        <a:rPr lang="en-US" sz="2400" dirty="0"/>
-                        <a:t>1</a:t>
-                      </a:r>
-                    </a:p>
-                  </a:txBody>
-                  <a:tcPr>
-                    <a:lnB w="12700" cap="flat" cmpd="sng" algn="ctr">
-                      <a:solidFill>
-                        <a:schemeClr val="tx1"/>
-                      </a:solidFill>
-                      <a:prstDash val="solid"/>
-                      <a:round/>
-                      <a:headEnd type="none" w="med" len="med"/>
-                      <a:tailEnd type="none" w="med" len="med"/>
-                    </a:lnB>
-                  </a:tcPr>
-                </a:tc>
-                <a:tc>
-                  <a:txBody>
-                    <a:bodyPr/>
-                    <a:lstStyle/>
-                    <a:p>
-                      <a:r>
-                        <a:rPr lang="en-US" sz="2400" dirty="0"/>
-                        <a:t>2</a:t>
-                      </a:r>
-                    </a:p>
-                  </a:txBody>
-                  <a:tcPr>
-                    <a:lnB w="12700" cap="flat" cmpd="sng" algn="ctr">
-                      <a:solidFill>
-                        <a:schemeClr val="tx1"/>
-                      </a:solidFill>
-                      <a:prstDash val="solid"/>
-                      <a:round/>
-                      <a:headEnd type="none" w="med" len="med"/>
-                      <a:tailEnd type="none" w="med" len="med"/>
-                    </a:lnB>
-                  </a:tcPr>
-                </a:tc>
-                <a:tc>
-                  <a:txBody>
-                    <a:bodyPr/>
-                    <a:lstStyle/>
-                    <a:p>
-                      <a:r>
-                        <a:rPr lang="en-US" sz="2400" dirty="0"/>
-                        <a:t>3</a:t>
-                      </a:r>
-                    </a:p>
-                  </a:txBody>
-                  <a:tcPr>
-                    <a:lnB w="12700" cap="flat" cmpd="sng" algn="ctr">
-                      <a:solidFill>
-                        <a:schemeClr val="tx1"/>
-                      </a:solidFill>
-                      <a:prstDash val="solid"/>
-                      <a:round/>
-                      <a:headEnd type="none" w="med" len="med"/>
-                      <a:tailEnd type="none" w="med" len="med"/>
-                    </a:lnB>
-                  </a:tcPr>
-                </a:tc>
-                <a:tc>
-                  <a:txBody>
-                    <a:bodyPr/>
-                    <a:lstStyle/>
-                    <a:p>
-                      <a:r>
-                        <a:rPr lang="en-US" sz="2400" dirty="0"/>
-                        <a:t>5</a:t>
-                      </a:r>
-                    </a:p>
-                  </a:txBody>
-                  <a:tcPr>
-                    <a:lnB w="12700" cap="flat" cmpd="sng" algn="ctr">
-                      <a:solidFill>
-                        <a:schemeClr val="tx1"/>
-                      </a:solidFill>
-                      <a:prstDash val="solid"/>
-                      <a:round/>
-                      <a:headEnd type="none" w="med" len="med"/>
-                      <a:tailEnd type="none" w="med" len="med"/>
-                    </a:lnB>
-                  </a:tcPr>
-                </a:tc>
-                <a:tc>
-                  <a:txBody>
-                    <a:bodyPr/>
-                    <a:lstStyle/>
-                    <a:p>
-                      <a:r>
-                        <a:rPr lang="en-US" sz="2400" dirty="0"/>
-                        <a:t>8</a:t>
-                      </a:r>
-                    </a:p>
-                  </a:txBody>
-                  <a:tcPr>
-                    <a:lnB w="12700" cap="flat" cmpd="sng" algn="ctr">
-                      <a:solidFill>
-                        <a:schemeClr val="tx1"/>
-                      </a:solidFill>
-                      <a:prstDash val="solid"/>
-                      <a:round/>
-                      <a:headEnd type="none" w="med" len="med"/>
-                      <a:tailEnd type="none" w="med" len="med"/>
-                    </a:lnB>
-                  </a:tcPr>
-                </a:tc>
-                <a:tc>
-                  <a:txBody>
-                    <a:bodyPr/>
-                    <a:lstStyle/>
-                    <a:p>
-                      <a:r>
-                        <a:rPr lang="en-US" sz="2400" dirty="0"/>
-                        <a:t>13</a:t>
-                      </a:r>
-                    </a:p>
-                  </a:txBody>
-                  <a:tcPr>
-                    <a:lnB w="12700" cap="flat" cmpd="sng" algn="ctr">
-                      <a:solidFill>
-                        <a:schemeClr val="tx1"/>
-                      </a:solidFill>
-                      <a:prstDash val="solid"/>
-                      <a:round/>
-                      <a:headEnd type="none" w="med" len="med"/>
-                      <a:tailEnd type="none" w="med" len="med"/>
-                    </a:lnB>
-                  </a:tcPr>
-                </a:tc>
-                <a:tc>
-                  <a:txBody>
-                    <a:bodyPr/>
-                    <a:lstStyle/>
-                    <a:p>
-                      <a:r>
-                        <a:rPr lang="mr-IN" sz="2400" dirty="0"/>
-                        <a:t>…</a:t>
-                      </a:r>
-                      <a:endParaRPr lang="en-US" sz="2400" dirty="0"/>
-                    </a:p>
-                  </a:txBody>
-                  <a:tcPr>
-                    <a:lnB w="12700" cap="flat" cmpd="sng" algn="ctr">
-                      <a:solidFill>
-                        <a:schemeClr val="tx1"/>
-                      </a:solidFill>
-                      <a:prstDash val="solid"/>
-                      <a:round/>
-                      <a:headEnd type="none" w="med" len="med"/>
-                      <a:tailEnd type="none" w="med" len="med"/>
-                    </a:lnB>
-                  </a:tcPr>
-                </a:tc>
-                <a:extLst>
-                  <a:ext uri="{0D108BD9-81ED-4DB2-BD59-A6C34878D82A}">
-                    <a16:rowId xmlns:a16="http://schemas.microsoft.com/office/drawing/2014/main" val="10001"/>
-                  </a:ext>
-                </a:extLst>
-              </a:tr>
-              <a:tr h="370840">
-                <a:tc>
-                  <a:txBody>
-                    <a:bodyPr/>
-                    <a:lstStyle/>
-                    <a:p>
-                      <a:endParaRPr lang="en-US" sz="2400" dirty="0"/>
-                    </a:p>
-                  </a:txBody>
-                  <a:tcPr>
-                    <a:lnT w="12700" cap="flat" cmpd="sng" algn="ctr">
-                      <a:solidFill>
-                        <a:schemeClr val="tx1"/>
-                      </a:solidFill>
-                      <a:prstDash val="solid"/>
-                      <a:round/>
-                      <a:headEnd type="none" w="med" len="med"/>
-                      <a:tailEnd type="none" w="med" len="med"/>
-                    </a:lnT>
-                  </a:tcPr>
-                </a:tc>
-                <a:tc>
-                  <a:txBody>
-                    <a:bodyPr/>
-                    <a:lstStyle/>
-                    <a:p>
-                      <a:r>
-                        <a:rPr lang="en-US" sz="2400" dirty="0"/>
-                        <a:t>2</a:t>
-                      </a:r>
-                    </a:p>
-                  </a:txBody>
-                  <a:tcPr>
-                    <a:lnT w="12700" cap="flat" cmpd="sng" algn="ctr">
-                      <a:solidFill>
-                        <a:schemeClr val="tx1"/>
-                      </a:solidFill>
-                      <a:prstDash val="solid"/>
-                      <a:round/>
-                      <a:headEnd type="none" w="med" len="med"/>
-                      <a:tailEnd type="none" w="med" len="med"/>
-                    </a:lnT>
-                  </a:tcPr>
-                </a:tc>
-                <a:tc>
-                  <a:txBody>
-                    <a:bodyPr/>
-                    <a:lstStyle/>
-                    <a:p>
-                      <a:r>
-                        <a:rPr lang="en-US" sz="2400" dirty="0"/>
-                        <a:t>3</a:t>
-                      </a:r>
-                    </a:p>
-                  </a:txBody>
-                  <a:tcPr>
-                    <a:lnT w="12700" cap="flat" cmpd="sng" algn="ctr">
-                      <a:solidFill>
-                        <a:schemeClr val="tx1"/>
-                      </a:solidFill>
-                      <a:prstDash val="solid"/>
-                      <a:round/>
-                      <a:headEnd type="none" w="med" len="med"/>
-                      <a:tailEnd type="none" w="med" len="med"/>
-                    </a:lnT>
-                  </a:tcPr>
-                </a:tc>
-                <a:tc>
-                  <a:txBody>
-                    <a:bodyPr/>
-                    <a:lstStyle/>
-                    <a:p>
-                      <a:r>
-                        <a:rPr lang="en-US" sz="2400" dirty="0"/>
-                        <a:t>5</a:t>
-                      </a:r>
-                    </a:p>
-                  </a:txBody>
-                  <a:tcPr>
-                    <a:lnT w="12700" cap="flat" cmpd="sng" algn="ctr">
-                      <a:solidFill>
-                        <a:schemeClr val="tx1"/>
-                      </a:solidFill>
-                      <a:prstDash val="solid"/>
-                      <a:round/>
-                      <a:headEnd type="none" w="med" len="med"/>
-                      <a:tailEnd type="none" w="med" len="med"/>
-                    </a:lnT>
-                  </a:tcPr>
-                </a:tc>
-                <a:tc>
-                  <a:txBody>
-                    <a:bodyPr/>
-                    <a:lstStyle/>
-                    <a:p>
-                      <a:r>
-                        <a:rPr lang="en-US" sz="2400" dirty="0"/>
-                        <a:t>8</a:t>
-                      </a:r>
-                    </a:p>
-                  </a:txBody>
-                  <a:tcPr>
-                    <a:lnT w="12700" cap="flat" cmpd="sng" algn="ctr">
-                      <a:solidFill>
-                        <a:schemeClr val="tx1"/>
-                      </a:solidFill>
-                      <a:prstDash val="solid"/>
-                      <a:round/>
-                      <a:headEnd type="none" w="med" len="med"/>
-                      <a:tailEnd type="none" w="med" len="med"/>
-                    </a:lnT>
-                  </a:tcPr>
-                </a:tc>
-                <a:tc>
-                  <a:txBody>
-                    <a:bodyPr/>
-                    <a:lstStyle/>
-                    <a:p>
-                      <a:r>
-                        <a:rPr lang="en-US" sz="2400" dirty="0"/>
-                        <a:t>13</a:t>
-                      </a:r>
-                    </a:p>
-                  </a:txBody>
-                  <a:tcPr>
-                    <a:lnT w="12700" cap="flat" cmpd="sng" algn="ctr">
-                      <a:solidFill>
-                        <a:schemeClr val="tx1"/>
-                      </a:solidFill>
-                      <a:prstDash val="solid"/>
-                      <a:round/>
-                      <a:headEnd type="none" w="med" len="med"/>
-                      <a:tailEnd type="none" w="med" len="med"/>
-                    </a:lnT>
-                  </a:tcPr>
-                </a:tc>
-                <a:tc>
-                  <a:txBody>
-                    <a:bodyPr/>
-                    <a:lstStyle/>
-                    <a:p>
-                      <a:r>
-                        <a:rPr lang="en-US" sz="2400" dirty="0"/>
-                        <a:t>21</a:t>
-                      </a:r>
-                    </a:p>
-                  </a:txBody>
-                  <a:tcPr>
-                    <a:lnT w="12700" cap="flat" cmpd="sng" algn="ctr">
-                      <a:solidFill>
-                        <a:schemeClr val="tx1"/>
-                      </a:solidFill>
-                      <a:prstDash val="solid"/>
-                      <a:round/>
-                      <a:headEnd type="none" w="med" len="med"/>
-                      <a:tailEnd type="none" w="med" len="med"/>
-                    </a:lnT>
-                  </a:tcPr>
-                </a:tc>
-                <a:tc>
-                  <a:txBody>
-                    <a:bodyPr/>
-                    <a:lstStyle/>
-                    <a:p>
-                      <a:r>
-                        <a:rPr lang="mr-IN" sz="2400" dirty="0"/>
-                        <a:t>…</a:t>
-                      </a:r>
-                      <a:endParaRPr lang="en-US" sz="2400" dirty="0"/>
-                    </a:p>
-                  </a:txBody>
-                  <a:tcPr>
-                    <a:lnT w="12700" cap="flat" cmpd="sng" algn="ctr">
-                      <a:solidFill>
-                        <a:schemeClr val="tx1"/>
-                      </a:solidFill>
-                      <a:prstDash val="solid"/>
-                      <a:round/>
-                      <a:headEnd type="none" w="med" len="med"/>
-                      <a:tailEnd type="none" w="med" len="med"/>
-                    </a:lnT>
-                  </a:tcPr>
-                </a:tc>
-                <a:extLst>
-                  <a:ext uri="{0D108BD9-81ED-4DB2-BD59-A6C34878D82A}">
-                    <a16:rowId xmlns:a16="http://schemas.microsoft.com/office/drawing/2014/main" val="10002"/>
-                  </a:ext>
-                </a:extLst>
-              </a:tr>
-            </a:tbl>
-          </a:graphicData>
-        </a:graphic>
-      </p:graphicFrame>
-      <p:sp>
-        <p:nvSpPr>
-          <p:cNvPr id="3" name="TextBox 2"/>
-          <p:cNvSpPr txBox="1"/>
-          <p:nvPr/>
-        </p:nvSpPr>
-        <p:spPr>
-          <a:xfrm>
-            <a:off x="2461486" y="3986213"/>
-            <a:ext cx="2529860" cy="2308324"/>
-          </a:xfrm>
-          <a:prstGeom prst="rect">
-            <a:avLst/>
-          </a:prstGeom>
-          <a:noFill/>
-        </p:spPr>
-        <p:txBody>
-          <a:bodyPr wrap="none" rtlCol="0">
-            <a:spAutoFit/>
-          </a:bodyPr>
-          <a:lstStyle/>
-          <a:p>
-            <a:r>
-              <a:rPr lang="en-US" sz="3600" dirty="0">
-                <a:latin typeface="CronosPro-Regular"/>
-                <a:cs typeface="CronosPro-Regular"/>
-              </a:rPr>
-              <a:t>fibs is </a:t>
-            </a:r>
-          </a:p>
-          <a:p>
-            <a:r>
-              <a:rPr lang="en-US" sz="3600" dirty="0">
-                <a:latin typeface="CronosPro-Regular"/>
-                <a:cs typeface="CronosPro-Regular"/>
-              </a:rPr>
-              <a:t>1 then</a:t>
-            </a:r>
-          </a:p>
-          <a:p>
-            <a:r>
-              <a:rPr lang="en-US" sz="3600" dirty="0">
-                <a:latin typeface="CronosPro-Regular"/>
-                <a:cs typeface="CronosPro-Regular"/>
-              </a:rPr>
-              <a:t>1 then</a:t>
-            </a:r>
-          </a:p>
-          <a:p>
-            <a:r>
-              <a:rPr lang="en-US" sz="3600" dirty="0">
-                <a:latin typeface="CronosPro-Regular"/>
-                <a:cs typeface="CronosPro-Regular"/>
-              </a:rPr>
-              <a:t>(fibs + </a:t>
-            </a:r>
-            <a:r>
-              <a:rPr lang="en-US" sz="3600" dirty="0" err="1">
-                <a:latin typeface="CronosPro-Regular"/>
-                <a:cs typeface="CronosPro-Regular"/>
-              </a:rPr>
-              <a:t>tl</a:t>
-            </a:r>
-            <a:r>
-              <a:rPr lang="en-US" sz="3600" dirty="0">
-                <a:latin typeface="CronosPro-Regular"/>
-                <a:cs typeface="CronosPro-Regular"/>
-              </a:rPr>
-              <a:t> fibs)</a:t>
-            </a:r>
-          </a:p>
-        </p:txBody>
-      </p:sp>
-    </p:spTree>
-    <p:extLst>
-      <p:ext uri="{BB962C8B-B14F-4D97-AF65-F5344CB8AC3E}">
-        <p14:creationId xmlns:p14="http://schemas.microsoft.com/office/powerpoint/2010/main" val="2120637863"/>
-      </p:ext>
-    </p:extLst>
-  </p:cSld>
-  <p:clrMapOvr>
-    <a:masterClrMapping/>
-  </p:clrMapOvr>
-</p:sld>
-</file>
-
-<file path=ppt/slides/slide23.xml><?xml version="1.0" encoding="utf-8"?>
-<p:sld xmlns:a="http://schemas.openxmlformats.org/drawingml/2006/main" xmlns:r="http://schemas.openxmlformats.org/officeDocument/2006/relationships" xmlns:p="http://schemas.openxmlformats.org/presentationml/2006/main">
-  <p:cSld>
-    <p:spTree>
-      <p:nvGrpSpPr>
-        <p:cNvPr id="1" name=""/>
-        <p:cNvGrpSpPr/>
-        <p:nvPr/>
-      </p:nvGrpSpPr>
-      <p:grpSpPr>
-        <a:xfrm>
-          <a:off x="0" y="0"/>
-          <a:ext cx="0" cy="0"/>
-          <a:chOff x="0" y="0"/>
-          <a:chExt cx="0" cy="0"/>
-        </a:xfrm>
-      </p:grpSpPr>
-      <p:sp>
-        <p:nvSpPr>
-          <p:cNvPr id="2" name="Title 1"/>
-          <p:cNvSpPr>
-            <a:spLocks noGrp="1"/>
-          </p:cNvSpPr>
-          <p:nvPr>
-            <p:ph type="title"/>
-          </p:nvPr>
-        </p:nvSpPr>
-        <p:spPr/>
-        <p:txBody>
-          <a:bodyPr/>
-          <a:lstStyle/>
-          <a:p>
-            <a:r>
-              <a:rPr lang="en-US" dirty="0"/>
-              <a:t>Fibonacci</a:t>
+              <a:t>Lazy</a:t>
             </a:r>
           </a:p>
         </p:txBody>
@@ -13257,13 +11326,14 @@
         <p:spPr/>
         <p:txBody>
           <a:bodyPr>
-            <a:normAutofit fontScale="85000" lnSpcReduction="20000"/>
+            <a:normAutofit fontScale="92500" lnSpcReduction="20000"/>
           </a:bodyPr>
           <a:lstStyle/>
           <a:p>
-            <a:pPr marL="0" indent="0">
-              <a:buNone/>
-            </a:pPr>
+            <a:r>
+              <a:rPr lang="en-US" dirty="0"/>
+              <a:t>Syntax:  </a:t>
+            </a:r>
             <a:r>
               <a:rPr lang="en-US" b="1" dirty="0">
                 <a:solidFill>
@@ -13273,444 +11343,117 @@
                 <a:ea typeface="Courier" charset="0"/>
                 <a:cs typeface="Courier" charset="0"/>
               </a:rPr>
-              <a:t>let</a:t>
+              <a:t>lazy</a:t>
             </a:r>
             <a:r>
               <a:rPr lang="en-US" dirty="0">
                 <a:solidFill>
-                  <a:srgbClr val="000000"/>
+                  <a:srgbClr val="6B0001"/>
                 </a:solidFill>
                 <a:latin typeface="Courier" charset="0"/>
                 <a:ea typeface="Courier" charset="0"/>
                 <a:cs typeface="Courier" charset="0"/>
               </a:rPr>
-              <a:t> </a:t>
-            </a:r>
-            <a:r>
-              <a:rPr lang="en-US" b="1" dirty="0">
-                <a:solidFill>
-                  <a:srgbClr val="6B0001"/>
+              <a:t> e</a:t>
+            </a:r>
+            <a:endParaRPr lang="en-US" dirty="0"/>
+          </a:p>
+          <a:p>
+            <a:endParaRPr lang="en-US" dirty="0"/>
+          </a:p>
+          <a:p>
+            <a:r>
+              <a:rPr lang="en-US" dirty="0">
+                <a:solidFill>
+                  <a:schemeClr val="accent2"/>
+                </a:solidFill>
+              </a:rPr>
+              <a:t>Static semantics:  </a:t>
+            </a:r>
+            <a:br>
+              <a:rPr lang="en-US" dirty="0">
+                <a:solidFill>
+                  <a:schemeClr val="accent2"/>
+                </a:solidFill>
+              </a:rPr>
+            </a:br>
+            <a:r>
+              <a:rPr lang="en-US" dirty="0">
+                <a:solidFill>
+                  <a:schemeClr val="accent2"/>
+                </a:solidFill>
+              </a:rPr>
+              <a:t>i</a:t>
+            </a:r>
+            <a:r>
+              <a:rPr lang="en-US" dirty="0">
+                <a:solidFill>
+                  <a:schemeClr val="accent2"/>
+                </a:solidFill>
+                <a:latin typeface="Cronos Pro" charset="0"/>
+                <a:ea typeface="Cronos Pro" charset="0"/>
+                <a:cs typeface="Cronos Pro" charset="0"/>
+              </a:rPr>
+              <a:t>f   </a:t>
+            </a:r>
+            <a:r>
+              <a:rPr lang="en-US" dirty="0">
+                <a:solidFill>
+                  <a:schemeClr val="accent2"/>
                 </a:solidFill>
                 <a:latin typeface="Courier" charset="0"/>
                 <a:ea typeface="Courier" charset="0"/>
                 <a:cs typeface="Courier" charset="0"/>
               </a:rPr>
-              <a:t>rec</a:t>
+              <a:t>e : t</a:t>
             </a:r>
             <a:r>
               <a:rPr lang="en-US" dirty="0">
                 <a:solidFill>
-                  <a:srgbClr val="000000"/>
+                  <a:schemeClr val="accent2"/>
+                </a:solidFill>
+                <a:latin typeface="Cronos Pro" charset="0"/>
+                <a:ea typeface="Cronos Pro" charset="0"/>
+                <a:cs typeface="Cronos Pro" charset="0"/>
+              </a:rPr>
+              <a:t>   then   </a:t>
+            </a:r>
+            <a:r>
+              <a:rPr lang="en-US" b="1" dirty="0">
+                <a:solidFill>
+                  <a:schemeClr val="accent2"/>
                 </a:solidFill>
                 <a:latin typeface="Courier" charset="0"/>
                 <a:ea typeface="Courier" charset="0"/>
                 <a:cs typeface="Courier" charset="0"/>
               </a:rPr>
-              <a:t> fibs </a:t>
+              <a:t>lazy</a:t>
             </a:r>
             <a:r>
               <a:rPr lang="en-US" dirty="0">
                 <a:solidFill>
-                  <a:srgbClr val="6D6F24"/>
+                  <a:schemeClr val="accent2"/>
                 </a:solidFill>
                 <a:latin typeface="Courier" charset="0"/>
                 <a:ea typeface="Courier" charset="0"/>
                 <a:cs typeface="Courier" charset="0"/>
               </a:rPr>
-              <a:t>=</a:t>
-            </a:r>
-            <a:r>
-              <a:rPr lang="en-US" dirty="0">
-                <a:solidFill>
-                  <a:srgbClr val="000000"/>
+              <a:t> e : t </a:t>
+            </a:r>
+            <a:r>
+              <a:rPr lang="en-US" dirty="0" err="1">
+                <a:solidFill>
+                  <a:schemeClr val="accent2"/>
                 </a:solidFill>
                 <a:latin typeface="Courier" charset="0"/>
                 <a:ea typeface="Courier" charset="0"/>
                 <a:cs typeface="Courier" charset="0"/>
               </a:rPr>
-              <a:t> </a:t>
-            </a:r>
-          </a:p>
-          <a:p>
-            <a:pPr marL="0" indent="0">
-              <a:buNone/>
-            </a:pPr>
-            <a:r>
-              <a:rPr lang="mr-IN" dirty="0">
-                <a:solidFill>
-                  <a:srgbClr val="000000"/>
-                </a:solidFill>
-                <a:latin typeface="Courier" charset="0"/>
-                <a:ea typeface="Courier" charset="0"/>
-                <a:cs typeface="Courier" charset="0"/>
-              </a:rPr>
-              <a:t>  </a:t>
-            </a:r>
-            <a:r>
-              <a:rPr lang="mr-IN" dirty="0" err="1">
-                <a:solidFill>
-                  <a:srgbClr val="000000"/>
-                </a:solidFill>
-                <a:latin typeface="Courier" charset="0"/>
-                <a:ea typeface="Courier" charset="0"/>
-                <a:cs typeface="Courier" charset="0"/>
-              </a:rPr>
-              <a:t>Cons</a:t>
-            </a:r>
-            <a:r>
-              <a:rPr lang="mr-IN" dirty="0">
-                <a:solidFill>
-                  <a:srgbClr val="6D6F24"/>
-                </a:solidFill>
-                <a:latin typeface="Courier" charset="0"/>
-                <a:ea typeface="Courier" charset="0"/>
-                <a:cs typeface="Courier" charset="0"/>
-              </a:rPr>
-              <a:t>(</a:t>
-            </a:r>
-            <a:r>
-              <a:rPr lang="mr-IN" dirty="0">
-                <a:solidFill>
-                  <a:srgbClr val="107D02"/>
-                </a:solidFill>
-                <a:latin typeface="Courier" charset="0"/>
-                <a:ea typeface="Courier" charset="0"/>
-                <a:cs typeface="Courier" charset="0"/>
-              </a:rPr>
-              <a:t>1</a:t>
-            </a:r>
-            <a:r>
-              <a:rPr lang="mr-IN" dirty="0">
-                <a:solidFill>
-                  <a:srgbClr val="6D6F24"/>
-                </a:solidFill>
-                <a:latin typeface="Courier" charset="0"/>
-                <a:ea typeface="Courier" charset="0"/>
-                <a:cs typeface="Courier" charset="0"/>
-              </a:rPr>
-              <a:t>,</a:t>
-            </a:r>
-            <a:r>
-              <a:rPr lang="mr-IN" dirty="0">
-                <a:solidFill>
-                  <a:srgbClr val="000000"/>
-                </a:solidFill>
-                <a:latin typeface="Courier" charset="0"/>
-                <a:ea typeface="Courier" charset="0"/>
-                <a:cs typeface="Courier" charset="0"/>
-              </a:rPr>
-              <a:t> </a:t>
-            </a:r>
-            <a:r>
-              <a:rPr lang="mr-IN" b="1" dirty="0" err="1">
-                <a:solidFill>
-                  <a:srgbClr val="6B0001"/>
-                </a:solidFill>
-                <a:latin typeface="Courier" charset="0"/>
-                <a:ea typeface="Courier" charset="0"/>
-                <a:cs typeface="Courier" charset="0"/>
-              </a:rPr>
-              <a:t>fun</a:t>
-            </a:r>
-            <a:r>
-              <a:rPr lang="mr-IN" dirty="0">
-                <a:solidFill>
-                  <a:srgbClr val="000000"/>
-                </a:solidFill>
-                <a:latin typeface="Courier" charset="0"/>
-                <a:ea typeface="Courier" charset="0"/>
-                <a:cs typeface="Courier" charset="0"/>
-              </a:rPr>
-              <a:t> </a:t>
-            </a:r>
-            <a:r>
-              <a:rPr lang="mr-IN" dirty="0">
-                <a:solidFill>
-                  <a:srgbClr val="6D6F24"/>
-                </a:solidFill>
-                <a:latin typeface="Courier" charset="0"/>
-                <a:ea typeface="Courier" charset="0"/>
-                <a:cs typeface="Courier" charset="0"/>
-              </a:rPr>
-              <a:t>()</a:t>
-            </a:r>
-            <a:r>
-              <a:rPr lang="mr-IN" dirty="0">
-                <a:solidFill>
-                  <a:srgbClr val="000000"/>
-                </a:solidFill>
-                <a:latin typeface="Courier" charset="0"/>
-                <a:ea typeface="Courier" charset="0"/>
-                <a:cs typeface="Courier" charset="0"/>
-              </a:rPr>
-              <a:t> </a:t>
-            </a:r>
-            <a:r>
-              <a:rPr lang="mr-IN" dirty="0">
-                <a:solidFill>
-                  <a:srgbClr val="6D6F24"/>
-                </a:solidFill>
-                <a:latin typeface="Courier" charset="0"/>
-                <a:ea typeface="Courier" charset="0"/>
-                <a:cs typeface="Courier" charset="0"/>
-              </a:rPr>
-              <a:t>-&gt;</a:t>
-            </a:r>
-            <a:r>
-              <a:rPr lang="mr-IN" dirty="0">
-                <a:solidFill>
-                  <a:srgbClr val="000000"/>
-                </a:solidFill>
-                <a:latin typeface="Courier" charset="0"/>
-                <a:ea typeface="Courier" charset="0"/>
-                <a:cs typeface="Courier" charset="0"/>
-              </a:rPr>
-              <a:t> </a:t>
-            </a:r>
-          </a:p>
-          <a:p>
-            <a:pPr marL="0" indent="0">
-              <a:buNone/>
-            </a:pPr>
-            <a:r>
-              <a:rPr lang="mr-IN" dirty="0">
-                <a:solidFill>
-                  <a:srgbClr val="000000"/>
-                </a:solidFill>
-                <a:latin typeface="Courier" charset="0"/>
-                <a:ea typeface="Courier" charset="0"/>
-                <a:cs typeface="Courier" charset="0"/>
-              </a:rPr>
-              <a:t>    </a:t>
-            </a:r>
-            <a:r>
-              <a:rPr lang="mr-IN" dirty="0" err="1">
-                <a:solidFill>
-                  <a:srgbClr val="000000"/>
-                </a:solidFill>
-                <a:latin typeface="Courier" charset="0"/>
-                <a:ea typeface="Courier" charset="0"/>
-                <a:cs typeface="Courier" charset="0"/>
-              </a:rPr>
-              <a:t>Cons</a:t>
-            </a:r>
-            <a:r>
-              <a:rPr lang="mr-IN" dirty="0">
-                <a:solidFill>
-                  <a:srgbClr val="6D6F24"/>
-                </a:solidFill>
-                <a:latin typeface="Courier" charset="0"/>
-                <a:ea typeface="Courier" charset="0"/>
-                <a:cs typeface="Courier" charset="0"/>
-              </a:rPr>
-              <a:t>(</a:t>
-            </a:r>
-            <a:r>
-              <a:rPr lang="mr-IN" dirty="0">
-                <a:solidFill>
-                  <a:srgbClr val="107D02"/>
-                </a:solidFill>
-                <a:latin typeface="Courier" charset="0"/>
-                <a:ea typeface="Courier" charset="0"/>
-                <a:cs typeface="Courier" charset="0"/>
-              </a:rPr>
-              <a:t>1</a:t>
-            </a:r>
-            <a:r>
-              <a:rPr lang="mr-IN" dirty="0">
-                <a:solidFill>
-                  <a:srgbClr val="6D6F24"/>
-                </a:solidFill>
-                <a:latin typeface="Courier" charset="0"/>
-                <a:ea typeface="Courier" charset="0"/>
-                <a:cs typeface="Courier" charset="0"/>
-              </a:rPr>
-              <a:t>,</a:t>
-            </a:r>
-            <a:r>
-              <a:rPr lang="mr-IN" dirty="0">
-                <a:solidFill>
-                  <a:srgbClr val="000000"/>
-                </a:solidFill>
-                <a:latin typeface="Courier" charset="0"/>
-                <a:ea typeface="Courier" charset="0"/>
-                <a:cs typeface="Courier" charset="0"/>
-              </a:rPr>
-              <a:t> </a:t>
-            </a:r>
-            <a:r>
-              <a:rPr lang="mr-IN" b="1" dirty="0" err="1">
-                <a:solidFill>
-                  <a:srgbClr val="6B0001"/>
-                </a:solidFill>
-                <a:latin typeface="Courier" charset="0"/>
-                <a:ea typeface="Courier" charset="0"/>
-                <a:cs typeface="Courier" charset="0"/>
-              </a:rPr>
-              <a:t>fun</a:t>
-            </a:r>
-            <a:r>
-              <a:rPr lang="mr-IN" dirty="0">
-                <a:solidFill>
-                  <a:srgbClr val="000000"/>
-                </a:solidFill>
-                <a:latin typeface="Courier" charset="0"/>
-                <a:ea typeface="Courier" charset="0"/>
-                <a:cs typeface="Courier" charset="0"/>
-              </a:rPr>
-              <a:t> </a:t>
-            </a:r>
-            <a:r>
-              <a:rPr lang="mr-IN" dirty="0">
-                <a:solidFill>
-                  <a:srgbClr val="6D6F24"/>
-                </a:solidFill>
-                <a:latin typeface="Courier" charset="0"/>
-                <a:ea typeface="Courier" charset="0"/>
-                <a:cs typeface="Courier" charset="0"/>
-              </a:rPr>
-              <a:t>()</a:t>
-            </a:r>
-            <a:r>
-              <a:rPr lang="mr-IN" dirty="0">
-                <a:solidFill>
-                  <a:srgbClr val="000000"/>
-                </a:solidFill>
-                <a:latin typeface="Courier" charset="0"/>
-                <a:ea typeface="Courier" charset="0"/>
-                <a:cs typeface="Courier" charset="0"/>
-              </a:rPr>
-              <a:t> </a:t>
-            </a:r>
-            <a:r>
-              <a:rPr lang="mr-IN" dirty="0">
-                <a:solidFill>
-                  <a:srgbClr val="6D6F24"/>
-                </a:solidFill>
-                <a:latin typeface="Courier" charset="0"/>
-                <a:ea typeface="Courier" charset="0"/>
-                <a:cs typeface="Courier" charset="0"/>
-              </a:rPr>
-              <a:t>-&gt;</a:t>
-            </a:r>
-            <a:r>
-              <a:rPr lang="mr-IN" dirty="0">
-                <a:solidFill>
-                  <a:srgbClr val="000000"/>
-                </a:solidFill>
-                <a:latin typeface="Courier" charset="0"/>
-                <a:ea typeface="Courier" charset="0"/>
-                <a:cs typeface="Courier" charset="0"/>
-              </a:rPr>
-              <a:t> </a:t>
-            </a:r>
-          </a:p>
-          <a:p>
-            <a:pPr marL="0" indent="0">
-              <a:buNone/>
-            </a:pPr>
-            <a:r>
-              <a:rPr lang="mr-IN" dirty="0">
-                <a:solidFill>
-                  <a:srgbClr val="000000"/>
-                </a:solidFill>
-                <a:latin typeface="Courier" charset="0"/>
-                <a:ea typeface="Courier" charset="0"/>
-                <a:cs typeface="Courier" charset="0"/>
-              </a:rPr>
-              <a:t>      </a:t>
-            </a:r>
-            <a:r>
-              <a:rPr lang="mr-IN" dirty="0" err="1">
-                <a:solidFill>
-                  <a:srgbClr val="000000"/>
-                </a:solidFill>
-                <a:latin typeface="Courier" charset="0"/>
-                <a:ea typeface="Courier" charset="0"/>
-                <a:cs typeface="Courier" charset="0"/>
-              </a:rPr>
-              <a:t>sum</a:t>
-            </a:r>
-            <a:r>
-              <a:rPr lang="mr-IN" dirty="0">
-                <a:solidFill>
-                  <a:srgbClr val="000000"/>
-                </a:solidFill>
-                <a:latin typeface="Courier" charset="0"/>
-                <a:ea typeface="Courier" charset="0"/>
-                <a:cs typeface="Courier" charset="0"/>
-              </a:rPr>
-              <a:t> </a:t>
-            </a:r>
-            <a:r>
-              <a:rPr lang="mr-IN" dirty="0" err="1">
-                <a:solidFill>
-                  <a:srgbClr val="000000"/>
-                </a:solidFill>
-                <a:latin typeface="Courier" charset="0"/>
-                <a:ea typeface="Courier" charset="0"/>
-                <a:cs typeface="Courier" charset="0"/>
-              </a:rPr>
-              <a:t>fibs</a:t>
-            </a:r>
-            <a:r>
-              <a:rPr lang="mr-IN" dirty="0">
-                <a:solidFill>
-                  <a:srgbClr val="6D6F24"/>
-                </a:solidFill>
-                <a:latin typeface="Courier" charset="0"/>
-                <a:ea typeface="Courier" charset="0"/>
-                <a:cs typeface="Courier" charset="0"/>
-              </a:rPr>
-              <a:t> (</a:t>
-            </a:r>
-            <a:r>
-              <a:rPr lang="mr-IN" dirty="0" err="1">
-                <a:solidFill>
-                  <a:srgbClr val="000000"/>
-                </a:solidFill>
-                <a:latin typeface="Courier" charset="0"/>
-                <a:ea typeface="Courier" charset="0"/>
-                <a:cs typeface="Courier" charset="0"/>
-              </a:rPr>
-              <a:t>tl</a:t>
-            </a:r>
-            <a:r>
-              <a:rPr lang="mr-IN" dirty="0">
-                <a:solidFill>
-                  <a:srgbClr val="000000"/>
-                </a:solidFill>
-                <a:latin typeface="Courier" charset="0"/>
-                <a:ea typeface="Courier" charset="0"/>
-                <a:cs typeface="Courier" charset="0"/>
-              </a:rPr>
-              <a:t> </a:t>
-            </a:r>
-            <a:r>
-              <a:rPr lang="mr-IN" dirty="0" err="1">
-                <a:solidFill>
-                  <a:srgbClr val="000000"/>
-                </a:solidFill>
-                <a:latin typeface="Courier" charset="0"/>
-                <a:ea typeface="Courier" charset="0"/>
-                <a:cs typeface="Courier" charset="0"/>
-              </a:rPr>
-              <a:t>fibs</a:t>
-            </a:r>
-            <a:r>
-              <a:rPr lang="mr-IN" dirty="0">
-                <a:solidFill>
-                  <a:srgbClr val="6D6F24"/>
-                </a:solidFill>
-                <a:latin typeface="Courier" charset="0"/>
-                <a:ea typeface="Courier" charset="0"/>
-                <a:cs typeface="Courier" charset="0"/>
-              </a:rPr>
-              <a:t>)))</a:t>
+              <a:t>lazy_t</a:t>
             </a:r>
             <a:endParaRPr lang="en-US" dirty="0">
               <a:solidFill>
-                <a:srgbClr val="6D6F24"/>
+                <a:schemeClr val="accent2"/>
               </a:solidFill>
               <a:latin typeface="Courier" charset="0"/>
               <a:ea typeface="Courier" charset="0"/>
@@ -13718,12 +11461,9 @@
             </a:endParaRPr>
           </a:p>
           <a:p>
-            <a:pPr marL="0" indent="0">
-              <a:buNone/>
-            </a:pPr>
             <a:endParaRPr lang="en-US" dirty="0">
               <a:solidFill>
-                <a:srgbClr val="6D6F24"/>
+                <a:srgbClr val="6B0001"/>
               </a:solidFill>
               <a:latin typeface="Courier" charset="0"/>
               <a:ea typeface="Courier" charset="0"/>
@@ -13731,123 +11471,207 @@
             </a:endParaRPr>
           </a:p>
           <a:p>
-            <a:pPr marL="0" indent="0">
-              <a:buNone/>
-            </a:pPr>
-            <a:r>
-              <a:rPr lang="en-US" dirty="0"/>
-              <a:t>But try:  </a:t>
-            </a:r>
             <a:r>
               <a:rPr lang="en-US" dirty="0">
-                <a:latin typeface="Courier" charset="0"/>
-                <a:ea typeface="Courier" charset="0"/>
-                <a:cs typeface="Courier" charset="0"/>
-              </a:rPr>
-              <a:t>take 100 fibs</a:t>
-            </a:r>
-          </a:p>
-          <a:p>
-            <a:pPr marL="0" indent="0">
-              <a:buNone/>
-            </a:pPr>
-            <a:endParaRPr lang="en-US" dirty="0">
-              <a:latin typeface="Courier" charset="0"/>
-              <a:ea typeface="Courier" charset="0"/>
-              <a:cs typeface="Courier" charset="0"/>
-            </a:endParaRPr>
-          </a:p>
-          <a:p>
-            <a:pPr marL="0" indent="0">
-              <a:buNone/>
-            </a:pPr>
-            <a:r>
-              <a:rPr lang="en-US" dirty="0">
-                <a:solidFill>
-                  <a:schemeClr val="accent6"/>
+                <a:solidFill>
+                  <a:schemeClr val="accent1"/>
                 </a:solidFill>
                 <a:latin typeface="Cronos Pro" charset="0"/>
                 <a:ea typeface="Cronos Pro" charset="0"/>
                 <a:cs typeface="Cronos Pro" charset="0"/>
               </a:rPr>
-              <a:t>Exponential amount of </a:t>
-            </a:r>
-            <a:r>
-              <a:rPr lang="en-US" dirty="0" err="1">
-                <a:solidFill>
-                  <a:schemeClr val="accent6"/>
+              <a:t>Dynamic semantics: </a:t>
+            </a:r>
+          </a:p>
+          <a:p>
+            <a:pPr lvl="1"/>
+            <a:r>
+              <a:rPr lang="en-US" b="1" dirty="0">
+                <a:solidFill>
+                  <a:schemeClr val="accent1"/>
+                </a:solidFill>
+                <a:latin typeface="Courier" charset="0"/>
+                <a:ea typeface="Courier" charset="0"/>
+                <a:cs typeface="Courier" charset="0"/>
+              </a:rPr>
+              <a:t>lazy</a:t>
+            </a:r>
+            <a:r>
+              <a:rPr lang="en-US" dirty="0">
+                <a:solidFill>
+                  <a:schemeClr val="accent1"/>
+                </a:solidFill>
+                <a:latin typeface="Courier" charset="0"/>
+                <a:ea typeface="Courier" charset="0"/>
+                <a:cs typeface="Courier" charset="0"/>
+              </a:rPr>
+              <a:t> e </a:t>
+            </a:r>
+            <a:r>
+              <a:rPr lang="en-US" dirty="0">
+                <a:solidFill>
+                  <a:schemeClr val="accent1"/>
                 </a:solidFill>
                 <a:latin typeface="Cronos Pro" charset="0"/>
                 <a:ea typeface="Cronos Pro" charset="0"/>
                 <a:cs typeface="Cronos Pro" charset="0"/>
               </a:rPr>
-              <a:t>recomputation</a:t>
-            </a:r>
-            <a:r>
-              <a:rPr lang="en-US" dirty="0">
-                <a:solidFill>
-                  <a:schemeClr val="accent6"/>
+              <a:t>evaluates to a </a:t>
+            </a:r>
+            <a:r>
+              <a:rPr lang="en-US" i="1" dirty="0">
+                <a:solidFill>
+                  <a:schemeClr val="accent1"/>
                 </a:solidFill>
                 <a:latin typeface="Cronos Pro" charset="0"/>
                 <a:ea typeface="Cronos Pro" charset="0"/>
                 <a:cs typeface="Cronos Pro" charset="0"/>
               </a:rPr>
-              <a:t>:  </a:t>
-            </a:r>
-            <a:r>
-              <a:rPr lang="en-US" dirty="0">
-                <a:latin typeface="Cronos Pro" charset="0"/>
-                <a:ea typeface="Cronos Pro" charset="0"/>
-                <a:cs typeface="Cronos Pro" charset="0"/>
-              </a:rPr>
-              <a:t>regenerate entire prefix of </a:t>
-            </a:r>
-            <a:r>
-              <a:rPr lang="en-US" dirty="0">
-                <a:latin typeface="Courier" charset="0"/>
-                <a:ea typeface="Courier" charset="0"/>
-                <a:cs typeface="Courier" charset="0"/>
-              </a:rPr>
-              <a:t>fibs</a:t>
-            </a:r>
-            <a:r>
-              <a:rPr lang="en-US" dirty="0">
-                <a:latin typeface="Cronos Pro" charset="0"/>
-                <a:ea typeface="Cronos Pro" charset="0"/>
-                <a:cs typeface="Cronos Pro" charset="0"/>
-              </a:rPr>
-              <a:t>, twice, for each element produced</a:t>
-            </a:r>
-          </a:p>
-          <a:p>
-            <a:pPr marL="0" indent="0">
-              <a:buNone/>
-            </a:pPr>
+              <a:t>delayed value</a:t>
+            </a:r>
             <a:endParaRPr lang="en-US" dirty="0">
+              <a:solidFill>
+                <a:schemeClr val="accent1"/>
+              </a:solidFill>
               <a:latin typeface="Cronos Pro" charset="0"/>
               <a:ea typeface="Cronos Pro" charset="0"/>
               <a:cs typeface="Cronos Pro" charset="0"/>
             </a:endParaRPr>
           </a:p>
           <a:p>
-            <a:pPr marL="0" indent="0">
-              <a:buNone/>
-            </a:pPr>
+            <a:pPr lvl="1"/>
             <a:r>
               <a:rPr lang="en-US" dirty="0">
+                <a:solidFill>
+                  <a:schemeClr val="accent1"/>
+                </a:solidFill>
                 <a:latin typeface="Cronos Pro" charset="0"/>
                 <a:ea typeface="Cronos Pro" charset="0"/>
                 <a:cs typeface="Cronos Pro" charset="0"/>
               </a:rPr>
-              <a:t>Solution:  the Lazy module, covered in textbook</a:t>
-            </a:r>
+              <a:t>does not evaluate e to a value yet</a:t>
+            </a:r>
+          </a:p>
+          <a:p>
+            <a:pPr lvl="1"/>
+            <a:r>
+              <a:rPr lang="en-US" dirty="0">
+                <a:solidFill>
+                  <a:schemeClr val="accent1"/>
+                </a:solidFill>
+                <a:latin typeface="Cronos Pro" charset="0"/>
+                <a:ea typeface="Cronos Pro" charset="0"/>
+                <a:cs typeface="Cronos Pro" charset="0"/>
+              </a:rPr>
+              <a:t>when forced for the first time, evaluates </a:t>
+            </a:r>
+            <a:r>
+              <a:rPr lang="en-US" dirty="0">
+                <a:solidFill>
+                  <a:schemeClr val="accent1"/>
+                </a:solidFill>
+                <a:latin typeface="Courier" charset="0"/>
+                <a:ea typeface="Courier" charset="0"/>
+                <a:cs typeface="Courier" charset="0"/>
+              </a:rPr>
+              <a:t>e</a:t>
+            </a:r>
+            <a:r>
+              <a:rPr lang="en-US" dirty="0">
+                <a:solidFill>
+                  <a:schemeClr val="accent1"/>
+                </a:solidFill>
+                <a:latin typeface="Cronos Pro" charset="0"/>
+                <a:ea typeface="Cronos Pro" charset="0"/>
+                <a:cs typeface="Cronos Pro" charset="0"/>
+              </a:rPr>
+              <a:t> to a value </a:t>
+            </a:r>
+            <a:r>
+              <a:rPr lang="en-US" dirty="0">
+                <a:solidFill>
+                  <a:schemeClr val="accent1"/>
+                </a:solidFill>
+                <a:latin typeface="Courier" charset="0"/>
+                <a:ea typeface="Courier" charset="0"/>
+                <a:cs typeface="Courier" charset="0"/>
+              </a:rPr>
+              <a:t>v</a:t>
+            </a:r>
+            <a:endParaRPr lang="en-US" dirty="0">
+              <a:solidFill>
+                <a:schemeClr val="accent1"/>
+              </a:solidFill>
+              <a:latin typeface="Cronos Pro" charset="0"/>
+              <a:ea typeface="Courier" charset="0"/>
+              <a:cs typeface="Courier" charset="0"/>
+            </a:endParaRPr>
+          </a:p>
+          <a:p>
+            <a:pPr lvl="1"/>
+            <a:r>
+              <a:rPr lang="en-US" dirty="0">
+                <a:solidFill>
+                  <a:schemeClr val="accent1"/>
+                </a:solidFill>
+                <a:latin typeface="Cronos Pro" charset="0"/>
+                <a:ea typeface="Cronos Pro" charset="0"/>
+                <a:cs typeface="Cronos Pro" charset="0"/>
+              </a:rPr>
+              <a:t>if forced again, return </a:t>
+            </a:r>
+            <a:r>
+              <a:rPr lang="en-US" dirty="0">
+                <a:solidFill>
+                  <a:schemeClr val="accent1"/>
+                </a:solidFill>
+                <a:latin typeface="Courier" charset="0"/>
+                <a:ea typeface="Courier" charset="0"/>
+                <a:cs typeface="Courier" charset="0"/>
+              </a:rPr>
+              <a:t>v</a:t>
+            </a:r>
+            <a:r>
+              <a:rPr lang="en-US" dirty="0">
+                <a:solidFill>
+                  <a:schemeClr val="accent1"/>
+                </a:solidFill>
+                <a:latin typeface="Cronos Pro" charset="0"/>
+                <a:ea typeface="Cronos Pro" charset="0"/>
+                <a:cs typeface="Cronos Pro" charset="0"/>
+              </a:rPr>
+              <a:t> without evaluating </a:t>
+            </a:r>
+            <a:r>
+              <a:rPr lang="en-US" dirty="0">
+                <a:solidFill>
+                  <a:schemeClr val="accent1"/>
+                </a:solidFill>
+                <a:latin typeface="Courier" charset="0"/>
+                <a:ea typeface="Courier" charset="0"/>
+                <a:cs typeface="Courier" charset="0"/>
+              </a:rPr>
+              <a:t>e</a:t>
+            </a:r>
+            <a:r>
+              <a:rPr lang="en-US" dirty="0">
+                <a:solidFill>
+                  <a:schemeClr val="accent1"/>
+                </a:solidFill>
+                <a:latin typeface="Cronos Pro" charset="0"/>
+                <a:ea typeface="Cronos Pro" charset="0"/>
+                <a:cs typeface="Cronos Pro" charset="0"/>
+              </a:rPr>
+              <a:t> again</a:t>
+            </a:r>
+            <a:endParaRPr lang="en-US" dirty="0"/>
           </a:p>
         </p:txBody>
       </p:sp>
     </p:spTree>
     <p:extLst>
       <p:ext uri="{BB962C8B-B14F-4D97-AF65-F5344CB8AC3E}">
-        <p14:creationId xmlns:p14="http://schemas.microsoft.com/office/powerpoint/2010/main" val="2132961368"/>
+        <p14:creationId xmlns:p14="http://schemas.microsoft.com/office/powerpoint/2010/main" val="3893094045"/>
       </p:ext>
     </p:extLst>
   </p:cSld>
@@ -13890,6 +11714,104 @@
                                         <p:tgtEl>
                                           <p:spTgt spid="3">
                                             <p:txEl>
+                                              <p:pRg st="2" end="2"/>
+                                            </p:txEl>
+                                          </p:spTgt>
+                                        </p:tgtEl>
+                                        <p:attrNameLst>
+                                          <p:attrName>style.visibility</p:attrName>
+                                        </p:attrNameLst>
+                                      </p:cBhvr>
+                                      <p:to>
+                                        <p:strVal val="visible"/>
+                                      </p:to>
+                                    </p:set>
+                                  </p:childTnLst>
+                                </p:cTn>
+                              </p:par>
+                            </p:childTnLst>
+                          </p:cTn>
+                        </p:par>
+                      </p:childTnLst>
+                    </p:cTn>
+                  </p:par>
+                  <p:par>
+                    <p:cTn id="7" fill="hold">
+                      <p:stCondLst>
+                        <p:cond delay="indefinite"/>
+                      </p:stCondLst>
+                      <p:childTnLst>
+                        <p:par>
+                          <p:cTn id="8" fill="hold">
+                            <p:stCondLst>
+                              <p:cond delay="0"/>
+                            </p:stCondLst>
+                            <p:childTnLst>
+                              <p:par>
+                                <p:cTn id="9" presetID="1" presetClass="entr" presetSubtype="0" fill="hold" nodeType="clickEffect">
+                                  <p:stCondLst>
+                                    <p:cond delay="0"/>
+                                  </p:stCondLst>
+                                  <p:childTnLst>
+                                    <p:set>
+                                      <p:cBhvr>
+                                        <p:cTn id="10" dur="1" fill="hold">
+                                          <p:stCondLst>
+                                            <p:cond delay="0"/>
+                                          </p:stCondLst>
+                                        </p:cTn>
+                                        <p:tgtEl>
+                                          <p:spTgt spid="3">
+                                            <p:txEl>
+                                              <p:pRg st="4" end="4"/>
+                                            </p:txEl>
+                                          </p:spTgt>
+                                        </p:tgtEl>
+                                        <p:attrNameLst>
+                                          <p:attrName>style.visibility</p:attrName>
+                                        </p:attrNameLst>
+                                      </p:cBhvr>
+                                      <p:to>
+                                        <p:strVal val="visible"/>
+                                      </p:to>
+                                    </p:set>
+                                  </p:childTnLst>
+                                </p:cTn>
+                              </p:par>
+                            </p:childTnLst>
+                          </p:cTn>
+                        </p:par>
+                      </p:childTnLst>
+                    </p:cTn>
+                  </p:par>
+                  <p:par>
+                    <p:cTn id="11" fill="hold">
+                      <p:stCondLst>
+                        <p:cond delay="indefinite"/>
+                      </p:stCondLst>
+                      <p:childTnLst>
+                        <p:par>
+                          <p:cTn id="12" fill="hold">
+                            <p:stCondLst>
+                              <p:cond delay="0"/>
+                            </p:stCondLst>
+                            <p:childTnLst>
+                              <p:par>
+                                <p:cTn id="13" presetID="1" presetClass="entr" presetSubtype="0" fill="hold" nodeType="clickEffect">
+                                  <p:stCondLst>
+                                    <p:cond delay="0"/>
+                                  </p:stCondLst>
+                                  <p:childTnLst>
+                                    <p:set>
+                                      <p:cBhvr>
+                                        <p:cTn id="14" dur="1" fill="hold">
+                                          <p:stCondLst>
+                                            <p:cond delay="0"/>
+                                          </p:stCondLst>
+                                        </p:cTn>
+                                        <p:tgtEl>
+                                          <p:spTgt spid="3">
+                                            <p:txEl>
                                               <p:pRg st="5" end="5"/>
                                             </p:txEl>
                                           </p:spTgt>
@@ -13905,15 +11827,82 @@
                                   </p:childTnLst>
                                 </p:cTn>
                               </p:par>
+                            </p:childTnLst>
+                          </p:cTn>
+                        </p:par>
+                      </p:childTnLst>
+                    </p:cTn>
+                  </p:par>
+                  <p:par>
+                    <p:cTn id="15" fill="hold">
+                      <p:stCondLst>
+                        <p:cond delay="indefinite"/>
+                      </p:stCondLst>
+                      <p:childTnLst>
+                        <p:par>
+                          <p:cTn id="16" fill="hold">
+                            <p:stCondLst>
+                              <p:cond delay="0"/>
+                            </p:stCondLst>
+                            <p:childTnLst>
                               <p:par>
-                                <p:cTn id="7" presetID="1" presetClass="entr" presetSubtype="0" fill="hold" nodeType="withEffect">
+                                <p:cTn id="17" presetID="1" presetClass="entr" presetSubtype="0" fill="hold" nodeType="clickEffect">
                                   <p:stCondLst>
                                     <p:cond delay="0"/>
                                   </p:stCondLst>
                                   <p:childTnLst>
                                     <p:set>
                                       <p:cBhvr>
-                                        <p:cTn id="8" dur="1" fill="hold">
+                                        <p:cTn id="18" dur="1" fill="hold">
+                                          <p:stCondLst>
+                                            <p:cond delay="0"/>
+                                          </p:stCondLst>
+                                        </p:cTn>
+                                        <p:tgtEl>
+                                          <p:spTgt spid="3">
+                                            <p:txEl>
+                                              <p:pRg st="6" end="6"/>
+                                            </p:txEl>
+                                          </p:spTgt>
+                                        </p:tgtEl>
+                                        <p:attrNameLst>
+                                          <p:attrName>style.visibility</p:attrName>
+                                        </p:attrNameLst>
+                                      </p:cBhvr>
+                                      <p:to>
+                                        <p:strVal val="visible"/>
+                                      </p:to>
+                                    </p:set>
+                                  </p:childTnLst>
+                                </p:cTn>
+                              </p:par>
+                            </p:childTnLst>
+                          </p:cTn>
+                        </p:par>
+                      </p:childTnLst>
+                    </p:cTn>
+                  </p:par>
+                  <p:par>
+                    <p:cTn id="19" fill="hold">
+                      <p:stCondLst>
+                        <p:cond delay="indefinite"/>
+                      </p:stCondLst>
+                      <p:childTnLst>
+                        <p:par>
+                          <p:cTn id="20" fill="hold">
+                            <p:stCondLst>
+                              <p:cond delay="0"/>
+                            </p:stCondLst>
+                            <p:childTnLst>
+                              <p:par>
+                                <p:cTn id="21" presetID="1" presetClass="entr" presetSubtype="0" fill="hold" nodeType="clickEffect">
+                                  <p:stCondLst>
+                                    <p:cond delay="0"/>
+                                  </p:stCondLst>
+                                  <p:childTnLst>
+                                    <p:set>
+                                      <p:cBhvr>
+                                        <p:cTn id="22" dur="1" fill="hold">
                                           <p:stCondLst>
                                             <p:cond delay="0"/>
                                           </p:stCondLst>
@@ -13936,15 +11925,33 @@
                                   </p:childTnLst>
                                 </p:cTn>
                               </p:par>
+                            </p:childTnLst>
+                          </p:cTn>
+                        </p:par>
+                      </p:childTnLst>
+                    </p:cTn>
+                  </p:par>
+                  <p:par>
+                    <p:cTn id="23" fill="hold">
+                      <p:stCondLst>
+                        <p:cond delay="indefinite"/>
+                      </p:stCondLst>
+                      <p:childTnLst>
+                        <p:par>
+                          <p:cTn id="24" fill="hold">
+                            <p:stCondLst>
+                              <p:cond delay="0"/>
+                            </p:stCondLst>
+                            <p:childTnLst>
                               <p:par>
-                                <p:cTn id="9" presetID="1" presetClass="entr" presetSubtype="0" fill="hold" nodeType="withEffect">
+                                <p:cTn id="25" presetID="1" presetClass="entr" presetSubtype="0" fill="hold" nodeType="clickEffect">
                                   <p:stCondLst>
                                     <p:cond delay="0"/>
                                   </p:stCondLst>
                                   <p:childTnLst>
                                     <p:set>
                                       <p:cBhvr>
-                                        <p:cTn id="10" dur="1" fill="hold">
+                                        <p:cTn id="26" dur="1" fill="hold">
                                           <p:stCondLst>
                                             <p:cond delay="0"/>
                                           </p:stCondLst>
@@ -13952,7 +11959,7 @@
                                         <p:tgtEl>
                                           <p:spTgt spid="3">
                                             <p:txEl>
-                                              <p:pRg st="9" end="9"/>
+                                              <p:pRg st="8" end="8"/>
                                             </p:txEl>
                                           </p:spTgt>
                                         </p:tgtEl>
@@ -13998,7 +12005,977 @@
 </p:sld>
 </file>
 
-<file path=ppt/slides/slide24.xml><?xml version="1.0" encoding="utf-8"?>
+<file path=ppt/slides/slide19.xml><?xml version="1.0" encoding="utf-8"?>
+<p:sld xmlns:a="http://schemas.openxmlformats.org/drawingml/2006/main" xmlns:r="http://schemas.openxmlformats.org/officeDocument/2006/relationships" xmlns:p="http://schemas.openxmlformats.org/presentationml/2006/main">
+  <p:cSld>
+    <p:spTree>
+      <p:nvGrpSpPr>
+        <p:cNvPr id="1" name=""/>
+        <p:cNvGrpSpPr/>
+        <p:nvPr/>
+      </p:nvGrpSpPr>
+      <p:grpSpPr>
+        <a:xfrm>
+          <a:off x="0" y="0"/>
+          <a:ext cx="0" cy="0"/>
+          <a:chOff x="0" y="0"/>
+          <a:chExt cx="0" cy="0"/>
+        </a:xfrm>
+      </p:grpSpPr>
+      <p:sp>
+        <p:nvSpPr>
+          <p:cNvPr id="4" name="Title 3"/>
+          <p:cNvSpPr>
+            <a:spLocks noGrp="1"/>
+          </p:cNvSpPr>
+          <p:nvPr>
+            <p:ph type="title"/>
+          </p:nvPr>
+        </p:nvSpPr>
+        <p:spPr/>
+        <p:txBody>
+          <a:bodyPr/>
+          <a:lstStyle/>
+          <a:p>
+            <a:r>
+              <a:rPr lang="en-US" dirty="0"/>
+              <a:t>Lazy</a:t>
+            </a:r>
+          </a:p>
+        </p:txBody>
+      </p:sp>
+      <p:sp>
+        <p:nvSpPr>
+          <p:cNvPr id="5" name="Content Placeholder 4"/>
+          <p:cNvSpPr>
+            <a:spLocks noGrp="1"/>
+          </p:cNvSpPr>
+          <p:nvPr>
+            <p:ph idx="1"/>
+          </p:nvPr>
+        </p:nvSpPr>
+        <p:spPr/>
+        <p:txBody>
+          <a:bodyPr>
+            <a:normAutofit fontScale="92500" lnSpcReduction="10000"/>
+          </a:bodyPr>
+          <a:lstStyle/>
+          <a:p>
+            <a:pPr marL="0" indent="0">
+              <a:buNone/>
+            </a:pPr>
+            <a:r>
+              <a:rPr lang="en-US" dirty="0"/>
+              <a:t>Standard library module for</a:t>
+            </a:r>
+          </a:p>
+          <a:p>
+            <a:r>
+              <a:rPr lang="en-US" dirty="0"/>
+              <a:t>delaying evaluation</a:t>
+            </a:r>
+          </a:p>
+          <a:p>
+            <a:r>
+              <a:rPr lang="en-US" dirty="0"/>
+              <a:t>remembering results once computed</a:t>
+            </a:r>
+          </a:p>
+          <a:p>
+            <a:pPr lvl="1"/>
+            <a:endParaRPr lang="en-US" dirty="0"/>
+          </a:p>
+          <a:p>
+            <a:pPr marL="0" indent="0">
+              <a:buNone/>
+            </a:pPr>
+            <a:r>
+              <a:rPr lang="mr-IN" b="1" dirty="0" err="1">
+                <a:solidFill>
+                  <a:srgbClr val="6B0001"/>
+                </a:solidFill>
+                <a:latin typeface="Courier" charset="0"/>
+                <a:ea typeface="Courier" charset="0"/>
+                <a:cs typeface="Courier" charset="0"/>
+              </a:rPr>
+              <a:t>module</a:t>
+            </a:r>
+            <a:r>
+              <a:rPr lang="mr-IN" dirty="0">
+                <a:solidFill>
+                  <a:srgbClr val="000000"/>
+                </a:solidFill>
+                <a:latin typeface="Courier" charset="0"/>
+                <a:ea typeface="Courier" charset="0"/>
+                <a:cs typeface="Courier" charset="0"/>
+              </a:rPr>
+              <a:t> </a:t>
+            </a:r>
+            <a:r>
+              <a:rPr lang="mr-IN" dirty="0" err="1">
+                <a:solidFill>
+                  <a:srgbClr val="000000"/>
+                </a:solidFill>
+                <a:latin typeface="Courier" charset="0"/>
+                <a:ea typeface="Courier" charset="0"/>
+                <a:cs typeface="Courier" charset="0"/>
+              </a:rPr>
+              <a:t>Lazy</a:t>
+            </a:r>
+            <a:r>
+              <a:rPr lang="mr-IN" dirty="0">
+                <a:solidFill>
+                  <a:srgbClr val="000000"/>
+                </a:solidFill>
+                <a:latin typeface="Courier" charset="0"/>
+                <a:ea typeface="Courier" charset="0"/>
+                <a:cs typeface="Courier" charset="0"/>
+              </a:rPr>
+              <a:t> </a:t>
+            </a:r>
+            <a:r>
+              <a:rPr lang="mr-IN" dirty="0">
+                <a:solidFill>
+                  <a:srgbClr val="6D6F24"/>
+                </a:solidFill>
+                <a:latin typeface="Courier" charset="0"/>
+                <a:ea typeface="Courier" charset="0"/>
+                <a:cs typeface="Courier" charset="0"/>
+              </a:rPr>
+              <a:t>:</a:t>
+            </a:r>
+            <a:r>
+              <a:rPr lang="mr-IN" dirty="0">
+                <a:solidFill>
+                  <a:srgbClr val="000000"/>
+                </a:solidFill>
+                <a:latin typeface="Courier" charset="0"/>
+                <a:ea typeface="Courier" charset="0"/>
+                <a:cs typeface="Courier" charset="0"/>
+              </a:rPr>
+              <a:t>                                                                     </a:t>
+            </a:r>
+          </a:p>
+          <a:p>
+            <a:pPr marL="0" indent="0">
+              <a:buNone/>
+            </a:pPr>
+            <a:r>
+              <a:rPr lang="mr-IN" dirty="0">
+                <a:solidFill>
+                  <a:srgbClr val="000000"/>
+                </a:solidFill>
+                <a:latin typeface="Courier" charset="0"/>
+                <a:ea typeface="Courier" charset="0"/>
+                <a:cs typeface="Courier" charset="0"/>
+              </a:rPr>
+              <a:t>  </a:t>
+            </a:r>
+            <a:r>
+              <a:rPr lang="mr-IN" b="1" dirty="0" err="1">
+                <a:solidFill>
+                  <a:srgbClr val="6B0001"/>
+                </a:solidFill>
+                <a:latin typeface="Courier" charset="0"/>
+                <a:ea typeface="Courier" charset="0"/>
+                <a:cs typeface="Courier" charset="0"/>
+              </a:rPr>
+              <a:t>sig</a:t>
+            </a:r>
+            <a:r>
+              <a:rPr lang="mr-IN" dirty="0">
+                <a:solidFill>
+                  <a:srgbClr val="000000"/>
+                </a:solidFill>
+                <a:latin typeface="Courier" charset="0"/>
+                <a:ea typeface="Courier" charset="0"/>
+                <a:cs typeface="Courier" charset="0"/>
+              </a:rPr>
+              <a:t>                                                                               </a:t>
+            </a:r>
+          </a:p>
+          <a:p>
+            <a:pPr marL="0" indent="0">
+              <a:buNone/>
+            </a:pPr>
+            <a:r>
+              <a:rPr lang="mr-IN" dirty="0">
+                <a:solidFill>
+                  <a:srgbClr val="000000"/>
+                </a:solidFill>
+                <a:latin typeface="Courier" charset="0"/>
+                <a:ea typeface="Courier" charset="0"/>
+                <a:cs typeface="Courier" charset="0"/>
+              </a:rPr>
+              <a:t>    </a:t>
+            </a:r>
+            <a:r>
+              <a:rPr lang="mr-IN" b="1" dirty="0" err="1">
+                <a:solidFill>
+                  <a:srgbClr val="6B0001"/>
+                </a:solidFill>
+                <a:latin typeface="Courier" charset="0"/>
+                <a:ea typeface="Courier" charset="0"/>
+                <a:cs typeface="Courier" charset="0"/>
+              </a:rPr>
+              <a:t>type</a:t>
+            </a:r>
+            <a:r>
+              <a:rPr lang="mr-IN" dirty="0">
+                <a:solidFill>
+                  <a:srgbClr val="000000"/>
+                </a:solidFill>
+                <a:latin typeface="Courier" charset="0"/>
+                <a:ea typeface="Courier" charset="0"/>
+                <a:cs typeface="Courier" charset="0"/>
+              </a:rPr>
+              <a:t> </a:t>
+            </a:r>
+            <a:r>
+              <a:rPr lang="mr-IN" dirty="0">
+                <a:solidFill>
+                  <a:srgbClr val="6D6F24"/>
+                </a:solidFill>
+                <a:latin typeface="Courier" charset="0"/>
+                <a:ea typeface="Courier" charset="0"/>
+                <a:cs typeface="Courier" charset="0"/>
+              </a:rPr>
+              <a:t>'</a:t>
+            </a:r>
+            <a:r>
+              <a:rPr lang="mr-IN" dirty="0" err="1">
+                <a:solidFill>
+                  <a:srgbClr val="000000"/>
+                </a:solidFill>
+                <a:latin typeface="Courier" charset="0"/>
+                <a:ea typeface="Courier" charset="0"/>
+                <a:cs typeface="Courier" charset="0"/>
+              </a:rPr>
+              <a:t>a</a:t>
+            </a:r>
+            <a:r>
+              <a:rPr lang="mr-IN" dirty="0">
+                <a:solidFill>
+                  <a:srgbClr val="000000"/>
+                </a:solidFill>
+                <a:latin typeface="Courier" charset="0"/>
+                <a:ea typeface="Courier" charset="0"/>
+                <a:cs typeface="Courier" charset="0"/>
+              </a:rPr>
+              <a:t> </a:t>
+            </a:r>
+            <a:r>
+              <a:rPr lang="mr-IN" dirty="0" err="1">
+                <a:solidFill>
+                  <a:srgbClr val="000000"/>
+                </a:solidFill>
+                <a:latin typeface="Courier" charset="0"/>
+                <a:ea typeface="Courier" charset="0"/>
+                <a:cs typeface="Courier" charset="0"/>
+              </a:rPr>
+              <a:t>t</a:t>
+            </a:r>
+            <a:r>
+              <a:rPr lang="mr-IN" dirty="0">
+                <a:solidFill>
+                  <a:srgbClr val="000000"/>
+                </a:solidFill>
+                <a:latin typeface="Courier" charset="0"/>
+                <a:ea typeface="Courier" charset="0"/>
+                <a:cs typeface="Courier" charset="0"/>
+              </a:rPr>
+              <a:t> </a:t>
+            </a:r>
+            <a:r>
+              <a:rPr lang="en-US" dirty="0">
+                <a:solidFill>
+                  <a:srgbClr val="000000"/>
+                </a:solidFill>
+                <a:latin typeface="Courier" charset="0"/>
+                <a:ea typeface="Courier" charset="0"/>
+                <a:cs typeface="Courier" charset="0"/>
+              </a:rPr>
+              <a:t>= </a:t>
+            </a:r>
+            <a:r>
+              <a:rPr lang="mr-IN" dirty="0">
+                <a:solidFill>
+                  <a:srgbClr val="6D6F24"/>
+                </a:solidFill>
+                <a:latin typeface="Courier" charset="0"/>
+                <a:ea typeface="Courier" charset="0"/>
+                <a:cs typeface="Courier" charset="0"/>
+              </a:rPr>
+              <a:t>'</a:t>
+            </a:r>
+            <a:r>
+              <a:rPr lang="mr-IN" dirty="0" err="1">
+                <a:solidFill>
+                  <a:srgbClr val="000000"/>
+                </a:solidFill>
+                <a:latin typeface="Courier" charset="0"/>
+                <a:ea typeface="Courier" charset="0"/>
+                <a:cs typeface="Courier" charset="0"/>
+              </a:rPr>
+              <a:t>a</a:t>
+            </a:r>
+            <a:r>
+              <a:rPr lang="mr-IN" dirty="0">
+                <a:solidFill>
+                  <a:srgbClr val="000000"/>
+                </a:solidFill>
+                <a:latin typeface="Courier" charset="0"/>
+                <a:ea typeface="Courier" charset="0"/>
+                <a:cs typeface="Courier" charset="0"/>
+              </a:rPr>
+              <a:t> </a:t>
+            </a:r>
+            <a:r>
+              <a:rPr lang="en-US" dirty="0" err="1">
+                <a:solidFill>
+                  <a:srgbClr val="000000"/>
+                </a:solidFill>
+                <a:latin typeface="Courier" charset="0"/>
+                <a:ea typeface="Courier" charset="0"/>
+                <a:cs typeface="Courier" charset="0"/>
+              </a:rPr>
+              <a:t>lazy_t</a:t>
+            </a:r>
+            <a:r>
+              <a:rPr lang="mr-IN" dirty="0">
+                <a:solidFill>
+                  <a:srgbClr val="000000"/>
+                </a:solidFill>
+                <a:latin typeface="Courier" charset="0"/>
+                <a:ea typeface="Courier" charset="0"/>
+                <a:cs typeface="Courier" charset="0"/>
+              </a:rPr>
+              <a:t>                                             </a:t>
+            </a:r>
+          </a:p>
+          <a:p>
+            <a:pPr marL="0" indent="0">
+              <a:buNone/>
+            </a:pPr>
+            <a:r>
+              <a:rPr lang="fr-FR" dirty="0">
+                <a:solidFill>
+                  <a:srgbClr val="000000"/>
+                </a:solidFill>
+                <a:latin typeface="Courier" charset="0"/>
+                <a:ea typeface="Courier" charset="0"/>
+                <a:cs typeface="Courier" charset="0"/>
+              </a:rPr>
+              <a:t>    </a:t>
+            </a:r>
+            <a:r>
+              <a:rPr lang="fr-FR" b="1" dirty="0">
+                <a:solidFill>
+                  <a:srgbClr val="6B0001"/>
+                </a:solidFill>
+                <a:latin typeface="Courier" charset="0"/>
+                <a:ea typeface="Courier" charset="0"/>
+                <a:cs typeface="Courier" charset="0"/>
+              </a:rPr>
+              <a:t>val</a:t>
+            </a:r>
+            <a:r>
+              <a:rPr lang="fr-FR" dirty="0">
+                <a:solidFill>
+                  <a:srgbClr val="000000"/>
+                </a:solidFill>
+                <a:latin typeface="Courier" charset="0"/>
+                <a:ea typeface="Courier" charset="0"/>
+                <a:cs typeface="Courier" charset="0"/>
+              </a:rPr>
+              <a:t> force </a:t>
+            </a:r>
+            <a:r>
+              <a:rPr lang="fr-FR" dirty="0">
+                <a:solidFill>
+                  <a:srgbClr val="6D6F24"/>
+                </a:solidFill>
+                <a:latin typeface="Courier" charset="0"/>
+                <a:ea typeface="Courier" charset="0"/>
+                <a:cs typeface="Courier" charset="0"/>
+              </a:rPr>
+              <a:t>:</a:t>
+            </a:r>
+            <a:r>
+              <a:rPr lang="fr-FR" dirty="0">
+                <a:solidFill>
+                  <a:srgbClr val="000000"/>
+                </a:solidFill>
+                <a:latin typeface="Courier" charset="0"/>
+                <a:ea typeface="Courier" charset="0"/>
+                <a:cs typeface="Courier" charset="0"/>
+              </a:rPr>
+              <a:t> </a:t>
+            </a:r>
+            <a:r>
+              <a:rPr lang="fr-FR" dirty="0">
+                <a:solidFill>
+                  <a:srgbClr val="6D6F24"/>
+                </a:solidFill>
+                <a:latin typeface="Courier" charset="0"/>
+                <a:ea typeface="Courier" charset="0"/>
+                <a:cs typeface="Courier" charset="0"/>
+              </a:rPr>
+              <a:t>'</a:t>
+            </a:r>
+            <a:r>
+              <a:rPr lang="fr-FR" dirty="0">
+                <a:solidFill>
+                  <a:srgbClr val="000000"/>
+                </a:solidFill>
+                <a:latin typeface="Courier" charset="0"/>
+                <a:ea typeface="Courier" charset="0"/>
+                <a:cs typeface="Courier" charset="0"/>
+              </a:rPr>
+              <a:t>a </a:t>
+            </a:r>
+            <a:r>
+              <a:rPr lang="fr-FR" dirty="0" err="1">
+                <a:solidFill>
+                  <a:srgbClr val="000000"/>
+                </a:solidFill>
+                <a:latin typeface="Courier" charset="0"/>
+                <a:ea typeface="Courier" charset="0"/>
+                <a:cs typeface="Courier" charset="0"/>
+              </a:rPr>
+              <a:t>t</a:t>
+            </a:r>
+            <a:r>
+              <a:rPr lang="fr-FR" dirty="0">
+                <a:solidFill>
+                  <a:srgbClr val="000000"/>
+                </a:solidFill>
+                <a:latin typeface="Courier" charset="0"/>
+                <a:ea typeface="Courier" charset="0"/>
+                <a:cs typeface="Courier" charset="0"/>
+              </a:rPr>
+              <a:t> </a:t>
+            </a:r>
+            <a:r>
+              <a:rPr lang="fr-FR" dirty="0">
+                <a:solidFill>
+                  <a:srgbClr val="6D6F24"/>
+                </a:solidFill>
+                <a:latin typeface="Courier" charset="0"/>
+                <a:ea typeface="Courier" charset="0"/>
+                <a:cs typeface="Courier" charset="0"/>
+              </a:rPr>
+              <a:t>-&gt;</a:t>
+            </a:r>
+            <a:r>
+              <a:rPr lang="fr-FR" dirty="0">
+                <a:solidFill>
+                  <a:srgbClr val="000000"/>
+                </a:solidFill>
+                <a:latin typeface="Courier" charset="0"/>
+                <a:ea typeface="Courier" charset="0"/>
+                <a:cs typeface="Courier" charset="0"/>
+              </a:rPr>
+              <a:t> </a:t>
+            </a:r>
+            <a:r>
+              <a:rPr lang="fr-FR" dirty="0">
+                <a:solidFill>
+                  <a:srgbClr val="6D6F24"/>
+                </a:solidFill>
+                <a:latin typeface="Courier" charset="0"/>
+                <a:ea typeface="Courier" charset="0"/>
+                <a:cs typeface="Courier" charset="0"/>
+              </a:rPr>
+              <a:t>'</a:t>
+            </a:r>
+            <a:r>
+              <a:rPr lang="fr-FR" dirty="0">
+                <a:solidFill>
+                  <a:srgbClr val="000000"/>
+                </a:solidFill>
+                <a:latin typeface="Courier" charset="0"/>
+                <a:ea typeface="Courier" charset="0"/>
+                <a:cs typeface="Courier" charset="0"/>
+              </a:rPr>
+              <a:t>a </a:t>
+            </a:r>
+          </a:p>
+          <a:p>
+            <a:pPr marL="0" indent="0">
+              <a:buNone/>
+            </a:pPr>
+            <a:r>
+              <a:rPr lang="mr-IN" dirty="0">
+                <a:solidFill>
+                  <a:srgbClr val="000000"/>
+                </a:solidFill>
+                <a:latin typeface="Courier" charset="0"/>
+                <a:ea typeface="Courier" charset="0"/>
+                <a:cs typeface="Courier" charset="0"/>
+              </a:rPr>
+              <a:t>  </a:t>
+            </a:r>
+            <a:r>
+              <a:rPr lang="mr-IN" b="1" dirty="0" err="1">
+                <a:solidFill>
+                  <a:srgbClr val="6B0001"/>
+                </a:solidFill>
+                <a:latin typeface="Courier" charset="0"/>
+                <a:ea typeface="Courier" charset="0"/>
+                <a:cs typeface="Courier" charset="0"/>
+              </a:rPr>
+              <a:t>end</a:t>
+            </a:r>
+            <a:endParaRPr lang="en-US" b="1" dirty="0">
+              <a:solidFill>
+                <a:srgbClr val="6B0001"/>
+              </a:solidFill>
+              <a:latin typeface="Courier" charset="0"/>
+              <a:ea typeface="Courier" charset="0"/>
+              <a:cs typeface="Courier" charset="0"/>
+            </a:endParaRPr>
+          </a:p>
+          <a:p>
+            <a:pPr marL="0" indent="0">
+              <a:buNone/>
+            </a:pPr>
+            <a:endParaRPr lang="en-US" b="1" dirty="0">
+              <a:solidFill>
+                <a:srgbClr val="6B0001"/>
+              </a:solidFill>
+              <a:latin typeface="Courier" charset="0"/>
+              <a:ea typeface="Courier" charset="0"/>
+              <a:cs typeface="Courier" charset="0"/>
+            </a:endParaRPr>
+          </a:p>
+        </p:txBody>
+      </p:sp>
+      <p:sp>
+        <p:nvSpPr>
+          <p:cNvPr id="2" name="Rounded Rectangular Callout 1">
+            <a:extLst>
+              <a:ext uri="{FF2B5EF4-FFF2-40B4-BE49-F238E27FC236}">
+                <a16:creationId xmlns:a16="http://schemas.microsoft.com/office/drawing/2014/main" id="{4A1BFE58-ECDA-414E-825B-B2AEA4E3C508}"/>
+              </a:ext>
+            </a:extLst>
+          </p:cNvPr>
+          <p:cNvSpPr/>
+          <p:nvPr/>
+        </p:nvSpPr>
+        <p:spPr>
+          <a:xfrm>
+            <a:off x="6456218" y="2992582"/>
+            <a:ext cx="2369127" cy="1330036"/>
+          </a:xfrm>
+          <a:prstGeom prst="wedgeRoundRectCallout">
+            <a:avLst>
+              <a:gd name="adj1" fmla="val -80482"/>
+              <a:gd name="adj2" fmla="val 72917"/>
+              <a:gd name="adj3" fmla="val 16667"/>
+            </a:avLst>
+          </a:prstGeom>
+          <a:solidFill>
+            <a:schemeClr val="accent1">
+              <a:lumMod val="60000"/>
+              <a:lumOff val="40000"/>
+            </a:schemeClr>
+          </a:solidFill>
+          <a:ln>
+            <a:noFill/>
+          </a:ln>
+          <a:effectLst/>
+        </p:spPr>
+        <p:style>
+          <a:lnRef idx="1">
+            <a:schemeClr val="accent1"/>
+          </a:lnRef>
+          <a:fillRef idx="3">
+            <a:schemeClr val="accent1"/>
+          </a:fillRef>
+          <a:effectRef idx="2">
+            <a:schemeClr val="accent1"/>
+          </a:effectRef>
+          <a:fontRef idx="minor">
+            <a:schemeClr val="lt1"/>
+          </a:fontRef>
+        </p:style>
+        <p:txBody>
+          <a:bodyPr rtlCol="0" anchor="ctr"/>
+          <a:lstStyle/>
+          <a:p>
+            <a:pPr algn="ctr"/>
+            <a:r>
+              <a:rPr lang="en-US" dirty="0">
+                <a:latin typeface="CronosPro-Regular"/>
+                <a:cs typeface="CronosPro-Regular"/>
+              </a:rPr>
+              <a:t>Type constructor [</a:t>
+            </a:r>
+            <a:r>
+              <a:rPr lang="en-US" dirty="0" err="1">
+                <a:latin typeface="CronosPro-Regular"/>
+                <a:cs typeface="CronosPro-Regular"/>
+              </a:rPr>
+              <a:t>lazy_t</a:t>
+            </a:r>
+            <a:r>
+              <a:rPr lang="en-US" dirty="0">
+                <a:latin typeface="CronosPro-Regular"/>
+                <a:cs typeface="CronosPro-Regular"/>
+              </a:rPr>
+              <a:t>] is built-in to language </a:t>
+            </a:r>
+          </a:p>
+        </p:txBody>
+      </p:sp>
+    </p:spTree>
+    <p:extLst>
+      <p:ext uri="{BB962C8B-B14F-4D97-AF65-F5344CB8AC3E}">
+        <p14:creationId xmlns:p14="http://schemas.microsoft.com/office/powerpoint/2010/main" val="3991390916"/>
+      </p:ext>
+    </p:extLst>
+  </p:cSld>
+  <p:clrMapOvr>
+    <a:masterClrMapping/>
+  </p:clrMapOvr>
+</p:sld>
+</file>
+
+<file path=ppt/slides/slide2.xml><?xml version="1.0" encoding="utf-8"?>
+<p:sld xmlns:a="http://schemas.openxmlformats.org/drawingml/2006/main" xmlns:r="http://schemas.openxmlformats.org/officeDocument/2006/relationships" xmlns:p="http://schemas.openxmlformats.org/presentationml/2006/main">
+  <p:cSld>
+    <p:spTree>
+      <p:nvGrpSpPr>
+        <p:cNvPr id="1" name=""/>
+        <p:cNvGrpSpPr/>
+        <p:nvPr/>
+      </p:nvGrpSpPr>
+      <p:grpSpPr>
+        <a:xfrm>
+          <a:off x="0" y="0"/>
+          <a:ext cx="0" cy="0"/>
+          <a:chOff x="0" y="0"/>
+          <a:chExt cx="0" cy="0"/>
+        </a:xfrm>
+      </p:grpSpPr>
+      <p:sp>
+        <p:nvSpPr>
+          <p:cNvPr id="4" name="Title 3">
+            <a:extLst>
+              <a:ext uri="{FF2B5EF4-FFF2-40B4-BE49-F238E27FC236}">
+                <a16:creationId xmlns:a16="http://schemas.microsoft.com/office/drawing/2014/main" id="{F94F2946-7F1E-FD49-9925-9DA057982564}"/>
+              </a:ext>
+            </a:extLst>
+          </p:cNvPr>
+          <p:cNvSpPr>
+            <a:spLocks noGrp="1"/>
+          </p:cNvSpPr>
+          <p:nvPr>
+            <p:ph type="title"/>
+          </p:nvPr>
+        </p:nvSpPr>
+        <p:spPr/>
+        <p:txBody>
+          <a:bodyPr/>
+          <a:lstStyle/>
+          <a:p>
+            <a:r>
+              <a:rPr lang="en-US" dirty="0"/>
+              <a:t>Clicker Question 1</a:t>
+            </a:r>
+          </a:p>
+        </p:txBody>
+      </p:sp>
+      <p:sp>
+        <p:nvSpPr>
+          <p:cNvPr id="5" name="Text Placeholder 4">
+            <a:extLst>
+              <a:ext uri="{FF2B5EF4-FFF2-40B4-BE49-F238E27FC236}">
+                <a16:creationId xmlns:a16="http://schemas.microsoft.com/office/drawing/2014/main" id="{82C21DF8-1B2A-5D40-9878-20662574163F}"/>
+              </a:ext>
+            </a:extLst>
+          </p:cNvPr>
+          <p:cNvSpPr>
+            <a:spLocks noGrp="1"/>
+          </p:cNvSpPr>
+          <p:nvPr>
+            <p:ph type="body" idx="1"/>
+          </p:nvPr>
+        </p:nvSpPr>
+        <p:spPr/>
+        <p:txBody>
+          <a:bodyPr/>
+          <a:lstStyle/>
+          <a:p>
+            <a:endParaRPr lang="en-US"/>
+          </a:p>
+        </p:txBody>
+      </p:sp>
+    </p:spTree>
+    <p:extLst>
+      <p:ext uri="{BB962C8B-B14F-4D97-AF65-F5344CB8AC3E}">
+        <p14:creationId xmlns:p14="http://schemas.microsoft.com/office/powerpoint/2010/main" val="2792050060"/>
+      </p:ext>
+    </p:extLst>
+  </p:cSld>
+  <p:clrMapOvr>
+    <a:masterClrMapping/>
+  </p:clrMapOvr>
+</p:sld>
+</file>
+
+<file path=ppt/slides/slide20.xml><?xml version="1.0" encoding="utf-8"?>
+<p:sld xmlns:a="http://schemas.openxmlformats.org/drawingml/2006/main" xmlns:r="http://schemas.openxmlformats.org/officeDocument/2006/relationships" xmlns:p="http://schemas.openxmlformats.org/presentationml/2006/main">
+  <p:cSld>
+    <p:spTree>
+      <p:nvGrpSpPr>
+        <p:cNvPr id="1" name=""/>
+        <p:cNvGrpSpPr/>
+        <p:nvPr/>
+      </p:nvGrpSpPr>
+      <p:grpSpPr>
+        <a:xfrm>
+          <a:off x="0" y="0"/>
+          <a:ext cx="0" cy="0"/>
+          <a:chOff x="0" y="0"/>
+          <a:chExt cx="0" cy="0"/>
+        </a:xfrm>
+      </p:grpSpPr>
+      <p:sp>
+        <p:nvSpPr>
+          <p:cNvPr id="2" name="Title 1">
+            <a:extLst>
+              <a:ext uri="{FF2B5EF4-FFF2-40B4-BE49-F238E27FC236}">
+                <a16:creationId xmlns:a16="http://schemas.microsoft.com/office/drawing/2014/main" id="{A2FED94F-6B98-1448-A541-563082AED373}"/>
+              </a:ext>
+            </a:extLst>
+          </p:cNvPr>
+          <p:cNvSpPr>
+            <a:spLocks noGrp="1"/>
+          </p:cNvSpPr>
+          <p:nvPr>
+            <p:ph type="title"/>
+          </p:nvPr>
+        </p:nvSpPr>
+        <p:spPr/>
+        <p:txBody>
+          <a:bodyPr/>
+          <a:lstStyle/>
+          <a:p>
+            <a:r>
+              <a:rPr lang="en-US" dirty="0"/>
+              <a:t>Implementing Lazy</a:t>
+            </a:r>
+          </a:p>
+        </p:txBody>
+      </p:sp>
+      <p:sp>
+        <p:nvSpPr>
+          <p:cNvPr id="3" name="Content Placeholder 2">
+            <a:extLst>
+              <a:ext uri="{FF2B5EF4-FFF2-40B4-BE49-F238E27FC236}">
+                <a16:creationId xmlns:a16="http://schemas.microsoft.com/office/drawing/2014/main" id="{CBBBFABD-6642-094E-8B39-1969E66C6D7C}"/>
+              </a:ext>
+            </a:extLst>
+          </p:cNvPr>
+          <p:cNvSpPr>
+            <a:spLocks noGrp="1"/>
+          </p:cNvSpPr>
+          <p:nvPr>
+            <p:ph idx="1"/>
+          </p:nvPr>
+        </p:nvSpPr>
+        <p:spPr/>
+        <p:txBody>
+          <a:bodyPr/>
+          <a:lstStyle/>
+          <a:p>
+            <a:r>
+              <a:rPr lang="en-US" b="1" dirty="0">
+                <a:latin typeface="Courier" pitchFamily="2" charset="0"/>
+              </a:rPr>
+              <a:t>force</a:t>
+            </a:r>
+            <a:r>
+              <a:rPr lang="en-US" dirty="0"/>
+              <a:t>:  can implement yourself with references</a:t>
+            </a:r>
+          </a:p>
+          <a:p>
+            <a:r>
+              <a:rPr lang="en-US" b="1" dirty="0">
+                <a:latin typeface="Courier" pitchFamily="2" charset="0"/>
+              </a:rPr>
+              <a:t>lazy</a:t>
+            </a:r>
+            <a:r>
+              <a:rPr lang="en-US" dirty="0"/>
+              <a:t>:  can’t implement yourself</a:t>
+            </a:r>
+          </a:p>
+        </p:txBody>
+      </p:sp>
+      <p:sp>
+        <p:nvSpPr>
+          <p:cNvPr id="4" name="TextBox 3">
+            <a:extLst>
+              <a:ext uri="{FF2B5EF4-FFF2-40B4-BE49-F238E27FC236}">
+                <a16:creationId xmlns:a16="http://schemas.microsoft.com/office/drawing/2014/main" id="{6AAD0007-297F-CD48-9EFA-0F7C3847685A}"/>
+              </a:ext>
+            </a:extLst>
+          </p:cNvPr>
+          <p:cNvSpPr txBox="1"/>
+          <p:nvPr/>
+        </p:nvSpPr>
+        <p:spPr>
+          <a:xfrm>
+            <a:off x="7820832" y="6094812"/>
+            <a:ext cx="914033" cy="461665"/>
+          </a:xfrm>
+          <a:prstGeom prst="rect">
+            <a:avLst/>
+          </a:prstGeom>
+          <a:noFill/>
+        </p:spPr>
+        <p:txBody>
+          <a:bodyPr wrap="square" rtlCol="0">
+            <a:spAutoFit/>
+          </a:bodyPr>
+          <a:lstStyle/>
+          <a:p>
+            <a:r>
+              <a:rPr lang="en-US" sz="2400" dirty="0">
+                <a:solidFill>
+                  <a:schemeClr val="bg2">
+                    <a:lumMod val="50000"/>
+                  </a:schemeClr>
+                </a:solidFill>
+                <a:latin typeface="Cronos Pro" panose="020C0502030403020304" pitchFamily="34" charset="77"/>
+              </a:rPr>
+              <a:t>Demo</a:t>
+            </a:r>
+          </a:p>
+        </p:txBody>
+      </p:sp>
+    </p:spTree>
+    <p:extLst>
+      <p:ext uri="{BB962C8B-B14F-4D97-AF65-F5344CB8AC3E}">
+        <p14:creationId xmlns:p14="http://schemas.microsoft.com/office/powerpoint/2010/main" val="139276454"/>
+      </p:ext>
+    </p:extLst>
+  </p:cSld>
+  <p:clrMapOvr>
+    <a:masterClrMapping/>
+  </p:clrMapOvr>
+</p:sld>
+</file>
+
+<file path=ppt/slides/slide21.xml><?xml version="1.0" encoding="utf-8"?>
+<p:sld xmlns:a="http://schemas.openxmlformats.org/drawingml/2006/main" xmlns:r="http://schemas.openxmlformats.org/officeDocument/2006/relationships" xmlns:p="http://schemas.openxmlformats.org/presentationml/2006/main">
+  <p:cSld>
+    <p:spTree>
+      <p:nvGrpSpPr>
+        <p:cNvPr id="1" name=""/>
+        <p:cNvGrpSpPr/>
+        <p:nvPr/>
+      </p:nvGrpSpPr>
+      <p:grpSpPr>
+        <a:xfrm>
+          <a:off x="0" y="0"/>
+          <a:ext cx="0" cy="0"/>
+          <a:chOff x="0" y="0"/>
+          <a:chExt cx="0" cy="0"/>
+        </a:xfrm>
+      </p:grpSpPr>
+      <p:sp>
+        <p:nvSpPr>
+          <p:cNvPr id="2" name="Title 1"/>
+          <p:cNvSpPr>
+            <a:spLocks noGrp="1"/>
+          </p:cNvSpPr>
+          <p:nvPr>
+            <p:ph type="title"/>
+          </p:nvPr>
+        </p:nvSpPr>
+        <p:spPr/>
+        <p:txBody>
+          <a:bodyPr/>
+          <a:lstStyle/>
+          <a:p>
+            <a:r>
+              <a:rPr lang="en-US" dirty="0"/>
+              <a:t>Streams and laziness</a:t>
+            </a:r>
+          </a:p>
+        </p:txBody>
+      </p:sp>
+      <p:sp>
+        <p:nvSpPr>
+          <p:cNvPr id="3" name="Content Placeholder 2"/>
+          <p:cNvSpPr>
+            <a:spLocks noGrp="1"/>
+          </p:cNvSpPr>
+          <p:nvPr>
+            <p:ph idx="1"/>
+          </p:nvPr>
+        </p:nvSpPr>
+        <p:spPr/>
+        <p:txBody>
+          <a:bodyPr>
+            <a:normAutofit/>
+          </a:bodyPr>
+          <a:lstStyle/>
+          <a:p>
+            <a:r>
+              <a:rPr lang="en-US" dirty="0"/>
+              <a:t>Can implement streams with </a:t>
+            </a:r>
+            <a:r>
+              <a:rPr lang="en-US" b="1" dirty="0">
+                <a:latin typeface="Courier" pitchFamily="2" charset="0"/>
+              </a:rPr>
+              <a:t>Lazy</a:t>
+            </a:r>
+            <a:endParaRPr lang="en-US" b="1" dirty="0">
+              <a:solidFill>
+                <a:schemeClr val="tx1">
+                  <a:lumMod val="50000"/>
+                  <a:lumOff val="50000"/>
+                </a:schemeClr>
+              </a:solidFill>
+              <a:latin typeface="Courier" pitchFamily="2" charset="0"/>
+            </a:endParaRPr>
+          </a:p>
+          <a:p>
+            <a:r>
+              <a:rPr lang="en-US" dirty="0"/>
+              <a:t>See textbook exercise </a:t>
+            </a:r>
+            <a:r>
+              <a:rPr lang="en-US" b="1" dirty="0"/>
+              <a:t>lazy stream</a:t>
+            </a:r>
+          </a:p>
+          <a:p>
+            <a:endParaRPr lang="en-US" dirty="0"/>
+          </a:p>
+        </p:txBody>
+      </p:sp>
+    </p:spTree>
+    <p:extLst>
+      <p:ext uri="{BB962C8B-B14F-4D97-AF65-F5344CB8AC3E}">
+        <p14:creationId xmlns:p14="http://schemas.microsoft.com/office/powerpoint/2010/main" val="3146775433"/>
+      </p:ext>
+    </p:extLst>
+  </p:cSld>
+  <p:clrMapOvr>
+    <a:masterClrMapping/>
+  </p:clrMapOvr>
+</p:sld>
+</file>
+
+<file path=ppt/slides/slide22.xml><?xml version="1.0" encoding="utf-8"?>
 <p:sld xmlns:a="http://schemas.openxmlformats.org/drawingml/2006/main" xmlns:r="http://schemas.openxmlformats.org/officeDocument/2006/relationships" xmlns:p="http://schemas.openxmlformats.org/presentationml/2006/main">
   <p:cSld>
     <p:spTree>
@@ -14220,11 +13197,19 @@
             </a:pPr>
             <a:r>
               <a:rPr lang="en-US" b="1" dirty="0"/>
-              <a:t>Today:  </a:t>
-            </a:r>
+              <a:t>Today:</a:t>
+            </a:r>
+          </a:p>
+          <a:p>
             <a:r>
               <a:rPr lang="en-US" dirty="0"/>
               <a:t>Streams</a:t>
+            </a:r>
+          </a:p>
+          <a:p>
+            <a:r>
+              <a:rPr lang="en-US" dirty="0"/>
+              <a:t>Laziness</a:t>
             </a:r>
           </a:p>
           <a:p>
